--- a/OOPExam/01 Class, Abstract Class and Interfaces.pptx
+++ b/OOPExam/01 Class, Abstract Class and Interfaces.pptx
@@ -10,9 +10,10 @@
     <p:sldId id="261" r:id="rId4"/>
     <p:sldId id="259" r:id="rId5"/>
     <p:sldId id="258" r:id="rId6"/>
-    <p:sldId id="262" r:id="rId7"/>
-    <p:sldId id="260" r:id="rId8"/>
-    <p:sldId id="263" r:id="rId9"/>
+    <p:sldId id="264" r:id="rId7"/>
+    <p:sldId id="262" r:id="rId8"/>
+    <p:sldId id="260" r:id="rId9"/>
+    <p:sldId id="263" r:id="rId10"/>
   </p:sldIdLst>
   <p:sldSz cx="9144000" cy="6858000" type="screen4x3"/>
   <p:notesSz cx="6858000" cy="9144000"/>
@@ -3376,13 +3377,27 @@
             </a:r>
             <a:r>
               <a:rPr lang="en-US" i="1" dirty="0" smtClean="0"/>
-              <a:t>interface is a contract that guarantees to a client how a </a:t>
+              <a:t>interface is a contract that guarantees to a client how a class will behave</a:t>
             </a:r>
             <a:r>
               <a:rPr lang="en-US" i="1" dirty="0" smtClean="0"/>
-              <a:t>class will behave”</a:t>
-            </a:r>
-            <a:endParaRPr lang="da-DK" dirty="0"/>
+              <a:t>”</a:t>
+            </a:r>
+          </a:p>
+          <a:p>
+            <a:endParaRPr lang="en-US" i="1" dirty="0" smtClean="0"/>
+          </a:p>
+          <a:p>
+            <a:r>
+              <a:rPr lang="en-US" dirty="0" smtClean="0"/>
+              <a:t>A Class can implement more the one interface</a:t>
+            </a:r>
+          </a:p>
+          <a:p>
+            <a:r>
+              <a:rPr lang="en-US" dirty="0" smtClean="0"/>
+              <a:t>Interfaces can be extended and combined</a:t>
+            </a:r>
           </a:p>
         </p:txBody>
       </p:sp>
@@ -3528,7 +3543,11 @@
           <a:p>
             <a:r>
               <a:rPr lang="en-US" dirty="0" smtClean="0"/>
-              <a:t>Garbage Collector</a:t>
+              <a:t>Abstract </a:t>
+            </a:r>
+            <a:r>
+              <a:rPr lang="en-US" dirty="0" smtClean="0"/>
+              <a:t>Class Vs Interface</a:t>
             </a:r>
             <a:endParaRPr lang="en-US" dirty="0"/>
           </a:p>
@@ -3549,32 +3568,7 @@
           <a:bodyPr/>
           <a:lstStyle/>
           <a:p>
-            <a:r>
-              <a:rPr lang="en-US" dirty="0" smtClean="0"/>
-              <a:t>C# performs automatic garbage collection</a:t>
-            </a:r>
-          </a:p>
-          <a:p>
-            <a:pPr lvl="1"/>
-            <a:r>
-              <a:rPr lang="en-US" dirty="0" smtClean="0"/>
-              <a:t>Collection/removing objects that are marked as garbage</a:t>
-            </a:r>
-          </a:p>
-          <a:p>
-            <a:pPr lvl="1"/>
-            <a:r>
-              <a:rPr lang="en-US" dirty="0" smtClean="0"/>
-              <a:t>Object that no longer has a reference</a:t>
-            </a:r>
-          </a:p>
-          <a:p>
-            <a:pPr lvl="1"/>
-            <a:r>
-              <a:rPr lang="en-US" dirty="0" smtClean="0"/>
-              <a:t>C# programmers don’t need to worry about explicitly reclaiming memory that has become garbage </a:t>
-            </a:r>
-            <a:endParaRPr lang="en-US" dirty="0"/>
+            <a:endParaRPr lang="da-DK"/>
           </a:p>
         </p:txBody>
       </p:sp>
@@ -3620,36 +3614,53 @@
           <a:p>
             <a:r>
               <a:rPr lang="en-US" dirty="0" smtClean="0"/>
-              <a:t>Use</a:t>
-            </a:r>
-            <a:r>
-              <a:rPr lang="da-DK" dirty="0" smtClean="0"/>
-              <a:t> i</a:t>
-            </a:r>
+              <a:t>Garbage Collector</a:t>
+            </a:r>
+            <a:endParaRPr lang="en-US" dirty="0"/>
+          </a:p>
+        </p:txBody>
+      </p:sp>
+      <p:sp>
+        <p:nvSpPr>
+          <p:cNvPr id="3" name="Content Placeholder 2"/>
+          <p:cNvSpPr>
+            <a:spLocks noGrp="1"/>
+          </p:cNvSpPr>
+          <p:nvPr>
+            <p:ph idx="1"/>
+          </p:nvPr>
+        </p:nvSpPr>
+        <p:spPr/>
+        <p:txBody>
+          <a:bodyPr/>
+          <a:lstStyle/>
+          <a:p>
             <a:r>
               <a:rPr lang="en-US" dirty="0" smtClean="0"/>
-              <a:t>n our program</a:t>
+              <a:t>C# performs automatic garbage collection</a:t>
+            </a:r>
+          </a:p>
+          <a:p>
+            <a:pPr lvl="1"/>
+            <a:r>
+              <a:rPr lang="en-US" dirty="0" smtClean="0"/>
+              <a:t>Collection/removing objects that are marked as garbage</a:t>
+            </a:r>
+          </a:p>
+          <a:p>
+            <a:pPr lvl="1"/>
+            <a:r>
+              <a:rPr lang="en-US" dirty="0" smtClean="0"/>
+              <a:t>Object that no longer has a reference</a:t>
+            </a:r>
+          </a:p>
+          <a:p>
+            <a:pPr lvl="1"/>
+            <a:r>
+              <a:rPr lang="en-US" dirty="0" smtClean="0"/>
+              <a:t>C# programmers don’t need to worry about explicitly reclaiming memory that has become garbage </a:t>
             </a:r>
             <a:endParaRPr lang="en-US" dirty="0"/>
-          </a:p>
-        </p:txBody>
-      </p:sp>
-      <p:sp>
-        <p:nvSpPr>
-          <p:cNvPr id="3" name="Content Placeholder 2"/>
-          <p:cNvSpPr>
-            <a:spLocks noGrp="1"/>
-          </p:cNvSpPr>
-          <p:nvPr>
-            <p:ph idx="1"/>
-          </p:nvPr>
-        </p:nvSpPr>
-        <p:spPr/>
-        <p:txBody>
-          <a:bodyPr/>
-          <a:lstStyle/>
-          <a:p>
-            <a:endParaRPr lang="da-DK"/>
           </a:p>
         </p:txBody>
       </p:sp>
@@ -3662,6 +3673,81 @@
 </file>
 
 <file path=ppt/slides/slide8.xml><?xml version="1.0" encoding="utf-8"?>
+<p:sld xmlns:a="http://schemas.openxmlformats.org/drawingml/2006/main" xmlns:r="http://schemas.openxmlformats.org/officeDocument/2006/relationships" xmlns:p="http://schemas.openxmlformats.org/presentationml/2006/main">
+  <p:cSld>
+    <p:spTree>
+      <p:nvGrpSpPr>
+        <p:cNvPr id="1" name=""/>
+        <p:cNvGrpSpPr/>
+        <p:nvPr/>
+      </p:nvGrpSpPr>
+      <p:grpSpPr>
+        <a:xfrm>
+          <a:off x="0" y="0"/>
+          <a:ext cx="0" cy="0"/>
+          <a:chOff x="0" y="0"/>
+          <a:chExt cx="0" cy="0"/>
+        </a:xfrm>
+      </p:grpSpPr>
+      <p:sp>
+        <p:nvSpPr>
+          <p:cNvPr id="2" name="Title 1"/>
+          <p:cNvSpPr>
+            <a:spLocks noGrp="1"/>
+          </p:cNvSpPr>
+          <p:nvPr>
+            <p:ph type="title"/>
+          </p:nvPr>
+        </p:nvSpPr>
+        <p:spPr/>
+        <p:txBody>
+          <a:bodyPr/>
+          <a:lstStyle/>
+          <a:p>
+            <a:r>
+              <a:rPr lang="en-US" dirty="0" smtClean="0"/>
+              <a:t>Use</a:t>
+            </a:r>
+            <a:r>
+              <a:rPr lang="da-DK" dirty="0" smtClean="0"/>
+              <a:t> i</a:t>
+            </a:r>
+            <a:r>
+              <a:rPr lang="en-US" dirty="0" smtClean="0"/>
+              <a:t>n our program</a:t>
+            </a:r>
+            <a:endParaRPr lang="en-US" dirty="0"/>
+          </a:p>
+        </p:txBody>
+      </p:sp>
+      <p:sp>
+        <p:nvSpPr>
+          <p:cNvPr id="3" name="Content Placeholder 2"/>
+          <p:cNvSpPr>
+            <a:spLocks noGrp="1"/>
+          </p:cNvSpPr>
+          <p:nvPr>
+            <p:ph idx="1"/>
+          </p:nvPr>
+        </p:nvSpPr>
+        <p:spPr/>
+        <p:txBody>
+          <a:bodyPr/>
+          <a:lstStyle/>
+          <a:p>
+            <a:endParaRPr lang="da-DK"/>
+          </a:p>
+        </p:txBody>
+      </p:sp>
+    </p:spTree>
+  </p:cSld>
+  <p:clrMapOvr>
+    <a:masterClrMapping/>
+  </p:clrMapOvr>
+</p:sld>
+</file>
+
+<file path=ppt/slides/slide9.xml><?xml version="1.0" encoding="utf-8"?>
 <p:sld xmlns:a="http://schemas.openxmlformats.org/drawingml/2006/main" xmlns:r="http://schemas.openxmlformats.org/officeDocument/2006/relationships" xmlns:p="http://schemas.openxmlformats.org/presentationml/2006/main">
   <p:cSld>
     <p:spTree>

--- a/OOPExam/01 Class, Abstract Class and Interfaces.pptx
+++ b/OOPExam/01 Class, Abstract Class and Interfaces.pptx
@@ -4,6 +4,9 @@
   <p:sldMasterIdLst>
     <p:sldMasterId id="2147483648" r:id="rId1"/>
   </p:sldMasterIdLst>
+  <p:notesMasterIdLst>
+    <p:notesMasterId r:id="rId11"/>
+  </p:notesMasterIdLst>
   <p:sldIdLst>
     <p:sldId id="256" r:id="rId2"/>
     <p:sldId id="257" r:id="rId3"/>
@@ -115,6 +118,551 @@
 </p:presentation>
 </file>
 
+<file path=ppt/notesMasters/notesMaster1.xml><?xml version="1.0" encoding="utf-8"?>
+<p:notesMaster xmlns:a="http://schemas.openxmlformats.org/drawingml/2006/main" xmlns:r="http://schemas.openxmlformats.org/officeDocument/2006/relationships" xmlns:p="http://schemas.openxmlformats.org/presentationml/2006/main">
+  <p:cSld>
+    <p:bg>
+      <p:bgRef idx="1001">
+        <a:schemeClr val="bg1"/>
+      </p:bgRef>
+    </p:bg>
+    <p:spTree>
+      <p:nvGrpSpPr>
+        <p:cNvPr id="1" name=""/>
+        <p:cNvGrpSpPr/>
+        <p:nvPr/>
+      </p:nvGrpSpPr>
+      <p:grpSpPr>
+        <a:xfrm>
+          <a:off x="0" y="0"/>
+          <a:ext cx="0" cy="0"/>
+          <a:chOff x="0" y="0"/>
+          <a:chExt cx="0" cy="0"/>
+        </a:xfrm>
+      </p:grpSpPr>
+      <p:sp>
+        <p:nvSpPr>
+          <p:cNvPr id="2" name="Header Placeholder 1"/>
+          <p:cNvSpPr>
+            <a:spLocks noGrp="1"/>
+          </p:cNvSpPr>
+          <p:nvPr>
+            <p:ph type="hdr" sz="quarter"/>
+          </p:nvPr>
+        </p:nvSpPr>
+        <p:spPr>
+          <a:xfrm>
+            <a:off x="0" y="0"/>
+            <a:ext cx="2971800" cy="457200"/>
+          </a:xfrm>
+          <a:prstGeom prst="rect">
+            <a:avLst/>
+          </a:prstGeom>
+        </p:spPr>
+        <p:txBody>
+          <a:bodyPr vert="horz" lIns="91440" tIns="45720" rIns="91440" bIns="45720" rtlCol="0"/>
+          <a:lstStyle>
+            <a:lvl1pPr algn="l">
+              <a:defRPr sz="1200"/>
+            </a:lvl1pPr>
+          </a:lstStyle>
+          <a:p>
+            <a:endParaRPr lang="en-US"/>
+          </a:p>
+        </p:txBody>
+      </p:sp>
+      <p:sp>
+        <p:nvSpPr>
+          <p:cNvPr id="3" name="Date Placeholder 2"/>
+          <p:cNvSpPr>
+            <a:spLocks noGrp="1"/>
+          </p:cNvSpPr>
+          <p:nvPr>
+            <p:ph type="dt" idx="1"/>
+          </p:nvPr>
+        </p:nvSpPr>
+        <p:spPr>
+          <a:xfrm>
+            <a:off x="3884613" y="0"/>
+            <a:ext cx="2971800" cy="457200"/>
+          </a:xfrm>
+          <a:prstGeom prst="rect">
+            <a:avLst/>
+          </a:prstGeom>
+        </p:spPr>
+        <p:txBody>
+          <a:bodyPr vert="horz" lIns="91440" tIns="45720" rIns="91440" bIns="45720" rtlCol="0"/>
+          <a:lstStyle>
+            <a:lvl1pPr algn="r">
+              <a:defRPr sz="1200"/>
+            </a:lvl1pPr>
+          </a:lstStyle>
+          <a:p>
+            <a:fld id="{D69E125A-D55E-45C6-9A62-FE6830745A2A}" type="datetimeFigureOut">
+              <a:rPr lang="en-US" smtClean="0"/>
+              <a:t>1/12/2010</a:t>
+            </a:fld>
+            <a:endParaRPr lang="en-US"/>
+          </a:p>
+        </p:txBody>
+      </p:sp>
+      <p:sp>
+        <p:nvSpPr>
+          <p:cNvPr id="4" name="Slide Image Placeholder 3"/>
+          <p:cNvSpPr>
+            <a:spLocks noGrp="1" noRot="1" noChangeAspect="1"/>
+          </p:cNvSpPr>
+          <p:nvPr>
+            <p:ph type="sldImg" idx="2"/>
+          </p:nvPr>
+        </p:nvSpPr>
+        <p:spPr>
+          <a:xfrm>
+            <a:off x="1143000" y="685800"/>
+            <a:ext cx="4572000" cy="3429000"/>
+          </a:xfrm>
+          <a:prstGeom prst="rect">
+            <a:avLst/>
+          </a:prstGeom>
+          <a:noFill/>
+          <a:ln w="12700">
+            <a:solidFill>
+              <a:prstClr val="black"/>
+            </a:solidFill>
+          </a:ln>
+        </p:spPr>
+        <p:txBody>
+          <a:bodyPr vert="horz" lIns="91440" tIns="45720" rIns="91440" bIns="45720" rtlCol="0" anchor="ctr"/>
+          <a:lstStyle/>
+          <a:p>
+            <a:endParaRPr lang="en-US"/>
+          </a:p>
+        </p:txBody>
+      </p:sp>
+      <p:sp>
+        <p:nvSpPr>
+          <p:cNvPr id="5" name="Notes Placeholder 4"/>
+          <p:cNvSpPr>
+            <a:spLocks noGrp="1"/>
+          </p:cNvSpPr>
+          <p:nvPr>
+            <p:ph type="body" sz="quarter" idx="3"/>
+          </p:nvPr>
+        </p:nvSpPr>
+        <p:spPr>
+          <a:xfrm>
+            <a:off x="685800" y="4343400"/>
+            <a:ext cx="5486400" cy="4114800"/>
+          </a:xfrm>
+          <a:prstGeom prst="rect">
+            <a:avLst/>
+          </a:prstGeom>
+        </p:spPr>
+        <p:txBody>
+          <a:bodyPr vert="horz" lIns="91440" tIns="45720" rIns="91440" bIns="45720" rtlCol="0">
+            <a:normAutofit/>
+          </a:bodyPr>
+          <a:lstStyle/>
+          <a:p>
+            <a:pPr lvl="0"/>
+            <a:r>
+              <a:rPr lang="en-US" smtClean="0"/>
+              <a:t>Click to edit Master text styles</a:t>
+            </a:r>
+          </a:p>
+          <a:p>
+            <a:pPr lvl="1"/>
+            <a:r>
+              <a:rPr lang="en-US" smtClean="0"/>
+              <a:t>Second level</a:t>
+            </a:r>
+          </a:p>
+          <a:p>
+            <a:pPr lvl="2"/>
+            <a:r>
+              <a:rPr lang="en-US" smtClean="0"/>
+              <a:t>Third level</a:t>
+            </a:r>
+          </a:p>
+          <a:p>
+            <a:pPr lvl="3"/>
+            <a:r>
+              <a:rPr lang="en-US" smtClean="0"/>
+              <a:t>Fourth level</a:t>
+            </a:r>
+          </a:p>
+          <a:p>
+            <a:pPr lvl="4"/>
+            <a:r>
+              <a:rPr lang="en-US" smtClean="0"/>
+              <a:t>Fifth level</a:t>
+            </a:r>
+            <a:endParaRPr lang="en-US"/>
+          </a:p>
+        </p:txBody>
+      </p:sp>
+      <p:sp>
+        <p:nvSpPr>
+          <p:cNvPr id="6" name="Footer Placeholder 5"/>
+          <p:cNvSpPr>
+            <a:spLocks noGrp="1"/>
+          </p:cNvSpPr>
+          <p:nvPr>
+            <p:ph type="ftr" sz="quarter" idx="4"/>
+          </p:nvPr>
+        </p:nvSpPr>
+        <p:spPr>
+          <a:xfrm>
+            <a:off x="0" y="8685213"/>
+            <a:ext cx="2971800" cy="457200"/>
+          </a:xfrm>
+          <a:prstGeom prst="rect">
+            <a:avLst/>
+          </a:prstGeom>
+        </p:spPr>
+        <p:txBody>
+          <a:bodyPr vert="horz" lIns="91440" tIns="45720" rIns="91440" bIns="45720" rtlCol="0" anchor="b"/>
+          <a:lstStyle>
+            <a:lvl1pPr algn="l">
+              <a:defRPr sz="1200"/>
+            </a:lvl1pPr>
+          </a:lstStyle>
+          <a:p>
+            <a:endParaRPr lang="en-US"/>
+          </a:p>
+        </p:txBody>
+      </p:sp>
+      <p:sp>
+        <p:nvSpPr>
+          <p:cNvPr id="7" name="Slide Number Placeholder 6"/>
+          <p:cNvSpPr>
+            <a:spLocks noGrp="1"/>
+          </p:cNvSpPr>
+          <p:nvPr>
+            <p:ph type="sldNum" sz="quarter" idx="5"/>
+          </p:nvPr>
+        </p:nvSpPr>
+        <p:spPr>
+          <a:xfrm>
+            <a:off x="3884613" y="8685213"/>
+            <a:ext cx="2971800" cy="457200"/>
+          </a:xfrm>
+          <a:prstGeom prst="rect">
+            <a:avLst/>
+          </a:prstGeom>
+        </p:spPr>
+        <p:txBody>
+          <a:bodyPr vert="horz" lIns="91440" tIns="45720" rIns="91440" bIns="45720" rtlCol="0" anchor="b"/>
+          <a:lstStyle>
+            <a:lvl1pPr algn="r">
+              <a:defRPr sz="1200"/>
+            </a:lvl1pPr>
+          </a:lstStyle>
+          <a:p>
+            <a:fld id="{6C3390C7-C92A-440B-B67D-36FF6D2DBAFD}" type="slidenum">
+              <a:rPr lang="en-US" smtClean="0"/>
+              <a:t>‹#›</a:t>
+            </a:fld>
+            <a:endParaRPr lang="en-US"/>
+          </a:p>
+        </p:txBody>
+      </p:sp>
+    </p:spTree>
+  </p:cSld>
+  <p:clrMap bg1="lt1" tx1="dk1" bg2="lt2" tx2="dk2" accent1="accent1" accent2="accent2" accent3="accent3" accent4="accent4" accent5="accent5" accent6="accent6" hlink="hlink" folHlink="folHlink"/>
+  <p:notesStyle>
+    <a:lvl1pPr marL="0" algn="l" defTabSz="914400" rtl="0" eaLnBrk="1" latinLnBrk="0" hangingPunct="1">
+      <a:defRPr sz="1200" kern="1200">
+        <a:solidFill>
+          <a:schemeClr val="tx1"/>
+        </a:solidFill>
+        <a:latin typeface="+mn-lt"/>
+        <a:ea typeface="+mn-ea"/>
+        <a:cs typeface="+mn-cs"/>
+      </a:defRPr>
+    </a:lvl1pPr>
+    <a:lvl2pPr marL="457200" algn="l" defTabSz="914400" rtl="0" eaLnBrk="1" latinLnBrk="0" hangingPunct="1">
+      <a:defRPr sz="1200" kern="1200">
+        <a:solidFill>
+          <a:schemeClr val="tx1"/>
+        </a:solidFill>
+        <a:latin typeface="+mn-lt"/>
+        <a:ea typeface="+mn-ea"/>
+        <a:cs typeface="+mn-cs"/>
+      </a:defRPr>
+    </a:lvl2pPr>
+    <a:lvl3pPr marL="914400" algn="l" defTabSz="914400" rtl="0" eaLnBrk="1" latinLnBrk="0" hangingPunct="1">
+      <a:defRPr sz="1200" kern="1200">
+        <a:solidFill>
+          <a:schemeClr val="tx1"/>
+        </a:solidFill>
+        <a:latin typeface="+mn-lt"/>
+        <a:ea typeface="+mn-ea"/>
+        <a:cs typeface="+mn-cs"/>
+      </a:defRPr>
+    </a:lvl3pPr>
+    <a:lvl4pPr marL="1371600" algn="l" defTabSz="914400" rtl="0" eaLnBrk="1" latinLnBrk="0" hangingPunct="1">
+      <a:defRPr sz="1200" kern="1200">
+        <a:solidFill>
+          <a:schemeClr val="tx1"/>
+        </a:solidFill>
+        <a:latin typeface="+mn-lt"/>
+        <a:ea typeface="+mn-ea"/>
+        <a:cs typeface="+mn-cs"/>
+      </a:defRPr>
+    </a:lvl4pPr>
+    <a:lvl5pPr marL="1828800" algn="l" defTabSz="914400" rtl="0" eaLnBrk="1" latinLnBrk="0" hangingPunct="1">
+      <a:defRPr sz="1200" kern="1200">
+        <a:solidFill>
+          <a:schemeClr val="tx1"/>
+        </a:solidFill>
+        <a:latin typeface="+mn-lt"/>
+        <a:ea typeface="+mn-ea"/>
+        <a:cs typeface="+mn-cs"/>
+      </a:defRPr>
+    </a:lvl5pPr>
+    <a:lvl6pPr marL="2286000" algn="l" defTabSz="914400" rtl="0" eaLnBrk="1" latinLnBrk="0" hangingPunct="1">
+      <a:defRPr sz="1200" kern="1200">
+        <a:solidFill>
+          <a:schemeClr val="tx1"/>
+        </a:solidFill>
+        <a:latin typeface="+mn-lt"/>
+        <a:ea typeface="+mn-ea"/>
+        <a:cs typeface="+mn-cs"/>
+      </a:defRPr>
+    </a:lvl6pPr>
+    <a:lvl7pPr marL="2743200" algn="l" defTabSz="914400" rtl="0" eaLnBrk="1" latinLnBrk="0" hangingPunct="1">
+      <a:defRPr sz="1200" kern="1200">
+        <a:solidFill>
+          <a:schemeClr val="tx1"/>
+        </a:solidFill>
+        <a:latin typeface="+mn-lt"/>
+        <a:ea typeface="+mn-ea"/>
+        <a:cs typeface="+mn-cs"/>
+      </a:defRPr>
+    </a:lvl7pPr>
+    <a:lvl8pPr marL="3200400" algn="l" defTabSz="914400" rtl="0" eaLnBrk="1" latinLnBrk="0" hangingPunct="1">
+      <a:defRPr sz="1200" kern="1200">
+        <a:solidFill>
+          <a:schemeClr val="tx1"/>
+        </a:solidFill>
+        <a:latin typeface="+mn-lt"/>
+        <a:ea typeface="+mn-ea"/>
+        <a:cs typeface="+mn-cs"/>
+      </a:defRPr>
+    </a:lvl8pPr>
+    <a:lvl9pPr marL="3657600" algn="l" defTabSz="914400" rtl="0" eaLnBrk="1" latinLnBrk="0" hangingPunct="1">
+      <a:defRPr sz="1200" kern="1200">
+        <a:solidFill>
+          <a:schemeClr val="tx1"/>
+        </a:solidFill>
+        <a:latin typeface="+mn-lt"/>
+        <a:ea typeface="+mn-ea"/>
+        <a:cs typeface="+mn-cs"/>
+      </a:defRPr>
+    </a:lvl9pPr>
+  </p:notesStyle>
+</p:notesMaster>
+</file>
+
+<file path=ppt/notesSlides/notesSlide1.xml><?xml version="1.0" encoding="utf-8"?>
+<p:notes xmlns:a="http://schemas.openxmlformats.org/drawingml/2006/main" xmlns:r="http://schemas.openxmlformats.org/officeDocument/2006/relationships" xmlns:p="http://schemas.openxmlformats.org/presentationml/2006/main">
+  <p:cSld>
+    <p:spTree>
+      <p:nvGrpSpPr>
+        <p:cNvPr id="1" name=""/>
+        <p:cNvGrpSpPr/>
+        <p:nvPr/>
+      </p:nvGrpSpPr>
+      <p:grpSpPr>
+        <a:xfrm>
+          <a:off x="0" y="0"/>
+          <a:ext cx="0" cy="0"/>
+          <a:chOff x="0" y="0"/>
+          <a:chExt cx="0" cy="0"/>
+        </a:xfrm>
+      </p:grpSpPr>
+      <p:sp>
+        <p:nvSpPr>
+          <p:cNvPr id="2" name="Slide Image Placeholder 1"/>
+          <p:cNvSpPr>
+            <a:spLocks noGrp="1" noRot="1" noChangeAspect="1"/>
+          </p:cNvSpPr>
+          <p:nvPr>
+            <p:ph type="sldImg"/>
+          </p:nvPr>
+        </p:nvSpPr>
+        <p:spPr/>
+      </p:sp>
+      <p:sp>
+        <p:nvSpPr>
+          <p:cNvPr id="3" name="Notes Placeholder 2"/>
+          <p:cNvSpPr>
+            <a:spLocks noGrp="1"/>
+          </p:cNvSpPr>
+          <p:nvPr>
+            <p:ph type="body" idx="1"/>
+          </p:nvPr>
+        </p:nvSpPr>
+        <p:spPr/>
+        <p:txBody>
+          <a:bodyPr>
+            <a:normAutofit/>
+          </a:bodyPr>
+          <a:lstStyle/>
+          <a:p>
+            <a:r>
+              <a:rPr lang="en-US" sz="1200" kern="1200" dirty="0" smtClean="0">
+                <a:solidFill>
+                  <a:schemeClr val="tx1"/>
+                </a:solidFill>
+                <a:latin typeface="+mn-lt"/>
+                <a:ea typeface="+mn-ea"/>
+                <a:cs typeface="+mn-cs"/>
+              </a:rPr>
+              <a:t>Give an explanation for the concepts class, abstract class and interface</a:t>
+            </a:r>
+          </a:p>
+          <a:p>
+            <a:r>
+              <a:rPr lang="en-US" sz="1200" kern="1200" dirty="0" smtClean="0">
+                <a:solidFill>
+                  <a:schemeClr val="tx1"/>
+                </a:solidFill>
+                <a:latin typeface="+mn-lt"/>
+                <a:ea typeface="+mn-ea"/>
+                <a:cs typeface="+mn-cs"/>
+              </a:rPr>
+              <a:t> </a:t>
+            </a:r>
+          </a:p>
+          <a:p>
+            <a:r>
+              <a:rPr lang="en-US" sz="1200" kern="1200" dirty="0" smtClean="0">
+                <a:solidFill>
+                  <a:schemeClr val="tx1"/>
+                </a:solidFill>
+                <a:latin typeface="+mn-lt"/>
+                <a:ea typeface="+mn-ea"/>
+                <a:cs typeface="+mn-cs"/>
+              </a:rPr>
+              <a:t>Relevant theoretical decisions</a:t>
+            </a:r>
+          </a:p>
+          <a:p>
+            <a:pPr lvl="0"/>
+            <a:r>
+              <a:rPr lang="en-US" sz="1200" kern="1200" dirty="0" smtClean="0">
+                <a:solidFill>
+                  <a:schemeClr val="tx1"/>
+                </a:solidFill>
+                <a:latin typeface="+mn-lt"/>
+                <a:ea typeface="+mn-ea"/>
+                <a:cs typeface="+mn-cs"/>
+              </a:rPr>
+              <a:t>What are classes and objects and what is special for these concepts?</a:t>
+            </a:r>
+          </a:p>
+          <a:p>
+            <a:pPr lvl="0"/>
+            <a:r>
+              <a:rPr lang="en-US" sz="1200" kern="1200" dirty="0" smtClean="0">
+                <a:solidFill>
+                  <a:schemeClr val="tx1"/>
+                </a:solidFill>
+                <a:latin typeface="+mn-lt"/>
+                <a:ea typeface="+mn-ea"/>
+                <a:cs typeface="+mn-cs"/>
+              </a:rPr>
+              <a:t>What are visibility modifiers and how are they used in a program?</a:t>
+            </a:r>
+          </a:p>
+          <a:p>
+            <a:pPr lvl="0"/>
+            <a:r>
+              <a:rPr lang="en-US" sz="1200" kern="1200" dirty="0" smtClean="0">
+                <a:solidFill>
+                  <a:schemeClr val="tx1"/>
+                </a:solidFill>
+                <a:latin typeface="+mn-lt"/>
+                <a:ea typeface="+mn-ea"/>
+                <a:cs typeface="+mn-cs"/>
+              </a:rPr>
+              <a:t>What is an interface and what is it used for?</a:t>
+            </a:r>
+          </a:p>
+          <a:p>
+            <a:pPr lvl="0"/>
+            <a:r>
+              <a:rPr lang="en-US" sz="1200" kern="1200" dirty="0" smtClean="0">
+                <a:solidFill>
+                  <a:schemeClr val="tx1"/>
+                </a:solidFill>
+                <a:latin typeface="+mn-lt"/>
+                <a:ea typeface="+mn-ea"/>
+                <a:cs typeface="+mn-cs"/>
+              </a:rPr>
+              <a:t>What is an abstract class, when and how is it used?</a:t>
+            </a:r>
+          </a:p>
+          <a:p>
+            <a:pPr lvl="0"/>
+            <a:r>
+              <a:rPr lang="en-US" sz="1200" kern="1200" dirty="0" smtClean="0">
+                <a:solidFill>
+                  <a:schemeClr val="tx1"/>
+                </a:solidFill>
+                <a:latin typeface="+mn-lt"/>
+                <a:ea typeface="+mn-ea"/>
+                <a:cs typeface="+mn-cs"/>
+              </a:rPr>
+              <a:t>What is garbage collection and what is the purpose for that?</a:t>
+            </a:r>
+            <a:endParaRPr lang="en-US" sz="1200" kern="1200" smtClean="0">
+              <a:solidFill>
+                <a:schemeClr val="tx1"/>
+              </a:solidFill>
+              <a:latin typeface="+mn-lt"/>
+              <a:ea typeface="+mn-ea"/>
+              <a:cs typeface="+mn-cs"/>
+            </a:endParaRPr>
+          </a:p>
+          <a:p>
+            <a:endParaRPr lang="en-US"/>
+          </a:p>
+        </p:txBody>
+      </p:sp>
+      <p:sp>
+        <p:nvSpPr>
+          <p:cNvPr id="4" name="Slide Number Placeholder 3"/>
+          <p:cNvSpPr>
+            <a:spLocks noGrp="1"/>
+          </p:cNvSpPr>
+          <p:nvPr>
+            <p:ph type="sldNum" sz="quarter" idx="10"/>
+          </p:nvPr>
+        </p:nvSpPr>
+        <p:spPr/>
+        <p:txBody>
+          <a:bodyPr/>
+          <a:lstStyle/>
+          <a:p>
+            <a:fld id="{6C3390C7-C92A-440B-B67D-36FF6D2DBAFD}" type="slidenum">
+              <a:rPr lang="en-US" smtClean="0"/>
+              <a:t>1</a:t>
+            </a:fld>
+            <a:endParaRPr lang="en-US"/>
+          </a:p>
+        </p:txBody>
+      </p:sp>
+    </p:spTree>
+  </p:cSld>
+  <p:clrMapOvr>
+    <a:masterClrMapping/>
+  </p:clrMapOvr>
+</p:notes>
+</file>
+
 <file path=ppt/slideLayouts/slideLayout1.xml><?xml version="1.0" encoding="utf-8"?>
 <p:sldLayout xmlns:a="http://schemas.openxmlformats.org/drawingml/2006/main" xmlns:r="http://schemas.openxmlformats.org/officeDocument/2006/relationships" xmlns:p="http://schemas.openxmlformats.org/presentationml/2006/main" type="title" preserve="1">
   <p:cSld name="Title Slide">
@@ -297,7 +845,7 @@
             <a:fld id="{3E57D7DC-7299-43C9-BAE2-F335855B8707}" type="datetimeFigureOut">
               <a:rPr lang="en-US" smtClean="0"/>
               <a:pPr/>
-              <a:t>1/11/2010</a:t>
+              <a:t>1/12/2010</a:t>
             </a:fld>
             <a:endParaRPr lang="da-DK"/>
           </a:p>
@@ -464,7 +1012,7 @@
             <a:fld id="{3E57D7DC-7299-43C9-BAE2-F335855B8707}" type="datetimeFigureOut">
               <a:rPr lang="en-US" smtClean="0"/>
               <a:pPr/>
-              <a:t>1/11/2010</a:t>
+              <a:t>1/12/2010</a:t>
             </a:fld>
             <a:endParaRPr lang="da-DK"/>
           </a:p>
@@ -641,7 +1189,7 @@
             <a:fld id="{3E57D7DC-7299-43C9-BAE2-F335855B8707}" type="datetimeFigureOut">
               <a:rPr lang="en-US" smtClean="0"/>
               <a:pPr/>
-              <a:t>1/11/2010</a:t>
+              <a:t>1/12/2010</a:t>
             </a:fld>
             <a:endParaRPr lang="da-DK"/>
           </a:p>
@@ -808,7 +1356,7 @@
             <a:fld id="{3E57D7DC-7299-43C9-BAE2-F335855B8707}" type="datetimeFigureOut">
               <a:rPr lang="en-US" smtClean="0"/>
               <a:pPr/>
-              <a:t>1/11/2010</a:t>
+              <a:t>1/12/2010</a:t>
             </a:fld>
             <a:endParaRPr lang="da-DK"/>
           </a:p>
@@ -1051,7 +1599,7 @@
             <a:fld id="{3E57D7DC-7299-43C9-BAE2-F335855B8707}" type="datetimeFigureOut">
               <a:rPr lang="en-US" smtClean="0"/>
               <a:pPr/>
-              <a:t>1/11/2010</a:t>
+              <a:t>1/12/2010</a:t>
             </a:fld>
             <a:endParaRPr lang="da-DK"/>
           </a:p>
@@ -1336,7 +1884,7 @@
             <a:fld id="{3E57D7DC-7299-43C9-BAE2-F335855B8707}" type="datetimeFigureOut">
               <a:rPr lang="en-US" smtClean="0"/>
               <a:pPr/>
-              <a:t>1/11/2010</a:t>
+              <a:t>1/12/2010</a:t>
             </a:fld>
             <a:endParaRPr lang="da-DK"/>
           </a:p>
@@ -1755,7 +2303,7 @@
             <a:fld id="{3E57D7DC-7299-43C9-BAE2-F335855B8707}" type="datetimeFigureOut">
               <a:rPr lang="en-US" smtClean="0"/>
               <a:pPr/>
-              <a:t>1/11/2010</a:t>
+              <a:t>1/12/2010</a:t>
             </a:fld>
             <a:endParaRPr lang="da-DK"/>
           </a:p>
@@ -1870,7 +2418,7 @@
             <a:fld id="{3E57D7DC-7299-43C9-BAE2-F335855B8707}" type="datetimeFigureOut">
               <a:rPr lang="en-US" smtClean="0"/>
               <a:pPr/>
-              <a:t>1/11/2010</a:t>
+              <a:t>1/12/2010</a:t>
             </a:fld>
             <a:endParaRPr lang="da-DK"/>
           </a:p>
@@ -1962,7 +2510,7 @@
             <a:fld id="{3E57D7DC-7299-43C9-BAE2-F335855B8707}" type="datetimeFigureOut">
               <a:rPr lang="en-US" smtClean="0"/>
               <a:pPr/>
-              <a:t>1/11/2010</a:t>
+              <a:t>1/12/2010</a:t>
             </a:fld>
             <a:endParaRPr lang="da-DK"/>
           </a:p>
@@ -2236,7 +2784,7 @@
             <a:fld id="{3E57D7DC-7299-43C9-BAE2-F335855B8707}" type="datetimeFigureOut">
               <a:rPr lang="en-US" smtClean="0"/>
               <a:pPr/>
-              <a:t>1/11/2010</a:t>
+              <a:t>1/12/2010</a:t>
             </a:fld>
             <a:endParaRPr lang="da-DK"/>
           </a:p>
@@ -2486,7 +3034,7 @@
             <a:fld id="{3E57D7DC-7299-43C9-BAE2-F335855B8707}" type="datetimeFigureOut">
               <a:rPr lang="en-US" smtClean="0"/>
               <a:pPr/>
-              <a:t>1/11/2010</a:t>
+              <a:t>1/12/2010</a:t>
             </a:fld>
             <a:endParaRPr lang="da-DK"/>
           </a:p>
@@ -2696,7 +3244,7 @@
             <a:fld id="{3E57D7DC-7299-43C9-BAE2-F335855B8707}" type="datetimeFigureOut">
               <a:rPr lang="en-US" smtClean="0"/>
               <a:pPr/>
-              <a:t>1/11/2010</a:t>
+              <a:t>1/12/2010</a:t>
             </a:fld>
             <a:endParaRPr lang="da-DK"/>
           </a:p>
@@ -3377,11 +3925,7 @@
             </a:r>
             <a:r>
               <a:rPr lang="en-US" i="1" dirty="0" smtClean="0"/>
-              <a:t>interface is a contract that guarantees to a client how a class will behave</a:t>
-            </a:r>
-            <a:r>
-              <a:rPr lang="en-US" i="1" dirty="0" smtClean="0"/>
-              <a:t>”</a:t>
+              <a:t>interface is a contract that guarantees to a client how a class will behave”</a:t>
             </a:r>
           </a:p>
           <a:p>
@@ -3543,11 +4087,7 @@
           <a:p>
             <a:r>
               <a:rPr lang="en-US" dirty="0" smtClean="0"/>
-              <a:t>Abstract </a:t>
-            </a:r>
-            <a:r>
-              <a:rPr lang="en-US" dirty="0" smtClean="0"/>
-              <a:t>Class Vs Interface</a:t>
+              <a:t>Abstract Class Vs Interface</a:t>
             </a:r>
             <a:endParaRPr lang="en-US" dirty="0"/>
           </a:p>
@@ -4103,4 +4643,287 @@
   <a:objectDefaults/>
   <a:extraClrSchemeLst/>
 </a:theme>
+</file>
+
+<file path=ppt/theme/theme2.xml><?xml version="1.0" encoding="utf-8"?>
+<a:theme xmlns:a="http://schemas.openxmlformats.org/drawingml/2006/main" name="Office Theme">
+  <a:themeElements>
+    <a:clrScheme name="Office">
+      <a:dk1>
+        <a:sysClr val="windowText" lastClr="000000"/>
+      </a:dk1>
+      <a:lt1>
+        <a:sysClr val="window" lastClr="FFFFFF"/>
+      </a:lt1>
+      <a:dk2>
+        <a:srgbClr val="1F497D"/>
+      </a:dk2>
+      <a:lt2>
+        <a:srgbClr val="EEECE1"/>
+      </a:lt2>
+      <a:accent1>
+        <a:srgbClr val="4F81BD"/>
+      </a:accent1>
+      <a:accent2>
+        <a:srgbClr val="C0504D"/>
+      </a:accent2>
+      <a:accent3>
+        <a:srgbClr val="9BBB59"/>
+      </a:accent3>
+      <a:accent4>
+        <a:srgbClr val="8064A2"/>
+      </a:accent4>
+      <a:accent5>
+        <a:srgbClr val="4BACC6"/>
+      </a:accent5>
+      <a:accent6>
+        <a:srgbClr val="F79646"/>
+      </a:accent6>
+      <a:hlink>
+        <a:srgbClr val="0000FF"/>
+      </a:hlink>
+      <a:folHlink>
+        <a:srgbClr val="800080"/>
+      </a:folHlink>
+    </a:clrScheme>
+    <a:fontScheme name="Office">
+      <a:majorFont>
+        <a:latin typeface="Calibri"/>
+        <a:ea typeface=""/>
+        <a:cs typeface=""/>
+        <a:font script="Jpan" typeface="ＭＳ Ｐゴシック"/>
+        <a:font script="Hang" typeface="맑은 고딕"/>
+        <a:font script="Hans" typeface="宋体"/>
+        <a:font script="Hant" typeface="新細明體"/>
+        <a:font script="Arab" typeface="Times New Roman"/>
+        <a:font script="Hebr" typeface="Times New Roman"/>
+        <a:font script="Thai" typeface="Angsana New"/>
+        <a:font script="Ethi" typeface="Nyala"/>
+        <a:font script="Beng" typeface="Vrinda"/>
+        <a:font script="Gujr" typeface="Shruti"/>
+        <a:font script="Khmr" typeface="MoolBoran"/>
+        <a:font script="Knda" typeface="Tunga"/>
+        <a:font script="Guru" typeface="Raavi"/>
+        <a:font script="Cans" typeface="Euphemia"/>
+        <a:font script="Cher" typeface="Plantagenet Cherokee"/>
+        <a:font script="Yiii" typeface="Microsoft Yi Baiti"/>
+        <a:font script="Tibt" typeface="Microsoft Himalaya"/>
+        <a:font script="Thaa" typeface="MV Boli"/>
+        <a:font script="Deva" typeface="Mangal"/>
+        <a:font script="Telu" typeface="Gautami"/>
+        <a:font script="Taml" typeface="Latha"/>
+        <a:font script="Syrc" typeface="Estrangelo Edessa"/>
+        <a:font script="Orya" typeface="Kalinga"/>
+        <a:font script="Mlym" typeface="Kartika"/>
+        <a:font script="Laoo" typeface="DokChampa"/>
+        <a:font script="Sinh" typeface="Iskoola Pota"/>
+        <a:font script="Mong" typeface="Mongolian Baiti"/>
+        <a:font script="Viet" typeface="Times New Roman"/>
+        <a:font script="Uigh" typeface="Microsoft Uighur"/>
+      </a:majorFont>
+      <a:minorFont>
+        <a:latin typeface="Calibri"/>
+        <a:ea typeface=""/>
+        <a:cs typeface=""/>
+        <a:font script="Jpan" typeface="ＭＳ Ｐゴシック"/>
+        <a:font script="Hang" typeface="맑은 고딕"/>
+        <a:font script="Hans" typeface="宋体"/>
+        <a:font script="Hant" typeface="新細明體"/>
+        <a:font script="Arab" typeface="Arial"/>
+        <a:font script="Hebr" typeface="Arial"/>
+        <a:font script="Thai" typeface="Cordia New"/>
+        <a:font script="Ethi" typeface="Nyala"/>
+        <a:font script="Beng" typeface="Vrinda"/>
+        <a:font script="Gujr" typeface="Shruti"/>
+        <a:font script="Khmr" typeface="DaunPenh"/>
+        <a:font script="Knda" typeface="Tunga"/>
+        <a:font script="Guru" typeface="Raavi"/>
+        <a:font script="Cans" typeface="Euphemia"/>
+        <a:font script="Cher" typeface="Plantagenet Cherokee"/>
+        <a:font script="Yiii" typeface="Microsoft Yi Baiti"/>
+        <a:font script="Tibt" typeface="Microsoft Himalaya"/>
+        <a:font script="Thaa" typeface="MV Boli"/>
+        <a:font script="Deva" typeface="Mangal"/>
+        <a:font script="Telu" typeface="Gautami"/>
+        <a:font script="Taml" typeface="Latha"/>
+        <a:font script="Syrc" typeface="Estrangelo Edessa"/>
+        <a:font script="Orya" typeface="Kalinga"/>
+        <a:font script="Mlym" typeface="Kartika"/>
+        <a:font script="Laoo" typeface="DokChampa"/>
+        <a:font script="Sinh" typeface="Iskoola Pota"/>
+        <a:font script="Mong" typeface="Mongolian Baiti"/>
+        <a:font script="Viet" typeface="Arial"/>
+        <a:font script="Uigh" typeface="Microsoft Uighur"/>
+      </a:minorFont>
+    </a:fontScheme>
+    <a:fmtScheme name="Office">
+      <a:fillStyleLst>
+        <a:solidFill>
+          <a:schemeClr val="phClr"/>
+        </a:solidFill>
+        <a:gradFill rotWithShape="1">
+          <a:gsLst>
+            <a:gs pos="0">
+              <a:schemeClr val="phClr">
+                <a:tint val="50000"/>
+                <a:satMod val="300000"/>
+              </a:schemeClr>
+            </a:gs>
+            <a:gs pos="35000">
+              <a:schemeClr val="phClr">
+                <a:tint val="37000"/>
+                <a:satMod val="300000"/>
+              </a:schemeClr>
+            </a:gs>
+            <a:gs pos="100000">
+              <a:schemeClr val="phClr">
+                <a:tint val="15000"/>
+                <a:satMod val="350000"/>
+              </a:schemeClr>
+            </a:gs>
+          </a:gsLst>
+          <a:lin ang="16200000" scaled="1"/>
+        </a:gradFill>
+        <a:gradFill rotWithShape="1">
+          <a:gsLst>
+            <a:gs pos="0">
+              <a:schemeClr val="phClr">
+                <a:shade val="51000"/>
+                <a:satMod val="130000"/>
+              </a:schemeClr>
+            </a:gs>
+            <a:gs pos="80000">
+              <a:schemeClr val="phClr">
+                <a:shade val="93000"/>
+                <a:satMod val="130000"/>
+              </a:schemeClr>
+            </a:gs>
+            <a:gs pos="100000">
+              <a:schemeClr val="phClr">
+                <a:shade val="94000"/>
+                <a:satMod val="135000"/>
+              </a:schemeClr>
+            </a:gs>
+          </a:gsLst>
+          <a:lin ang="16200000" scaled="0"/>
+        </a:gradFill>
+      </a:fillStyleLst>
+      <a:lnStyleLst>
+        <a:ln w="9525" cap="flat" cmpd="sng" algn="ctr">
+          <a:solidFill>
+            <a:schemeClr val="phClr">
+              <a:shade val="95000"/>
+              <a:satMod val="105000"/>
+            </a:schemeClr>
+          </a:solidFill>
+          <a:prstDash val="solid"/>
+        </a:ln>
+        <a:ln w="25400" cap="flat" cmpd="sng" algn="ctr">
+          <a:solidFill>
+            <a:schemeClr val="phClr"/>
+          </a:solidFill>
+          <a:prstDash val="solid"/>
+        </a:ln>
+        <a:ln w="38100" cap="flat" cmpd="sng" algn="ctr">
+          <a:solidFill>
+            <a:schemeClr val="phClr"/>
+          </a:solidFill>
+          <a:prstDash val="solid"/>
+        </a:ln>
+      </a:lnStyleLst>
+      <a:effectStyleLst>
+        <a:effectStyle>
+          <a:effectLst>
+            <a:outerShdw blurRad="40000" dist="20000" dir="5400000" rotWithShape="0">
+              <a:srgbClr val="000000">
+                <a:alpha val="38000"/>
+              </a:srgbClr>
+            </a:outerShdw>
+          </a:effectLst>
+        </a:effectStyle>
+        <a:effectStyle>
+          <a:effectLst>
+            <a:outerShdw blurRad="40000" dist="23000" dir="5400000" rotWithShape="0">
+              <a:srgbClr val="000000">
+                <a:alpha val="35000"/>
+              </a:srgbClr>
+            </a:outerShdw>
+          </a:effectLst>
+        </a:effectStyle>
+        <a:effectStyle>
+          <a:effectLst>
+            <a:outerShdw blurRad="40000" dist="23000" dir="5400000" rotWithShape="0">
+              <a:srgbClr val="000000">
+                <a:alpha val="35000"/>
+              </a:srgbClr>
+            </a:outerShdw>
+          </a:effectLst>
+          <a:scene3d>
+            <a:camera prst="orthographicFront">
+              <a:rot lat="0" lon="0" rev="0"/>
+            </a:camera>
+            <a:lightRig rig="threePt" dir="t">
+              <a:rot lat="0" lon="0" rev="1200000"/>
+            </a:lightRig>
+          </a:scene3d>
+          <a:sp3d>
+            <a:bevelT w="63500" h="25400"/>
+          </a:sp3d>
+        </a:effectStyle>
+      </a:effectStyleLst>
+      <a:bgFillStyleLst>
+        <a:solidFill>
+          <a:schemeClr val="phClr"/>
+        </a:solidFill>
+        <a:gradFill rotWithShape="1">
+          <a:gsLst>
+            <a:gs pos="0">
+              <a:schemeClr val="phClr">
+                <a:tint val="40000"/>
+                <a:satMod val="350000"/>
+              </a:schemeClr>
+            </a:gs>
+            <a:gs pos="40000">
+              <a:schemeClr val="phClr">
+                <a:tint val="45000"/>
+                <a:shade val="99000"/>
+                <a:satMod val="350000"/>
+              </a:schemeClr>
+            </a:gs>
+            <a:gs pos="100000">
+              <a:schemeClr val="phClr">
+                <a:shade val="20000"/>
+                <a:satMod val="255000"/>
+              </a:schemeClr>
+            </a:gs>
+          </a:gsLst>
+          <a:path path="circle">
+            <a:fillToRect l="50000" t="-80000" r="50000" b="180000"/>
+          </a:path>
+        </a:gradFill>
+        <a:gradFill rotWithShape="1">
+          <a:gsLst>
+            <a:gs pos="0">
+              <a:schemeClr val="phClr">
+                <a:tint val="80000"/>
+                <a:satMod val="300000"/>
+              </a:schemeClr>
+            </a:gs>
+            <a:gs pos="100000">
+              <a:schemeClr val="phClr">
+                <a:shade val="30000"/>
+                <a:satMod val="200000"/>
+              </a:schemeClr>
+            </a:gs>
+          </a:gsLst>
+          <a:path path="circle">
+            <a:fillToRect l="50000" t="50000" r="50000" b="50000"/>
+          </a:path>
+        </a:gradFill>
+      </a:bgFillStyleLst>
+    </a:fmtScheme>
+  </a:themeElements>
+  <a:objectDefaults/>
+  <a:extraClrSchemeLst/>
+</a:theme>
 </file>
--- a/OOPExam/01 Class, Abstract Class and Interfaces.pptx
+++ b/OOPExam/01 Class, Abstract Class and Interfaces.pptx
@@ -5,7 +5,7 @@
     <p:sldMasterId id="2147483648" r:id="rId1"/>
   </p:sldMasterIdLst>
   <p:notesMasterIdLst>
-    <p:notesMasterId r:id="rId11"/>
+    <p:notesMasterId r:id="rId12"/>
   </p:notesMasterIdLst>
   <p:sldIdLst>
     <p:sldId id="256" r:id="rId2"/>
@@ -13,10 +13,11 @@
     <p:sldId id="261" r:id="rId4"/>
     <p:sldId id="259" r:id="rId5"/>
     <p:sldId id="258" r:id="rId6"/>
-    <p:sldId id="264" r:id="rId7"/>
-    <p:sldId id="262" r:id="rId8"/>
-    <p:sldId id="260" r:id="rId9"/>
-    <p:sldId id="263" r:id="rId10"/>
+    <p:sldId id="265" r:id="rId7"/>
+    <p:sldId id="264" r:id="rId8"/>
+    <p:sldId id="262" r:id="rId9"/>
+    <p:sldId id="260" r:id="rId10"/>
+    <p:sldId id="263" r:id="rId11"/>
   </p:sldIdLst>
   <p:sldSz cx="9144000" cy="6858000" type="screen4x3"/>
   <p:notesSz cx="6858000" cy="9144000"/>
@@ -200,7 +201,8 @@
           <a:p>
             <a:fld id="{D69E125A-D55E-45C6-9A62-FE6830745A2A}" type="datetimeFigureOut">
               <a:rPr lang="en-US" smtClean="0"/>
-              <a:t>1/12/2010</a:t>
+              <a:pPr/>
+              <a:t>1/16/2010</a:t>
             </a:fld>
             <a:endParaRPr lang="en-US"/>
           </a:p>
@@ -361,7 +363,8 @@
           <a:p>
             <a:fld id="{6C3390C7-C92A-440B-B67D-36FF6D2DBAFD}" type="slidenum">
               <a:rPr lang="en-US" smtClean="0"/>
-              <a:t>‹#›</a:t>
+              <a:pPr/>
+              <a:t>‹nr.›</a:t>
             </a:fld>
             <a:endParaRPr lang="en-US"/>
           </a:p>
@@ -649,7 +652,1022 @@
           <a:p>
             <a:fld id="{6C3390C7-C92A-440B-B67D-36FF6D2DBAFD}" type="slidenum">
               <a:rPr lang="en-US" smtClean="0"/>
+              <a:pPr/>
               <a:t>1</a:t>
+            </a:fld>
+            <a:endParaRPr lang="en-US"/>
+          </a:p>
+        </p:txBody>
+      </p:sp>
+    </p:spTree>
+  </p:cSld>
+  <p:clrMapOvr>
+    <a:masterClrMapping/>
+  </p:clrMapOvr>
+</p:notes>
+</file>
+
+<file path=ppt/notesSlides/notesSlide2.xml><?xml version="1.0" encoding="utf-8"?>
+<p:notes xmlns:a="http://schemas.openxmlformats.org/drawingml/2006/main" xmlns:r="http://schemas.openxmlformats.org/officeDocument/2006/relationships" xmlns:p="http://schemas.openxmlformats.org/presentationml/2006/main">
+  <p:cSld>
+    <p:spTree>
+      <p:nvGrpSpPr>
+        <p:cNvPr id="1" name=""/>
+        <p:cNvGrpSpPr/>
+        <p:nvPr/>
+      </p:nvGrpSpPr>
+      <p:grpSpPr>
+        <a:xfrm>
+          <a:off x="0" y="0"/>
+          <a:ext cx="0" cy="0"/>
+          <a:chOff x="0" y="0"/>
+          <a:chExt cx="0" cy="0"/>
+        </a:xfrm>
+      </p:grpSpPr>
+      <p:sp>
+        <p:nvSpPr>
+          <p:cNvPr id="2" name="Pladsholder til diasbillede 1"/>
+          <p:cNvSpPr>
+            <a:spLocks noGrp="1" noRot="1" noChangeAspect="1"/>
+          </p:cNvSpPr>
+          <p:nvPr>
+            <p:ph type="sldImg"/>
+          </p:nvPr>
+        </p:nvSpPr>
+        <p:spPr/>
+      </p:sp>
+      <p:sp>
+        <p:nvSpPr>
+          <p:cNvPr id="3" name="Pladsholder til noter 2"/>
+          <p:cNvSpPr>
+            <a:spLocks noGrp="1"/>
+          </p:cNvSpPr>
+          <p:nvPr>
+            <p:ph type="body" idx="1"/>
+          </p:nvPr>
+        </p:nvSpPr>
+        <p:spPr/>
+        <p:txBody>
+          <a:bodyPr>
+            <a:normAutofit/>
+          </a:bodyPr>
+          <a:lstStyle/>
+          <a:p>
+            <a:r>
+              <a:rPr lang="da-DK" dirty="0" smtClean="0"/>
+              <a:t>It </a:t>
+            </a:r>
+            <a:r>
+              <a:rPr lang="da-DK" dirty="0" err="1" smtClean="0"/>
+              <a:t>represents</a:t>
+            </a:r>
+            <a:r>
+              <a:rPr lang="da-DK" baseline="0" dirty="0" smtClean="0"/>
+              <a:t> a </a:t>
+            </a:r>
+            <a:r>
+              <a:rPr lang="da-DK" baseline="0" dirty="0" err="1" smtClean="0"/>
+              <a:t>concept</a:t>
+            </a:r>
+            <a:r>
+              <a:rPr lang="da-DK" baseline="0" dirty="0" smtClean="0"/>
+              <a:t> upon </a:t>
+            </a:r>
+            <a:r>
+              <a:rPr lang="da-DK" baseline="0" dirty="0" err="1" smtClean="0"/>
+              <a:t>which</a:t>
+            </a:r>
+            <a:r>
+              <a:rPr lang="da-DK" baseline="0" dirty="0" smtClean="0"/>
+              <a:t> </a:t>
+            </a:r>
+            <a:r>
+              <a:rPr lang="da-DK" baseline="0" dirty="0" err="1" smtClean="0"/>
+              <a:t>other</a:t>
+            </a:r>
+            <a:r>
+              <a:rPr lang="da-DK" baseline="0" dirty="0" smtClean="0"/>
+              <a:t> </a:t>
+            </a:r>
+            <a:r>
+              <a:rPr lang="da-DK" baseline="0" dirty="0" err="1" smtClean="0"/>
+              <a:t>classes</a:t>
+            </a:r>
+            <a:r>
+              <a:rPr lang="da-DK" baseline="0" dirty="0" smtClean="0"/>
+              <a:t> </a:t>
+            </a:r>
+            <a:r>
+              <a:rPr lang="da-DK" baseline="0" dirty="0" err="1" smtClean="0"/>
+              <a:t>can</a:t>
+            </a:r>
+            <a:r>
+              <a:rPr lang="da-DK" baseline="0" dirty="0" smtClean="0"/>
+              <a:t> </a:t>
+            </a:r>
+            <a:r>
+              <a:rPr lang="da-DK" baseline="0" dirty="0" err="1" smtClean="0"/>
+              <a:t>build</a:t>
+            </a:r>
+            <a:r>
+              <a:rPr lang="da-DK" baseline="0" dirty="0" smtClean="0"/>
+              <a:t> </a:t>
+            </a:r>
+            <a:r>
+              <a:rPr lang="da-DK" baseline="0" dirty="0" err="1" smtClean="0"/>
+              <a:t>their</a:t>
+            </a:r>
+            <a:r>
+              <a:rPr lang="da-DK" baseline="0" dirty="0" smtClean="0"/>
+              <a:t> definitions.</a:t>
+            </a:r>
+            <a:endParaRPr lang="da-DK" dirty="0" smtClean="0"/>
+          </a:p>
+          <a:p>
+            <a:r>
+              <a:rPr lang="da-DK" dirty="0" err="1" smtClean="0"/>
+              <a:t>Abstact</a:t>
+            </a:r>
+            <a:r>
+              <a:rPr lang="da-DK" dirty="0" smtClean="0"/>
+              <a:t> </a:t>
+            </a:r>
+            <a:r>
+              <a:rPr lang="da-DK" dirty="0" err="1" smtClean="0"/>
+              <a:t>methods</a:t>
+            </a:r>
+            <a:r>
+              <a:rPr lang="da-DK" dirty="0" smtClean="0"/>
+              <a:t> </a:t>
+            </a:r>
+            <a:r>
+              <a:rPr lang="da-DK" dirty="0" err="1" smtClean="0"/>
+              <a:t>are</a:t>
+            </a:r>
+            <a:r>
+              <a:rPr lang="da-DK" baseline="0" dirty="0" smtClean="0"/>
+              <a:t> </a:t>
+            </a:r>
+            <a:r>
+              <a:rPr lang="da-DK" baseline="0" dirty="0" err="1" smtClean="0"/>
+              <a:t>also</a:t>
+            </a:r>
+            <a:r>
+              <a:rPr lang="da-DK" baseline="0" dirty="0" smtClean="0"/>
+              <a:t> </a:t>
+            </a:r>
+            <a:r>
+              <a:rPr lang="da-DK" baseline="0" dirty="0" err="1" smtClean="0"/>
+              <a:t>used</a:t>
+            </a:r>
+            <a:r>
+              <a:rPr lang="da-DK" baseline="0" dirty="0" smtClean="0"/>
+              <a:t> to </a:t>
+            </a:r>
+            <a:r>
+              <a:rPr lang="da-DK" baseline="0" dirty="0" err="1" smtClean="0"/>
+              <a:t>define</a:t>
+            </a:r>
+            <a:r>
+              <a:rPr lang="da-DK" baseline="0" dirty="0" smtClean="0"/>
+              <a:t> C# interface. </a:t>
+            </a:r>
+            <a:r>
+              <a:rPr lang="da-DK" baseline="0" dirty="0" err="1" smtClean="0"/>
+              <a:t>Unlike</a:t>
+            </a:r>
+            <a:r>
+              <a:rPr lang="da-DK" baseline="0" dirty="0" smtClean="0"/>
+              <a:t> interfaces an </a:t>
+            </a:r>
+            <a:r>
+              <a:rPr lang="da-DK" baseline="0" dirty="0" err="1" smtClean="0"/>
+              <a:t>abstract</a:t>
+            </a:r>
+            <a:r>
+              <a:rPr lang="da-DK" baseline="0" dirty="0" smtClean="0"/>
+              <a:t> </a:t>
+            </a:r>
+            <a:r>
+              <a:rPr lang="da-DK" baseline="0" dirty="0" err="1" smtClean="0"/>
+              <a:t>class</a:t>
+            </a:r>
+            <a:r>
+              <a:rPr lang="da-DK" baseline="0" dirty="0" smtClean="0"/>
+              <a:t> </a:t>
+            </a:r>
+            <a:r>
+              <a:rPr lang="da-DK" baseline="0" dirty="0" err="1" smtClean="0"/>
+              <a:t>can</a:t>
+            </a:r>
+            <a:r>
+              <a:rPr lang="da-DK" baseline="0" dirty="0" smtClean="0"/>
+              <a:t> </a:t>
+            </a:r>
+            <a:r>
+              <a:rPr lang="da-DK" baseline="0" dirty="0" err="1" smtClean="0"/>
+              <a:t>contain</a:t>
+            </a:r>
+            <a:r>
+              <a:rPr lang="da-DK" baseline="0" dirty="0" smtClean="0"/>
+              <a:t> </a:t>
+            </a:r>
+            <a:r>
+              <a:rPr lang="da-DK" baseline="0" dirty="0" err="1" smtClean="0"/>
+              <a:t>methods</a:t>
+            </a:r>
+            <a:r>
+              <a:rPr lang="da-DK" baseline="0" dirty="0" smtClean="0"/>
+              <a:t> </a:t>
+            </a:r>
+            <a:r>
+              <a:rPr lang="da-DK" baseline="0" dirty="0" err="1" smtClean="0"/>
+              <a:t>that</a:t>
+            </a:r>
+            <a:r>
+              <a:rPr lang="da-DK" baseline="0" dirty="0" smtClean="0"/>
+              <a:t> </a:t>
+            </a:r>
+            <a:r>
+              <a:rPr lang="da-DK" baseline="0" dirty="0" err="1" smtClean="0"/>
+              <a:t>are</a:t>
+            </a:r>
+            <a:r>
+              <a:rPr lang="da-DK" baseline="0" dirty="0" smtClean="0"/>
+              <a:t> not </a:t>
+            </a:r>
+            <a:r>
+              <a:rPr lang="da-DK" baseline="0" dirty="0" err="1" smtClean="0"/>
+              <a:t>abstract</a:t>
+            </a:r>
+            <a:r>
+              <a:rPr lang="da-DK" baseline="0" dirty="0" smtClean="0"/>
+              <a:t> it </a:t>
+            </a:r>
+            <a:r>
+              <a:rPr lang="da-DK" baseline="0" dirty="0" err="1" smtClean="0"/>
+              <a:t>also</a:t>
+            </a:r>
+            <a:r>
+              <a:rPr lang="da-DK" baseline="0" dirty="0" smtClean="0"/>
+              <a:t> </a:t>
+            </a:r>
+            <a:r>
+              <a:rPr lang="da-DK" baseline="0" dirty="0" err="1" smtClean="0"/>
+              <a:t>can</a:t>
+            </a:r>
+            <a:r>
+              <a:rPr lang="da-DK" baseline="0" dirty="0" smtClean="0"/>
+              <a:t> </a:t>
+            </a:r>
+            <a:r>
+              <a:rPr lang="da-DK" baseline="0" dirty="0" err="1" smtClean="0"/>
+              <a:t>contain</a:t>
+            </a:r>
+            <a:r>
+              <a:rPr lang="da-DK" baseline="0" dirty="0" smtClean="0"/>
+              <a:t> data </a:t>
+            </a:r>
+            <a:r>
+              <a:rPr lang="da-DK" baseline="0" dirty="0" err="1" smtClean="0"/>
+              <a:t>declarations</a:t>
+            </a:r>
+            <a:r>
+              <a:rPr lang="da-DK" baseline="0" dirty="0" smtClean="0"/>
+              <a:t> </a:t>
+            </a:r>
+            <a:r>
+              <a:rPr lang="da-DK" baseline="0" dirty="0" err="1" smtClean="0"/>
+              <a:t>other</a:t>
+            </a:r>
+            <a:r>
+              <a:rPr lang="da-DK" baseline="0" dirty="0" smtClean="0"/>
+              <a:t> </a:t>
+            </a:r>
+            <a:r>
+              <a:rPr lang="da-DK" baseline="0" dirty="0" err="1" smtClean="0"/>
+              <a:t>than</a:t>
+            </a:r>
+            <a:r>
+              <a:rPr lang="da-DK" baseline="0" dirty="0" smtClean="0"/>
+              <a:t> </a:t>
+            </a:r>
+            <a:r>
+              <a:rPr lang="da-DK" baseline="0" dirty="0" err="1" smtClean="0"/>
+              <a:t>constants</a:t>
+            </a:r>
+            <a:r>
+              <a:rPr lang="da-DK" baseline="0" dirty="0" smtClean="0"/>
+              <a:t>.</a:t>
+            </a:r>
+          </a:p>
+          <a:p>
+            <a:r>
+              <a:rPr lang="da-DK" baseline="0" dirty="0" err="1" smtClean="0"/>
+              <a:t>Any</a:t>
+            </a:r>
+            <a:r>
+              <a:rPr lang="da-DK" baseline="0" dirty="0" smtClean="0"/>
+              <a:t> </a:t>
+            </a:r>
+            <a:r>
+              <a:rPr lang="da-DK" baseline="0" dirty="0" err="1" smtClean="0"/>
+              <a:t>class</a:t>
+            </a:r>
+            <a:r>
+              <a:rPr lang="da-DK" baseline="0" dirty="0" smtClean="0"/>
+              <a:t> </a:t>
+            </a:r>
+            <a:r>
+              <a:rPr lang="da-DK" baseline="0" dirty="0" err="1" smtClean="0"/>
+              <a:t>that</a:t>
+            </a:r>
+            <a:r>
+              <a:rPr lang="da-DK" baseline="0" dirty="0" smtClean="0"/>
+              <a:t> </a:t>
+            </a:r>
+            <a:r>
+              <a:rPr lang="da-DK" baseline="0" dirty="0" err="1" smtClean="0"/>
+              <a:t>contains</a:t>
+            </a:r>
+            <a:r>
+              <a:rPr lang="da-DK" baseline="0" dirty="0" smtClean="0"/>
+              <a:t> </a:t>
+            </a:r>
+            <a:r>
+              <a:rPr lang="da-DK" baseline="0" dirty="0" err="1" smtClean="0"/>
+              <a:t>abstract</a:t>
+            </a:r>
+            <a:r>
+              <a:rPr lang="da-DK" baseline="0" dirty="0" smtClean="0"/>
+              <a:t> </a:t>
+            </a:r>
+            <a:r>
+              <a:rPr lang="da-DK" baseline="0" dirty="0" err="1" smtClean="0"/>
+              <a:t>methods</a:t>
+            </a:r>
+            <a:r>
+              <a:rPr lang="da-DK" baseline="0" dirty="0" smtClean="0"/>
+              <a:t> (</a:t>
+            </a:r>
+            <a:r>
+              <a:rPr lang="da-DK" baseline="0" dirty="0" err="1" smtClean="0"/>
+              <a:t>unlike</a:t>
+            </a:r>
+            <a:r>
+              <a:rPr lang="da-DK" baseline="0" dirty="0" smtClean="0"/>
+              <a:t> interfaces) must </a:t>
+            </a:r>
+            <a:r>
+              <a:rPr lang="da-DK" baseline="0" dirty="0" err="1" smtClean="0"/>
+              <a:t>be</a:t>
+            </a:r>
+            <a:r>
+              <a:rPr lang="da-DK" baseline="0" dirty="0" smtClean="0"/>
+              <a:t> </a:t>
+            </a:r>
+            <a:r>
+              <a:rPr lang="da-DK" baseline="0" dirty="0" err="1" smtClean="0"/>
+              <a:t>declared</a:t>
+            </a:r>
+            <a:r>
+              <a:rPr lang="da-DK" baseline="0" dirty="0" smtClean="0"/>
+              <a:t> as </a:t>
+            </a:r>
+            <a:r>
+              <a:rPr lang="da-DK" baseline="0" dirty="0" err="1" smtClean="0"/>
+              <a:t>abstract</a:t>
+            </a:r>
+            <a:r>
+              <a:rPr lang="da-DK" baseline="0" dirty="0" smtClean="0"/>
+              <a:t>.</a:t>
+            </a:r>
+          </a:p>
+          <a:p>
+            <a:r>
+              <a:rPr lang="da-DK" baseline="0" dirty="0" smtClean="0"/>
+              <a:t>May </a:t>
+            </a:r>
+            <a:r>
+              <a:rPr lang="da-DK" baseline="0" dirty="0" err="1" smtClean="0"/>
+              <a:t>contain</a:t>
+            </a:r>
+            <a:r>
+              <a:rPr lang="da-DK" baseline="0" dirty="0" smtClean="0"/>
+              <a:t> a </a:t>
+            </a:r>
+            <a:r>
+              <a:rPr lang="da-DK" baseline="0" dirty="0" err="1" smtClean="0"/>
+              <a:t>partial</a:t>
+            </a:r>
+            <a:r>
+              <a:rPr lang="da-DK" baseline="0" dirty="0" smtClean="0"/>
+              <a:t> </a:t>
+            </a:r>
+            <a:r>
+              <a:rPr lang="da-DK" baseline="0" dirty="0" err="1" smtClean="0"/>
+              <a:t>description</a:t>
+            </a:r>
+            <a:r>
+              <a:rPr lang="da-DK" baseline="0" dirty="0" smtClean="0"/>
+              <a:t> </a:t>
+            </a:r>
+            <a:r>
+              <a:rPr lang="da-DK" baseline="0" dirty="0" err="1" smtClean="0"/>
+              <a:t>that</a:t>
+            </a:r>
+            <a:r>
+              <a:rPr lang="da-DK" baseline="0" dirty="0" smtClean="0"/>
+              <a:t> is </a:t>
+            </a:r>
+            <a:r>
+              <a:rPr lang="da-DK" baseline="0" dirty="0" err="1" smtClean="0"/>
+              <a:t>inherited</a:t>
+            </a:r>
+            <a:r>
+              <a:rPr lang="da-DK" baseline="0" dirty="0" smtClean="0"/>
+              <a:t> by all </a:t>
+            </a:r>
+            <a:r>
+              <a:rPr lang="da-DK" baseline="0" dirty="0" err="1" smtClean="0"/>
+              <a:t>its</a:t>
+            </a:r>
+            <a:r>
+              <a:rPr lang="da-DK" baseline="0" dirty="0" smtClean="0"/>
+              <a:t> </a:t>
+            </a:r>
+            <a:r>
+              <a:rPr lang="da-DK" baseline="0" dirty="0" err="1" smtClean="0"/>
+              <a:t>descendants</a:t>
+            </a:r>
+            <a:r>
+              <a:rPr lang="da-DK" baseline="0" dirty="0" smtClean="0"/>
+              <a:t>.</a:t>
+            </a:r>
+          </a:p>
+          <a:p>
+            <a:r>
+              <a:rPr lang="da-DK" baseline="0" dirty="0" smtClean="0"/>
+              <a:t>The </a:t>
+            </a:r>
+            <a:r>
+              <a:rPr lang="da-DK" baseline="0" dirty="0" err="1" smtClean="0"/>
+              <a:t>children</a:t>
+            </a:r>
+            <a:r>
+              <a:rPr lang="da-DK" baseline="0" dirty="0" smtClean="0"/>
+              <a:t> must </a:t>
+            </a:r>
+            <a:r>
+              <a:rPr lang="da-DK" baseline="0" dirty="0" err="1" smtClean="0"/>
+              <a:t>override</a:t>
+            </a:r>
+            <a:r>
+              <a:rPr lang="da-DK" baseline="0" dirty="0" smtClean="0"/>
+              <a:t> all the </a:t>
+            </a:r>
+            <a:r>
+              <a:rPr lang="da-DK" baseline="0" dirty="0" err="1" smtClean="0"/>
+              <a:t>parents</a:t>
+            </a:r>
+            <a:r>
+              <a:rPr lang="da-DK" baseline="0" dirty="0" smtClean="0"/>
+              <a:t> </a:t>
+            </a:r>
+            <a:r>
+              <a:rPr lang="da-DK" baseline="0" dirty="0" err="1" smtClean="0"/>
+              <a:t>abstract</a:t>
+            </a:r>
+            <a:r>
+              <a:rPr lang="da-DK" baseline="0" dirty="0" smtClean="0"/>
+              <a:t> </a:t>
+            </a:r>
+            <a:r>
+              <a:rPr lang="da-DK" baseline="0" dirty="0" err="1" smtClean="0"/>
+              <a:t>methods</a:t>
+            </a:r>
+            <a:r>
+              <a:rPr lang="da-DK" baseline="0" dirty="0" smtClean="0"/>
+              <a:t> </a:t>
+            </a:r>
+            <a:r>
+              <a:rPr lang="da-DK" baseline="0" dirty="0" err="1" smtClean="0"/>
+              <a:t>or</a:t>
+            </a:r>
+            <a:r>
+              <a:rPr lang="da-DK" baseline="0" dirty="0" smtClean="0"/>
+              <a:t> the </a:t>
+            </a:r>
+            <a:r>
+              <a:rPr lang="da-DK" baseline="0" dirty="0" err="1" smtClean="0"/>
+              <a:t>derived</a:t>
+            </a:r>
+            <a:r>
+              <a:rPr lang="da-DK" baseline="0" dirty="0" smtClean="0"/>
+              <a:t> </a:t>
+            </a:r>
+            <a:r>
+              <a:rPr lang="da-DK" baseline="0" dirty="0" err="1" smtClean="0"/>
+              <a:t>class</a:t>
+            </a:r>
+            <a:r>
+              <a:rPr lang="da-DK" baseline="0" dirty="0" smtClean="0"/>
+              <a:t> </a:t>
+            </a:r>
+            <a:r>
+              <a:rPr lang="da-DK" baseline="0" dirty="0" err="1" smtClean="0"/>
+              <a:t>will</a:t>
+            </a:r>
+            <a:r>
+              <a:rPr lang="da-DK" baseline="0" dirty="0" smtClean="0"/>
+              <a:t> </a:t>
+            </a:r>
+            <a:r>
+              <a:rPr lang="da-DK" baseline="0" dirty="0" err="1" smtClean="0"/>
+              <a:t>also</a:t>
+            </a:r>
+            <a:r>
+              <a:rPr lang="da-DK" baseline="0" dirty="0" smtClean="0"/>
+              <a:t> </a:t>
+            </a:r>
+            <a:r>
+              <a:rPr lang="da-DK" baseline="0" dirty="0" err="1" smtClean="0"/>
+              <a:t>be</a:t>
+            </a:r>
+            <a:r>
+              <a:rPr lang="da-DK" baseline="0" dirty="0" smtClean="0"/>
+              <a:t> </a:t>
+            </a:r>
+            <a:r>
+              <a:rPr lang="da-DK" baseline="0" dirty="0" err="1" smtClean="0"/>
+              <a:t>considered</a:t>
+            </a:r>
+            <a:r>
+              <a:rPr lang="da-DK" baseline="0" dirty="0" smtClean="0"/>
+              <a:t> </a:t>
+            </a:r>
+            <a:r>
+              <a:rPr lang="da-DK" baseline="0" dirty="0" err="1" smtClean="0"/>
+              <a:t>abstract</a:t>
+            </a:r>
+            <a:r>
+              <a:rPr lang="da-DK" baseline="0" dirty="0" smtClean="0"/>
+              <a:t>.</a:t>
+            </a:r>
+          </a:p>
+          <a:p>
+            <a:r>
+              <a:rPr lang="da-DK" baseline="0" dirty="0" err="1" smtClean="0"/>
+              <a:t>There</a:t>
+            </a:r>
+            <a:r>
+              <a:rPr lang="da-DK" baseline="0" dirty="0" smtClean="0"/>
+              <a:t> </a:t>
+            </a:r>
+            <a:r>
+              <a:rPr lang="da-DK" baseline="0" dirty="0" err="1" smtClean="0"/>
+              <a:t>are</a:t>
+            </a:r>
+            <a:r>
+              <a:rPr lang="da-DK" baseline="0" dirty="0" smtClean="0"/>
+              <a:t> </a:t>
+            </a:r>
+            <a:r>
+              <a:rPr lang="da-DK" baseline="0" dirty="0" err="1" smtClean="0"/>
+              <a:t>no</a:t>
+            </a:r>
+            <a:r>
+              <a:rPr lang="da-DK" baseline="0" dirty="0" smtClean="0"/>
+              <a:t> </a:t>
+            </a:r>
+            <a:r>
+              <a:rPr lang="da-DK" baseline="0" dirty="0" err="1" smtClean="0"/>
+              <a:t>restrictions</a:t>
+            </a:r>
+            <a:r>
+              <a:rPr lang="da-DK" baseline="0" dirty="0" smtClean="0"/>
+              <a:t> </a:t>
+            </a:r>
+            <a:r>
+              <a:rPr lang="da-DK" baseline="0" dirty="0" err="1" smtClean="0"/>
+              <a:t>where</a:t>
+            </a:r>
+            <a:r>
+              <a:rPr lang="da-DK" baseline="0" dirty="0" smtClean="0"/>
+              <a:t> a </a:t>
+            </a:r>
+            <a:r>
+              <a:rPr lang="da-DK" baseline="0" dirty="0" err="1" smtClean="0"/>
+              <a:t>abstract</a:t>
+            </a:r>
+            <a:r>
+              <a:rPr lang="da-DK" baseline="0" dirty="0" smtClean="0"/>
+              <a:t> </a:t>
+            </a:r>
+            <a:r>
+              <a:rPr lang="da-DK" baseline="0" dirty="0" err="1" smtClean="0"/>
+              <a:t>class</a:t>
+            </a:r>
+            <a:r>
+              <a:rPr lang="da-DK" baseline="0" dirty="0" smtClean="0"/>
+              <a:t> is </a:t>
+            </a:r>
+            <a:r>
+              <a:rPr lang="da-DK" baseline="0" dirty="0" err="1" smtClean="0"/>
+              <a:t>defined</a:t>
+            </a:r>
+            <a:r>
+              <a:rPr lang="da-DK" baseline="0" dirty="0" smtClean="0"/>
+              <a:t> in the </a:t>
+            </a:r>
+            <a:r>
+              <a:rPr lang="da-DK" baseline="0" dirty="0" err="1" smtClean="0"/>
+              <a:t>class</a:t>
+            </a:r>
+            <a:r>
+              <a:rPr lang="da-DK" baseline="0" dirty="0" smtClean="0"/>
+              <a:t> </a:t>
+            </a:r>
+            <a:r>
+              <a:rPr lang="da-DK" baseline="0" dirty="0" err="1" smtClean="0"/>
+              <a:t>hierarchy</a:t>
+            </a:r>
+            <a:r>
+              <a:rPr lang="da-DK" baseline="0" dirty="0" smtClean="0"/>
+              <a:t> but </a:t>
+            </a:r>
+            <a:r>
+              <a:rPr lang="da-DK" baseline="0" dirty="0" err="1" smtClean="0"/>
+              <a:t>usually</a:t>
+            </a:r>
+            <a:r>
+              <a:rPr lang="da-DK" baseline="0" dirty="0" smtClean="0"/>
+              <a:t> </a:t>
+            </a:r>
+            <a:r>
+              <a:rPr lang="da-DK" baseline="0" dirty="0" err="1" smtClean="0"/>
+              <a:t>they</a:t>
+            </a:r>
+            <a:r>
+              <a:rPr lang="da-DK" baseline="0" dirty="0" smtClean="0"/>
+              <a:t> </a:t>
+            </a:r>
+            <a:r>
+              <a:rPr lang="da-DK" baseline="0" dirty="0" err="1" smtClean="0"/>
+              <a:t>are</a:t>
+            </a:r>
+            <a:r>
+              <a:rPr lang="da-DK" baseline="0" dirty="0" smtClean="0"/>
+              <a:t> </a:t>
+            </a:r>
+            <a:r>
+              <a:rPr lang="da-DK" baseline="0" dirty="0" err="1" smtClean="0"/>
+              <a:t>locatede</a:t>
+            </a:r>
+            <a:r>
+              <a:rPr lang="da-DK" baseline="0" dirty="0" smtClean="0"/>
+              <a:t> at the upper </a:t>
+            </a:r>
+            <a:r>
+              <a:rPr lang="da-DK" baseline="0" dirty="0" err="1" smtClean="0"/>
+              <a:t>levels</a:t>
+            </a:r>
+            <a:r>
+              <a:rPr lang="da-DK" baseline="0" dirty="0" smtClean="0"/>
+              <a:t>.</a:t>
+            </a:r>
+          </a:p>
+          <a:p>
+            <a:r>
+              <a:rPr lang="da-DK" baseline="0" dirty="0" smtClean="0"/>
+              <a:t>An </a:t>
+            </a:r>
+            <a:r>
+              <a:rPr lang="da-DK" baseline="0" dirty="0" err="1" smtClean="0"/>
+              <a:t>abstract</a:t>
+            </a:r>
+            <a:r>
+              <a:rPr lang="da-DK" baseline="0" dirty="0" smtClean="0"/>
+              <a:t> </a:t>
+            </a:r>
+            <a:r>
+              <a:rPr lang="da-DK" baseline="0" dirty="0" err="1" smtClean="0"/>
+              <a:t>method</a:t>
+            </a:r>
+            <a:r>
+              <a:rPr lang="da-DK" baseline="0" dirty="0" smtClean="0"/>
+              <a:t> </a:t>
+            </a:r>
+            <a:r>
+              <a:rPr lang="da-DK" baseline="0" dirty="0" err="1" smtClean="0"/>
+              <a:t>shouldn’t</a:t>
+            </a:r>
+            <a:r>
+              <a:rPr lang="da-DK" baseline="0" dirty="0" smtClean="0"/>
+              <a:t> </a:t>
+            </a:r>
+            <a:r>
+              <a:rPr lang="da-DK" baseline="0" dirty="0" err="1" smtClean="0"/>
+              <a:t>be</a:t>
+            </a:r>
+            <a:r>
+              <a:rPr lang="da-DK" baseline="0" dirty="0" smtClean="0"/>
+              <a:t> </a:t>
+            </a:r>
+            <a:r>
+              <a:rPr lang="da-DK" baseline="0" dirty="0" err="1" smtClean="0"/>
+              <a:t>modified</a:t>
+            </a:r>
+            <a:r>
+              <a:rPr lang="da-DK" baseline="0" dirty="0" smtClean="0"/>
+              <a:t> as </a:t>
+            </a:r>
+            <a:r>
+              <a:rPr lang="da-DK" b="1" baseline="0" dirty="0" err="1" smtClean="0"/>
+              <a:t>static</a:t>
+            </a:r>
+            <a:r>
+              <a:rPr lang="da-DK" b="1" baseline="0" dirty="0" smtClean="0"/>
+              <a:t> </a:t>
+            </a:r>
+            <a:r>
+              <a:rPr lang="da-DK" b="0" baseline="0" dirty="0" err="1" smtClean="0"/>
+              <a:t>because</a:t>
+            </a:r>
+            <a:r>
+              <a:rPr lang="da-DK" b="0" baseline="0" dirty="0" smtClean="0"/>
+              <a:t> a </a:t>
+            </a:r>
+            <a:r>
+              <a:rPr lang="da-DK" b="0" baseline="0" dirty="0" err="1" smtClean="0"/>
+              <a:t>static</a:t>
+            </a:r>
+            <a:r>
+              <a:rPr lang="da-DK" b="0" baseline="0" dirty="0" smtClean="0"/>
+              <a:t> </a:t>
+            </a:r>
+            <a:r>
+              <a:rPr lang="da-DK" b="0" baseline="0" dirty="0" err="1" smtClean="0"/>
+              <a:t>method</a:t>
+            </a:r>
+            <a:r>
+              <a:rPr lang="da-DK" b="0" baseline="0" dirty="0" smtClean="0"/>
+              <a:t> </a:t>
+            </a:r>
+            <a:r>
+              <a:rPr lang="da-DK" b="0" baseline="0" dirty="0" err="1" smtClean="0"/>
+              <a:t>can</a:t>
+            </a:r>
+            <a:r>
+              <a:rPr lang="da-DK" b="0" baseline="0" dirty="0" smtClean="0"/>
+              <a:t> </a:t>
+            </a:r>
+            <a:r>
+              <a:rPr lang="da-DK" b="0" baseline="0" dirty="0" err="1" smtClean="0"/>
+              <a:t>be</a:t>
+            </a:r>
+            <a:r>
+              <a:rPr lang="da-DK" b="0" baseline="0" dirty="0" smtClean="0"/>
+              <a:t> </a:t>
+            </a:r>
+            <a:r>
+              <a:rPr lang="da-DK" b="0" baseline="0" dirty="0" err="1" smtClean="0"/>
+              <a:t>invoked</a:t>
+            </a:r>
+            <a:r>
+              <a:rPr lang="da-DK" b="0" baseline="0" dirty="0" smtClean="0"/>
+              <a:t> </a:t>
+            </a:r>
+            <a:r>
+              <a:rPr lang="da-DK" b="0" baseline="0" dirty="0" err="1" smtClean="0"/>
+              <a:t>using</a:t>
+            </a:r>
+            <a:r>
+              <a:rPr lang="da-DK" b="0" baseline="0" dirty="0" smtClean="0"/>
+              <a:t> the </a:t>
+            </a:r>
+            <a:r>
+              <a:rPr lang="da-DK" b="0" baseline="0" dirty="0" err="1" smtClean="0"/>
+              <a:t>class</a:t>
+            </a:r>
+            <a:r>
+              <a:rPr lang="da-DK" b="0" baseline="0" dirty="0" smtClean="0"/>
+              <a:t> </a:t>
+            </a:r>
+            <a:r>
+              <a:rPr lang="da-DK" b="0" baseline="0" dirty="0" err="1" smtClean="0"/>
+              <a:t>name</a:t>
+            </a:r>
+            <a:r>
+              <a:rPr lang="da-DK" b="0" baseline="0" dirty="0" smtClean="0"/>
+              <a:t> </a:t>
+            </a:r>
+            <a:r>
+              <a:rPr lang="da-DK" b="0" baseline="0" dirty="0" err="1" smtClean="0"/>
+              <a:t>without</a:t>
+            </a:r>
+            <a:r>
+              <a:rPr lang="da-DK" b="0" baseline="0" dirty="0" smtClean="0"/>
+              <a:t> </a:t>
+            </a:r>
+            <a:r>
+              <a:rPr lang="da-DK" b="0" baseline="0" dirty="0" err="1" smtClean="0"/>
+              <a:t>declaring</a:t>
+            </a:r>
+            <a:r>
+              <a:rPr lang="da-DK" b="0" baseline="0" dirty="0" smtClean="0"/>
+              <a:t> an </a:t>
+            </a:r>
+            <a:r>
+              <a:rPr lang="da-DK" b="0" baseline="0" dirty="0" err="1" smtClean="0"/>
+              <a:t>object</a:t>
+            </a:r>
+            <a:r>
+              <a:rPr lang="da-DK" b="0" baseline="0" dirty="0" smtClean="0"/>
+              <a:t> of the </a:t>
+            </a:r>
+            <a:r>
+              <a:rPr lang="da-DK" b="0" baseline="0" dirty="0" err="1" smtClean="0"/>
+              <a:t>class</a:t>
+            </a:r>
+            <a:r>
+              <a:rPr lang="da-DK" b="0" baseline="0" dirty="0" smtClean="0"/>
+              <a:t>. </a:t>
+            </a:r>
+            <a:r>
+              <a:rPr lang="da-DK" b="0" baseline="0" dirty="0" err="1" smtClean="0"/>
+              <a:t>This</a:t>
+            </a:r>
+            <a:r>
+              <a:rPr lang="da-DK" b="0" baseline="0" dirty="0" smtClean="0"/>
+              <a:t> is a </a:t>
+            </a:r>
+            <a:r>
+              <a:rPr lang="da-DK" b="0" baseline="0" dirty="0" err="1" smtClean="0"/>
+              <a:t>contradiction</a:t>
+            </a:r>
+            <a:r>
+              <a:rPr lang="da-DK" b="0" baseline="0" dirty="0" smtClean="0"/>
+              <a:t> </a:t>
+            </a:r>
+            <a:r>
+              <a:rPr lang="da-DK" b="0" baseline="0" dirty="0" err="1" smtClean="0"/>
+              <a:t>because</a:t>
+            </a:r>
+            <a:r>
+              <a:rPr lang="da-DK" b="0" baseline="0" dirty="0" smtClean="0"/>
+              <a:t> </a:t>
+            </a:r>
+            <a:r>
+              <a:rPr lang="da-DK" b="0" baseline="0" dirty="0" err="1" smtClean="0"/>
+              <a:t>abstract</a:t>
+            </a:r>
+            <a:r>
+              <a:rPr lang="da-DK" b="0" baseline="0" dirty="0" smtClean="0"/>
+              <a:t> </a:t>
+            </a:r>
+            <a:r>
+              <a:rPr lang="da-DK" b="0" baseline="0" dirty="0" err="1" smtClean="0"/>
+              <a:t>methods</a:t>
+            </a:r>
+            <a:r>
+              <a:rPr lang="da-DK" b="0" baseline="0" dirty="0" smtClean="0"/>
+              <a:t> have </a:t>
+            </a:r>
+            <a:r>
+              <a:rPr lang="da-DK" b="0" baseline="0" dirty="0" err="1" smtClean="0"/>
+              <a:t>no</a:t>
+            </a:r>
+            <a:r>
+              <a:rPr lang="da-DK" b="0" baseline="0" dirty="0" smtClean="0"/>
+              <a:t> </a:t>
+            </a:r>
+            <a:r>
+              <a:rPr lang="da-DK" b="0" baseline="0" dirty="0" err="1" smtClean="0"/>
+              <a:t>implementation</a:t>
+            </a:r>
+            <a:r>
+              <a:rPr lang="da-DK" b="0" baseline="0" dirty="0" smtClean="0"/>
+              <a:t>.</a:t>
+            </a:r>
+            <a:endParaRPr lang="da-DK" baseline="0" dirty="0" smtClean="0"/>
+          </a:p>
+          <a:p>
+            <a:r>
+              <a:rPr lang="da-DK" baseline="0" dirty="0" smtClean="0"/>
+              <a:t>By </a:t>
+            </a:r>
+            <a:r>
+              <a:rPr lang="da-DK" baseline="0" dirty="0" err="1" smtClean="0"/>
+              <a:t>using</a:t>
+            </a:r>
+            <a:r>
+              <a:rPr lang="da-DK" baseline="0" dirty="0" smtClean="0"/>
+              <a:t> </a:t>
+            </a:r>
+            <a:r>
+              <a:rPr lang="da-DK" baseline="0" dirty="0" err="1" smtClean="0"/>
+              <a:t>abstract</a:t>
+            </a:r>
+            <a:r>
+              <a:rPr lang="da-DK" baseline="0" dirty="0" smtClean="0"/>
+              <a:t> </a:t>
+            </a:r>
+            <a:r>
+              <a:rPr lang="da-DK" baseline="0" dirty="0" err="1" smtClean="0"/>
+              <a:t>classes</a:t>
+            </a:r>
+            <a:r>
+              <a:rPr lang="da-DK" baseline="0" dirty="0" smtClean="0"/>
+              <a:t> </a:t>
+            </a:r>
+            <a:r>
+              <a:rPr lang="da-DK" baseline="0" dirty="0" err="1" smtClean="0"/>
+              <a:t>wisely</a:t>
+            </a:r>
+            <a:r>
+              <a:rPr lang="da-DK" baseline="0" dirty="0" smtClean="0"/>
+              <a:t>, </a:t>
+            </a:r>
+            <a:r>
+              <a:rPr lang="da-DK" baseline="0" dirty="0" err="1" smtClean="0"/>
+              <a:t>code</a:t>
+            </a:r>
+            <a:r>
+              <a:rPr lang="da-DK" baseline="0" dirty="0" smtClean="0"/>
+              <a:t> </a:t>
+            </a:r>
+            <a:r>
+              <a:rPr lang="da-DK" baseline="0" dirty="0" err="1" smtClean="0"/>
+              <a:t>can</a:t>
+            </a:r>
+            <a:r>
+              <a:rPr lang="da-DK" baseline="0" dirty="0" smtClean="0"/>
+              <a:t> </a:t>
+            </a:r>
+            <a:r>
+              <a:rPr lang="da-DK" baseline="0" dirty="0" err="1" smtClean="0"/>
+              <a:t>be</a:t>
+            </a:r>
+            <a:r>
+              <a:rPr lang="da-DK" baseline="0" dirty="0" smtClean="0"/>
+              <a:t> </a:t>
+            </a:r>
+            <a:r>
+              <a:rPr lang="da-DK" baseline="0" dirty="0" err="1" smtClean="0"/>
+              <a:t>created</a:t>
+            </a:r>
+            <a:r>
+              <a:rPr lang="da-DK" baseline="0" dirty="0" smtClean="0"/>
+              <a:t> </a:t>
+            </a:r>
+            <a:r>
+              <a:rPr lang="da-DK" baseline="0" dirty="0" err="1" smtClean="0"/>
+              <a:t>flexible</a:t>
+            </a:r>
+            <a:r>
+              <a:rPr lang="da-DK" baseline="0" dirty="0" smtClean="0"/>
+              <a:t> and is </a:t>
+            </a:r>
+            <a:r>
+              <a:rPr lang="da-DK" baseline="0" dirty="0" err="1" smtClean="0"/>
+              <a:t>important</a:t>
+            </a:r>
+            <a:r>
+              <a:rPr lang="da-DK" baseline="0" dirty="0" smtClean="0"/>
+              <a:t> in </a:t>
+            </a:r>
+            <a:r>
+              <a:rPr lang="da-DK" baseline="0" dirty="0" err="1" smtClean="0"/>
+              <a:t>extensible</a:t>
+            </a:r>
+            <a:r>
+              <a:rPr lang="da-DK" baseline="0" dirty="0" smtClean="0"/>
+              <a:t> software designs. </a:t>
+            </a:r>
+            <a:endParaRPr lang="da-DK" dirty="0"/>
+          </a:p>
+        </p:txBody>
+      </p:sp>
+      <p:sp>
+        <p:nvSpPr>
+          <p:cNvPr id="4" name="Pladsholder til diasnummer 3"/>
+          <p:cNvSpPr>
+            <a:spLocks noGrp="1"/>
+          </p:cNvSpPr>
+          <p:nvPr>
+            <p:ph type="sldNum" sz="quarter" idx="10"/>
+          </p:nvPr>
+        </p:nvSpPr>
+        <p:spPr/>
+        <p:txBody>
+          <a:bodyPr/>
+          <a:lstStyle/>
+          <a:p>
+            <a:fld id="{6C3390C7-C92A-440B-B67D-36FF6D2DBAFD}" type="slidenum">
+              <a:rPr lang="en-US" smtClean="0"/>
+              <a:pPr/>
+              <a:t>5</a:t>
             </a:fld>
             <a:endParaRPr lang="en-US"/>
           </a:p>
@@ -845,7 +1863,7 @@
             <a:fld id="{3E57D7DC-7299-43C9-BAE2-F335855B8707}" type="datetimeFigureOut">
               <a:rPr lang="en-US" smtClean="0"/>
               <a:pPr/>
-              <a:t>1/12/2010</a:t>
+              <a:t>1/16/2010</a:t>
             </a:fld>
             <a:endParaRPr lang="da-DK"/>
           </a:p>
@@ -888,7 +1906,7 @@
             <a:fld id="{DD09C360-10AD-4B5E-BF9F-FAB61C3D4D92}" type="slidenum">
               <a:rPr lang="da-DK" smtClean="0"/>
               <a:pPr/>
-              <a:t>‹#›</a:t>
+              <a:t>‹nr.›</a:t>
             </a:fld>
             <a:endParaRPr lang="da-DK"/>
           </a:p>
@@ -1012,7 +2030,7 @@
             <a:fld id="{3E57D7DC-7299-43C9-BAE2-F335855B8707}" type="datetimeFigureOut">
               <a:rPr lang="en-US" smtClean="0"/>
               <a:pPr/>
-              <a:t>1/12/2010</a:t>
+              <a:t>1/16/2010</a:t>
             </a:fld>
             <a:endParaRPr lang="da-DK"/>
           </a:p>
@@ -1055,7 +2073,7 @@
             <a:fld id="{DD09C360-10AD-4B5E-BF9F-FAB61C3D4D92}" type="slidenum">
               <a:rPr lang="da-DK" smtClean="0"/>
               <a:pPr/>
-              <a:t>‹#›</a:t>
+              <a:t>‹nr.›</a:t>
             </a:fld>
             <a:endParaRPr lang="da-DK"/>
           </a:p>
@@ -1189,7 +2207,7 @@
             <a:fld id="{3E57D7DC-7299-43C9-BAE2-F335855B8707}" type="datetimeFigureOut">
               <a:rPr lang="en-US" smtClean="0"/>
               <a:pPr/>
-              <a:t>1/12/2010</a:t>
+              <a:t>1/16/2010</a:t>
             </a:fld>
             <a:endParaRPr lang="da-DK"/>
           </a:p>
@@ -1232,7 +2250,7 @@
             <a:fld id="{DD09C360-10AD-4B5E-BF9F-FAB61C3D4D92}" type="slidenum">
               <a:rPr lang="da-DK" smtClean="0"/>
               <a:pPr/>
-              <a:t>‹#›</a:t>
+              <a:t>‹nr.›</a:t>
             </a:fld>
             <a:endParaRPr lang="da-DK"/>
           </a:p>
@@ -1356,7 +2374,7 @@
             <a:fld id="{3E57D7DC-7299-43C9-BAE2-F335855B8707}" type="datetimeFigureOut">
               <a:rPr lang="en-US" smtClean="0"/>
               <a:pPr/>
-              <a:t>1/12/2010</a:t>
+              <a:t>1/16/2010</a:t>
             </a:fld>
             <a:endParaRPr lang="da-DK"/>
           </a:p>
@@ -1399,7 +2417,7 @@
             <a:fld id="{DD09C360-10AD-4B5E-BF9F-FAB61C3D4D92}" type="slidenum">
               <a:rPr lang="da-DK" smtClean="0"/>
               <a:pPr/>
-              <a:t>‹#›</a:t>
+              <a:t>‹nr.›</a:t>
             </a:fld>
             <a:endParaRPr lang="da-DK"/>
           </a:p>
@@ -1599,7 +2617,7 @@
             <a:fld id="{3E57D7DC-7299-43C9-BAE2-F335855B8707}" type="datetimeFigureOut">
               <a:rPr lang="en-US" smtClean="0"/>
               <a:pPr/>
-              <a:t>1/12/2010</a:t>
+              <a:t>1/16/2010</a:t>
             </a:fld>
             <a:endParaRPr lang="da-DK"/>
           </a:p>
@@ -1642,7 +2660,7 @@
             <a:fld id="{DD09C360-10AD-4B5E-BF9F-FAB61C3D4D92}" type="slidenum">
               <a:rPr lang="da-DK" smtClean="0"/>
               <a:pPr/>
-              <a:t>‹#›</a:t>
+              <a:t>‹nr.›</a:t>
             </a:fld>
             <a:endParaRPr lang="da-DK"/>
           </a:p>
@@ -1884,7 +2902,7 @@
             <a:fld id="{3E57D7DC-7299-43C9-BAE2-F335855B8707}" type="datetimeFigureOut">
               <a:rPr lang="en-US" smtClean="0"/>
               <a:pPr/>
-              <a:t>1/12/2010</a:t>
+              <a:t>1/16/2010</a:t>
             </a:fld>
             <a:endParaRPr lang="da-DK"/>
           </a:p>
@@ -1927,7 +2945,7 @@
             <a:fld id="{DD09C360-10AD-4B5E-BF9F-FAB61C3D4D92}" type="slidenum">
               <a:rPr lang="da-DK" smtClean="0"/>
               <a:pPr/>
-              <a:t>‹#›</a:t>
+              <a:t>‹nr.›</a:t>
             </a:fld>
             <a:endParaRPr lang="da-DK"/>
           </a:p>
@@ -2303,7 +3321,7 @@
             <a:fld id="{3E57D7DC-7299-43C9-BAE2-F335855B8707}" type="datetimeFigureOut">
               <a:rPr lang="en-US" smtClean="0"/>
               <a:pPr/>
-              <a:t>1/12/2010</a:t>
+              <a:t>1/16/2010</a:t>
             </a:fld>
             <a:endParaRPr lang="da-DK"/>
           </a:p>
@@ -2346,7 +3364,7 @@
             <a:fld id="{DD09C360-10AD-4B5E-BF9F-FAB61C3D4D92}" type="slidenum">
               <a:rPr lang="da-DK" smtClean="0"/>
               <a:pPr/>
-              <a:t>‹#›</a:t>
+              <a:t>‹nr.›</a:t>
             </a:fld>
             <a:endParaRPr lang="da-DK"/>
           </a:p>
@@ -2418,7 +3436,7 @@
             <a:fld id="{3E57D7DC-7299-43C9-BAE2-F335855B8707}" type="datetimeFigureOut">
               <a:rPr lang="en-US" smtClean="0"/>
               <a:pPr/>
-              <a:t>1/12/2010</a:t>
+              <a:t>1/16/2010</a:t>
             </a:fld>
             <a:endParaRPr lang="da-DK"/>
           </a:p>
@@ -2461,7 +3479,7 @@
             <a:fld id="{DD09C360-10AD-4B5E-BF9F-FAB61C3D4D92}" type="slidenum">
               <a:rPr lang="da-DK" smtClean="0"/>
               <a:pPr/>
-              <a:t>‹#›</a:t>
+              <a:t>‹nr.›</a:t>
             </a:fld>
             <a:endParaRPr lang="da-DK"/>
           </a:p>
@@ -2510,7 +3528,7 @@
             <a:fld id="{3E57D7DC-7299-43C9-BAE2-F335855B8707}" type="datetimeFigureOut">
               <a:rPr lang="en-US" smtClean="0"/>
               <a:pPr/>
-              <a:t>1/12/2010</a:t>
+              <a:t>1/16/2010</a:t>
             </a:fld>
             <a:endParaRPr lang="da-DK"/>
           </a:p>
@@ -2553,7 +3571,7 @@
             <a:fld id="{DD09C360-10AD-4B5E-BF9F-FAB61C3D4D92}" type="slidenum">
               <a:rPr lang="da-DK" smtClean="0"/>
               <a:pPr/>
-              <a:t>‹#›</a:t>
+              <a:t>‹nr.›</a:t>
             </a:fld>
             <a:endParaRPr lang="da-DK"/>
           </a:p>
@@ -2784,7 +3802,7 @@
             <a:fld id="{3E57D7DC-7299-43C9-BAE2-F335855B8707}" type="datetimeFigureOut">
               <a:rPr lang="en-US" smtClean="0"/>
               <a:pPr/>
-              <a:t>1/12/2010</a:t>
+              <a:t>1/16/2010</a:t>
             </a:fld>
             <a:endParaRPr lang="da-DK"/>
           </a:p>
@@ -2827,7 +3845,7 @@
             <a:fld id="{DD09C360-10AD-4B5E-BF9F-FAB61C3D4D92}" type="slidenum">
               <a:rPr lang="da-DK" smtClean="0"/>
               <a:pPr/>
-              <a:t>‹#›</a:t>
+              <a:t>‹nr.›</a:t>
             </a:fld>
             <a:endParaRPr lang="da-DK"/>
           </a:p>
@@ -3034,7 +4052,7 @@
             <a:fld id="{3E57D7DC-7299-43C9-BAE2-F335855B8707}" type="datetimeFigureOut">
               <a:rPr lang="en-US" smtClean="0"/>
               <a:pPr/>
-              <a:t>1/12/2010</a:t>
+              <a:t>1/16/2010</a:t>
             </a:fld>
             <a:endParaRPr lang="da-DK"/>
           </a:p>
@@ -3077,7 +4095,7 @@
             <a:fld id="{DD09C360-10AD-4B5E-BF9F-FAB61C3D4D92}" type="slidenum">
               <a:rPr lang="da-DK" smtClean="0"/>
               <a:pPr/>
-              <a:t>‹#›</a:t>
+              <a:t>‹nr.›</a:t>
             </a:fld>
             <a:endParaRPr lang="da-DK"/>
           </a:p>
@@ -3244,7 +4262,7 @@
             <a:fld id="{3E57D7DC-7299-43C9-BAE2-F335855B8707}" type="datetimeFigureOut">
               <a:rPr lang="en-US" smtClean="0"/>
               <a:pPr/>
-              <a:t>1/12/2010</a:t>
+              <a:t>1/16/2010</a:t>
             </a:fld>
             <a:endParaRPr lang="da-DK"/>
           </a:p>
@@ -3323,7 +4341,7 @@
             <a:fld id="{DD09C360-10AD-4B5E-BF9F-FAB61C3D4D92}" type="slidenum">
               <a:rPr lang="da-DK" smtClean="0"/>
               <a:pPr/>
-              <a:t>‹#›</a:t>
+              <a:t>‹nr.›</a:t>
             </a:fld>
             <a:endParaRPr lang="da-DK"/>
           </a:p>
@@ -3671,6 +4689,81 @@
 </p:sld>
 </file>
 
+<file path=ppt/slides/slide10.xml><?xml version="1.0" encoding="utf-8"?>
+<p:sld xmlns:a="http://schemas.openxmlformats.org/drawingml/2006/main" xmlns:r="http://schemas.openxmlformats.org/officeDocument/2006/relationships" xmlns:p="http://schemas.openxmlformats.org/presentationml/2006/main">
+  <p:cSld>
+    <p:spTree>
+      <p:nvGrpSpPr>
+        <p:cNvPr id="1" name=""/>
+        <p:cNvGrpSpPr/>
+        <p:nvPr/>
+      </p:nvGrpSpPr>
+      <p:grpSpPr>
+        <a:xfrm>
+          <a:off x="0" y="0"/>
+          <a:ext cx="0" cy="0"/>
+          <a:chOff x="0" y="0"/>
+          <a:chExt cx="0" cy="0"/>
+        </a:xfrm>
+      </p:grpSpPr>
+      <p:sp>
+        <p:nvSpPr>
+          <p:cNvPr id="2" name="Title 1"/>
+          <p:cNvSpPr>
+            <a:spLocks noGrp="1"/>
+          </p:cNvSpPr>
+          <p:nvPr>
+            <p:ph type="title"/>
+          </p:nvPr>
+        </p:nvSpPr>
+        <p:spPr/>
+        <p:txBody>
+          <a:bodyPr/>
+          <a:lstStyle/>
+          <a:p>
+            <a:r>
+              <a:rPr lang="en-US" dirty="0" smtClean="0"/>
+              <a:t>Use</a:t>
+            </a:r>
+            <a:r>
+              <a:rPr lang="da-DK" dirty="0" smtClean="0"/>
+              <a:t> i</a:t>
+            </a:r>
+            <a:r>
+              <a:rPr lang="en-US" dirty="0" smtClean="0"/>
+              <a:t>n our program</a:t>
+            </a:r>
+            <a:endParaRPr lang="en-US" dirty="0"/>
+          </a:p>
+        </p:txBody>
+      </p:sp>
+      <p:sp>
+        <p:nvSpPr>
+          <p:cNvPr id="3" name="Content Placeholder 2"/>
+          <p:cNvSpPr>
+            <a:spLocks noGrp="1"/>
+          </p:cNvSpPr>
+          <p:nvPr>
+            <p:ph idx="1"/>
+          </p:nvPr>
+        </p:nvSpPr>
+        <p:spPr/>
+        <p:txBody>
+          <a:bodyPr/>
+          <a:lstStyle/>
+          <a:p>
+            <a:endParaRPr lang="da-DK"/>
+          </a:p>
+        </p:txBody>
+      </p:sp>
+    </p:spTree>
+  </p:cSld>
+  <p:clrMapOvr>
+    <a:masterClrMapping/>
+  </p:clrMapOvr>
+</p:sld>
+</file>
+
 <file path=ppt/slides/slide2.xml><?xml version="1.0" encoding="utf-8"?>
 <p:sld xmlns:a="http://schemas.openxmlformats.org/drawingml/2006/main" xmlns:r="http://schemas.openxmlformats.org/officeDocument/2006/relationships" xmlns:p="http://schemas.openxmlformats.org/presentationml/2006/main">
   <p:cSld>
@@ -3832,7 +4925,7 @@
           <p:nvPr/>
         </p:nvPicPr>
         <p:blipFill>
-          <a:blip r:embed="rId2"/>
+          <a:blip r:embed="rId2" cstate="print"/>
           <a:srcRect/>
           <a:stretch>
             <a:fillRect/>
@@ -3954,7 +5047,7 @@
           <p:nvPr/>
         </p:nvPicPr>
         <p:blipFill>
-          <a:blip r:embed="rId2"/>
+          <a:blip r:embed="rId2" cstate="print"/>
           <a:srcRect/>
           <a:stretch>
             <a:fillRect/>
@@ -4038,10 +5131,337 @@
         </p:nvSpPr>
         <p:spPr/>
         <p:txBody>
-          <a:bodyPr/>
-          <a:lstStyle/>
-          <a:p>
-            <a:endParaRPr lang="da-DK"/>
+          <a:bodyPr>
+            <a:normAutofit fontScale="85000" lnSpcReduction="20000"/>
+          </a:bodyPr>
+          <a:lstStyle/>
+          <a:p>
+            <a:r>
+              <a:rPr lang="da-DK" dirty="0" err="1" smtClean="0"/>
+              <a:t>Generic</a:t>
+            </a:r>
+            <a:r>
+              <a:rPr lang="da-DK" dirty="0" smtClean="0"/>
+              <a:t> </a:t>
+            </a:r>
+            <a:r>
+              <a:rPr lang="da-DK" dirty="0" err="1" smtClean="0"/>
+              <a:t>concept</a:t>
+            </a:r>
+            <a:r>
+              <a:rPr lang="da-DK" dirty="0" smtClean="0"/>
+              <a:t> in </a:t>
+            </a:r>
+            <a:r>
+              <a:rPr lang="da-DK" dirty="0" err="1" smtClean="0"/>
+              <a:t>class</a:t>
+            </a:r>
+            <a:r>
+              <a:rPr lang="da-DK" dirty="0" smtClean="0"/>
+              <a:t> </a:t>
+            </a:r>
+            <a:r>
+              <a:rPr lang="da-DK" dirty="0" err="1" smtClean="0"/>
+              <a:t>hierarchy</a:t>
+            </a:r>
+            <a:endParaRPr lang="da-DK" dirty="0" smtClean="0"/>
+          </a:p>
+          <a:p>
+            <a:r>
+              <a:rPr lang="da-DK" dirty="0" err="1" smtClean="0"/>
+              <a:t>Cannot</a:t>
+            </a:r>
+            <a:r>
+              <a:rPr lang="da-DK" dirty="0" smtClean="0"/>
+              <a:t> </a:t>
+            </a:r>
+            <a:r>
+              <a:rPr lang="da-DK" dirty="0" err="1" smtClean="0"/>
+              <a:t>be</a:t>
+            </a:r>
+            <a:r>
+              <a:rPr lang="da-DK" dirty="0" smtClean="0"/>
+              <a:t> </a:t>
+            </a:r>
+            <a:r>
+              <a:rPr lang="da-DK" dirty="0" err="1" smtClean="0"/>
+              <a:t>instantiated</a:t>
+            </a:r>
+            <a:endParaRPr lang="da-DK" dirty="0" smtClean="0"/>
+          </a:p>
+          <a:p>
+            <a:r>
+              <a:rPr lang="da-DK" dirty="0" err="1" smtClean="0"/>
+              <a:t>Usually</a:t>
+            </a:r>
+            <a:r>
+              <a:rPr lang="da-DK" dirty="0" smtClean="0"/>
+              <a:t> </a:t>
+            </a:r>
+            <a:r>
+              <a:rPr lang="da-DK" dirty="0" err="1" smtClean="0"/>
+              <a:t>contains</a:t>
+            </a:r>
+            <a:r>
+              <a:rPr lang="da-DK" dirty="0" smtClean="0"/>
+              <a:t> som </a:t>
+            </a:r>
+            <a:r>
+              <a:rPr lang="da-DK" dirty="0" err="1" smtClean="0"/>
+              <a:t>abstract</a:t>
+            </a:r>
+            <a:r>
+              <a:rPr lang="da-DK" dirty="0" smtClean="0"/>
+              <a:t> </a:t>
+            </a:r>
+            <a:r>
+              <a:rPr lang="da-DK" dirty="0" err="1" smtClean="0"/>
+              <a:t>methods</a:t>
+            </a:r>
+            <a:endParaRPr lang="da-DK" dirty="0" smtClean="0"/>
+          </a:p>
+          <a:p>
+            <a:r>
+              <a:rPr lang="da-DK" dirty="0" err="1" smtClean="0"/>
+              <a:t>Class</a:t>
+            </a:r>
+            <a:r>
+              <a:rPr lang="da-DK" dirty="0" smtClean="0"/>
+              <a:t> is </a:t>
+            </a:r>
+            <a:r>
+              <a:rPr lang="da-DK" dirty="0" err="1" smtClean="0"/>
+              <a:t>declared</a:t>
+            </a:r>
+            <a:r>
+              <a:rPr lang="da-DK" dirty="0" smtClean="0"/>
+              <a:t> by </a:t>
+            </a:r>
+            <a:r>
+              <a:rPr lang="da-DK" dirty="0" err="1" smtClean="0"/>
+              <a:t>including</a:t>
+            </a:r>
+            <a:r>
+              <a:rPr lang="da-DK" dirty="0" smtClean="0"/>
+              <a:t> the </a:t>
+            </a:r>
+            <a:r>
+              <a:rPr lang="da-DK" b="1" dirty="0" err="1" smtClean="0"/>
+              <a:t>abstract</a:t>
+            </a:r>
+            <a:r>
+              <a:rPr lang="da-DK" b="1" dirty="0" smtClean="0"/>
+              <a:t> </a:t>
+            </a:r>
+            <a:r>
+              <a:rPr lang="da-DK" dirty="0" err="1" smtClean="0"/>
+              <a:t>modifier</a:t>
+            </a:r>
+            <a:r>
+              <a:rPr lang="da-DK" dirty="0" smtClean="0"/>
+              <a:t> in the </a:t>
+            </a:r>
+            <a:r>
+              <a:rPr lang="da-DK" dirty="0" err="1" smtClean="0"/>
+              <a:t>class</a:t>
+            </a:r>
+            <a:r>
+              <a:rPr lang="da-DK" dirty="0" smtClean="0"/>
+              <a:t> header</a:t>
+            </a:r>
+          </a:p>
+          <a:p>
+            <a:r>
+              <a:rPr lang="da-DK" dirty="0" err="1" smtClean="0"/>
+              <a:t>Used</a:t>
+            </a:r>
+            <a:r>
+              <a:rPr lang="da-DK" dirty="0" smtClean="0"/>
+              <a:t> to </a:t>
+            </a:r>
+            <a:r>
+              <a:rPr lang="da-DK" dirty="0" err="1" smtClean="0"/>
+              <a:t>declare</a:t>
+            </a:r>
+            <a:r>
+              <a:rPr lang="da-DK" dirty="0" smtClean="0"/>
+              <a:t> variables </a:t>
+            </a:r>
+            <a:r>
+              <a:rPr lang="da-DK" dirty="0" err="1" smtClean="0"/>
+              <a:t>that</a:t>
+            </a:r>
+            <a:r>
+              <a:rPr lang="da-DK" dirty="0" smtClean="0"/>
+              <a:t> is </a:t>
+            </a:r>
+            <a:r>
+              <a:rPr lang="da-DK" dirty="0" err="1" smtClean="0"/>
+              <a:t>generic</a:t>
+            </a:r>
+            <a:r>
+              <a:rPr lang="da-DK" dirty="0" smtClean="0"/>
+              <a:t> in all the </a:t>
+            </a:r>
+            <a:r>
+              <a:rPr lang="da-DK" dirty="0" err="1" smtClean="0"/>
+              <a:t>children</a:t>
+            </a:r>
+            <a:r>
+              <a:rPr lang="da-DK" dirty="0" smtClean="0"/>
+              <a:t> of the </a:t>
+            </a:r>
+            <a:r>
+              <a:rPr lang="da-DK" dirty="0" err="1" smtClean="0"/>
+              <a:t>class</a:t>
+            </a:r>
+            <a:endParaRPr lang="da-DK" dirty="0" smtClean="0"/>
+          </a:p>
+          <a:p>
+            <a:r>
+              <a:rPr lang="da-DK" dirty="0" err="1" smtClean="0"/>
+              <a:t>Abstract</a:t>
+            </a:r>
+            <a:r>
+              <a:rPr lang="da-DK" dirty="0" smtClean="0"/>
+              <a:t> </a:t>
+            </a:r>
+            <a:r>
+              <a:rPr lang="da-DK" dirty="0" err="1" smtClean="0"/>
+              <a:t>methods</a:t>
+            </a:r>
+            <a:r>
+              <a:rPr lang="da-DK" dirty="0" smtClean="0"/>
+              <a:t> </a:t>
+            </a:r>
+            <a:r>
+              <a:rPr lang="da-DK" dirty="0" err="1" smtClean="0"/>
+              <a:t>used</a:t>
+            </a:r>
+            <a:r>
+              <a:rPr lang="da-DK" dirty="0" smtClean="0"/>
+              <a:t> in the </a:t>
+            </a:r>
+            <a:r>
+              <a:rPr lang="da-DK" dirty="0" err="1" smtClean="0"/>
+              <a:t>children</a:t>
+            </a:r>
+            <a:r>
+              <a:rPr lang="da-DK" dirty="0" smtClean="0"/>
+              <a:t> must </a:t>
+            </a:r>
+            <a:r>
+              <a:rPr lang="da-DK" dirty="0" err="1" smtClean="0"/>
+              <a:t>be</a:t>
+            </a:r>
+            <a:r>
+              <a:rPr lang="da-DK" dirty="0" smtClean="0"/>
+              <a:t> </a:t>
+            </a:r>
+            <a:r>
+              <a:rPr lang="da-DK" dirty="0" err="1" smtClean="0"/>
+              <a:t>defined</a:t>
+            </a:r>
+            <a:r>
+              <a:rPr lang="da-DK" dirty="0" smtClean="0"/>
+              <a:t> in by </a:t>
+            </a:r>
+            <a:r>
+              <a:rPr lang="da-DK" dirty="0" err="1" smtClean="0"/>
+              <a:t>each</a:t>
+            </a:r>
+            <a:r>
+              <a:rPr lang="da-DK" dirty="0" smtClean="0"/>
+              <a:t> </a:t>
+            </a:r>
+            <a:r>
+              <a:rPr lang="da-DK" dirty="0" err="1" smtClean="0"/>
+              <a:t>child</a:t>
+            </a:r>
+            <a:endParaRPr lang="da-DK" dirty="0" smtClean="0"/>
+          </a:p>
+          <a:p>
+            <a:r>
+              <a:rPr lang="da-DK" dirty="0" err="1" smtClean="0"/>
+              <a:t>Classes</a:t>
+            </a:r>
+            <a:r>
+              <a:rPr lang="da-DK" dirty="0" smtClean="0"/>
+              <a:t> </a:t>
+            </a:r>
+            <a:r>
+              <a:rPr lang="da-DK" dirty="0" err="1" smtClean="0"/>
+              <a:t>that</a:t>
+            </a:r>
+            <a:r>
+              <a:rPr lang="da-DK" dirty="0" smtClean="0"/>
+              <a:t> </a:t>
+            </a:r>
+            <a:r>
+              <a:rPr lang="da-DK" dirty="0" err="1" smtClean="0"/>
+              <a:t>are</a:t>
+            </a:r>
+            <a:r>
+              <a:rPr lang="da-DK" dirty="0" smtClean="0"/>
+              <a:t> </a:t>
+            </a:r>
+            <a:r>
+              <a:rPr lang="da-DK" dirty="0" err="1" smtClean="0"/>
+              <a:t>derived</a:t>
+            </a:r>
+            <a:r>
+              <a:rPr lang="da-DK" dirty="0" smtClean="0"/>
+              <a:t> from an </a:t>
+            </a:r>
+            <a:r>
+              <a:rPr lang="da-DK" dirty="0" err="1" smtClean="0"/>
+              <a:t>abstract</a:t>
+            </a:r>
+            <a:r>
+              <a:rPr lang="da-DK" dirty="0" smtClean="0"/>
+              <a:t> </a:t>
+            </a:r>
+            <a:r>
+              <a:rPr lang="da-DK" dirty="0" err="1" smtClean="0"/>
+              <a:t>parent</a:t>
+            </a:r>
+            <a:r>
+              <a:rPr lang="da-DK" dirty="0" smtClean="0"/>
+              <a:t> must </a:t>
+            </a:r>
+            <a:r>
+              <a:rPr lang="da-DK" dirty="0" err="1" smtClean="0"/>
+              <a:t>override</a:t>
+            </a:r>
+            <a:r>
+              <a:rPr lang="da-DK" dirty="0" smtClean="0"/>
+              <a:t> all of the </a:t>
+            </a:r>
+            <a:r>
+              <a:rPr lang="da-DK" dirty="0" err="1" smtClean="0"/>
+              <a:t>parents</a:t>
+            </a:r>
+            <a:r>
+              <a:rPr lang="da-DK" dirty="0" smtClean="0"/>
+              <a:t> </a:t>
+            </a:r>
+            <a:r>
+              <a:rPr lang="da-DK" dirty="0" err="1" smtClean="0"/>
+              <a:t>methods</a:t>
+            </a:r>
+            <a:r>
+              <a:rPr lang="da-DK" dirty="0" smtClean="0"/>
+              <a:t>. </a:t>
+            </a:r>
+          </a:p>
+          <a:p>
+            <a:endParaRPr lang="da-DK" dirty="0" smtClean="0"/>
+          </a:p>
+          <a:p>
+            <a:endParaRPr lang="da-DK" dirty="0" smtClean="0"/>
+          </a:p>
+          <a:p>
+            <a:endParaRPr lang="da-DK" dirty="0"/>
           </a:p>
         </p:txBody>
       </p:sp>
@@ -4072,7 +5492,7 @@
       </p:grpSpPr>
       <p:sp>
         <p:nvSpPr>
-          <p:cNvPr id="2" name="Title 1"/>
+          <p:cNvPr id="2" name="Titel 1"/>
           <p:cNvSpPr>
             <a:spLocks noGrp="1"/>
           </p:cNvSpPr>
@@ -4086,29 +5506,310 @@
           <a:lstStyle/>
           <a:p>
             <a:r>
+              <a:rPr lang="da-DK" dirty="0" err="1" smtClean="0"/>
+              <a:t>Abstract</a:t>
+            </a:r>
+            <a:r>
+              <a:rPr lang="da-DK" dirty="0" smtClean="0"/>
+              <a:t> </a:t>
+            </a:r>
+            <a:r>
+              <a:rPr lang="da-DK" dirty="0" err="1" smtClean="0"/>
+              <a:t>class</a:t>
+            </a:r>
+            <a:r>
+              <a:rPr lang="da-DK" dirty="0" smtClean="0"/>
+              <a:t> </a:t>
+            </a:r>
+            <a:r>
+              <a:rPr lang="da-DK" dirty="0" err="1" smtClean="0"/>
+              <a:t>example</a:t>
+            </a:r>
+            <a:endParaRPr lang="da-DK" dirty="0"/>
+          </a:p>
+        </p:txBody>
+      </p:sp>
+      <p:sp>
+        <p:nvSpPr>
+          <p:cNvPr id="3" name="Pladsholder til indhold 2"/>
+          <p:cNvSpPr>
+            <a:spLocks noGrp="1"/>
+          </p:cNvSpPr>
+          <p:nvPr>
+            <p:ph idx="1"/>
+          </p:nvPr>
+        </p:nvSpPr>
+        <p:spPr/>
+        <p:txBody>
+          <a:bodyPr>
+            <a:normAutofit fontScale="70000" lnSpcReduction="20000"/>
+          </a:bodyPr>
+          <a:lstStyle/>
+          <a:p>
+            <a:pPr>
+              <a:buNone/>
+            </a:pPr>
+            <a:r>
+              <a:rPr lang="da-DK" dirty="0" err="1" smtClean="0"/>
+              <a:t>abstract</a:t>
+            </a:r>
+            <a:r>
+              <a:rPr lang="da-DK" dirty="0" smtClean="0"/>
+              <a:t> public </a:t>
+            </a:r>
+            <a:r>
+              <a:rPr lang="da-DK" dirty="0" err="1" smtClean="0"/>
+              <a:t>class</a:t>
+            </a:r>
+            <a:r>
+              <a:rPr lang="da-DK" dirty="0" smtClean="0"/>
+              <a:t> </a:t>
+            </a:r>
+            <a:r>
+              <a:rPr lang="da-DK" dirty="0" err="1" smtClean="0"/>
+              <a:t>Control</a:t>
+            </a:r>
+            <a:endParaRPr lang="da-DK" dirty="0" smtClean="0"/>
+          </a:p>
+          <a:p>
+            <a:pPr>
+              <a:buNone/>
+            </a:pPr>
+            <a:r>
+              <a:rPr lang="da-DK" dirty="0" smtClean="0"/>
+              <a:t>{</a:t>
+            </a:r>
+            <a:endParaRPr lang="da-DK" dirty="0" smtClean="0"/>
+          </a:p>
+          <a:p>
+            <a:pPr>
+              <a:buNone/>
+            </a:pPr>
+            <a:r>
               <a:rPr lang="en-US" dirty="0" smtClean="0"/>
-              <a:t>Abstract Class Vs Interface</a:t>
-            </a:r>
-            <a:endParaRPr lang="en-US" dirty="0"/>
-          </a:p>
-        </p:txBody>
-      </p:sp>
-      <p:sp>
-        <p:nvSpPr>
-          <p:cNvPr id="3" name="Content Placeholder 2"/>
-          <p:cNvSpPr>
-            <a:spLocks noGrp="1"/>
-          </p:cNvSpPr>
-          <p:nvPr>
-            <p:ph idx="1"/>
-          </p:nvPr>
-        </p:nvSpPr>
-        <p:spPr/>
-        <p:txBody>
-          <a:bodyPr/>
-          <a:lstStyle/>
-          <a:p>
-            <a:endParaRPr lang="da-DK"/>
+              <a:t>	</a:t>
+            </a:r>
+            <a:r>
+              <a:rPr lang="da-DK" dirty="0" err="1" smtClean="0"/>
+              <a:t>protected</a:t>
+            </a:r>
+            <a:r>
+              <a:rPr lang="da-DK" dirty="0" smtClean="0"/>
+              <a:t> </a:t>
+            </a:r>
+            <a:r>
+              <a:rPr lang="da-DK" dirty="0" err="1" smtClean="0"/>
+              <a:t>int</a:t>
+            </a:r>
+            <a:r>
+              <a:rPr lang="da-DK" dirty="0" smtClean="0"/>
+              <a:t> top;</a:t>
+            </a:r>
+          </a:p>
+          <a:p>
+            <a:pPr>
+              <a:buNone/>
+            </a:pPr>
+            <a:r>
+              <a:rPr lang="da-DK" dirty="0" smtClean="0"/>
+              <a:t>	</a:t>
+            </a:r>
+            <a:r>
+              <a:rPr lang="da-DK" dirty="0" err="1" smtClean="0"/>
+              <a:t>protected</a:t>
+            </a:r>
+            <a:r>
+              <a:rPr lang="da-DK" dirty="0" smtClean="0"/>
+              <a:t> </a:t>
+            </a:r>
+            <a:r>
+              <a:rPr lang="da-DK" dirty="0" err="1" smtClean="0"/>
+              <a:t>int</a:t>
+            </a:r>
+            <a:r>
+              <a:rPr lang="da-DK" dirty="0" smtClean="0"/>
+              <a:t> </a:t>
+            </a:r>
+            <a:r>
+              <a:rPr lang="da-DK" dirty="0" err="1" smtClean="0"/>
+              <a:t>left</a:t>
+            </a:r>
+            <a:r>
+              <a:rPr lang="da-DK" dirty="0" smtClean="0"/>
+              <a:t>;</a:t>
+            </a:r>
+          </a:p>
+          <a:p>
+            <a:pPr lvl="2">
+              <a:buNone/>
+            </a:pPr>
+            <a:r>
+              <a:rPr lang="en-US" sz="2200" dirty="0" smtClean="0"/>
+              <a:t>// constructor takes two integers to</a:t>
+            </a:r>
+          </a:p>
+          <a:p>
+            <a:pPr lvl="2">
+              <a:buNone/>
+            </a:pPr>
+            <a:r>
+              <a:rPr lang="en-US" sz="2200" dirty="0" smtClean="0"/>
+              <a:t>// fix location on the console</a:t>
+            </a:r>
+          </a:p>
+          <a:p>
+            <a:pPr>
+              <a:buNone/>
+            </a:pPr>
+            <a:r>
+              <a:rPr lang="en-US" dirty="0" smtClean="0"/>
+              <a:t>	protected </a:t>
+            </a:r>
+            <a:r>
+              <a:rPr lang="en-US" dirty="0" smtClean="0"/>
+              <a:t>Control(</a:t>
+            </a:r>
+            <a:r>
+              <a:rPr lang="en-US" dirty="0" err="1" smtClean="0"/>
+              <a:t>int</a:t>
+            </a:r>
+            <a:r>
+              <a:rPr lang="en-US" dirty="0" smtClean="0"/>
+              <a:t> top, </a:t>
+            </a:r>
+            <a:r>
+              <a:rPr lang="en-US" dirty="0" err="1" smtClean="0"/>
+              <a:t>int</a:t>
+            </a:r>
+            <a:r>
+              <a:rPr lang="en-US" dirty="0" smtClean="0"/>
+              <a:t> left)</a:t>
+            </a:r>
+          </a:p>
+          <a:p>
+            <a:pPr>
+              <a:buNone/>
+            </a:pPr>
+            <a:r>
+              <a:rPr lang="da-DK" dirty="0" smtClean="0"/>
+              <a:t>	{</a:t>
+            </a:r>
+            <a:endParaRPr lang="da-DK" dirty="0" smtClean="0"/>
+          </a:p>
+          <a:p>
+            <a:pPr>
+              <a:buNone/>
+            </a:pPr>
+            <a:r>
+              <a:rPr lang="da-DK" dirty="0" smtClean="0"/>
+              <a:t>		</a:t>
+            </a:r>
+            <a:r>
+              <a:rPr lang="da-DK" dirty="0" err="1" smtClean="0"/>
+              <a:t>this.top</a:t>
+            </a:r>
+            <a:r>
+              <a:rPr lang="da-DK" dirty="0" smtClean="0"/>
+              <a:t> </a:t>
+            </a:r>
+            <a:r>
+              <a:rPr lang="da-DK" dirty="0" smtClean="0"/>
+              <a:t>= top;</a:t>
+            </a:r>
+          </a:p>
+          <a:p>
+            <a:pPr>
+              <a:buNone/>
+            </a:pPr>
+            <a:r>
+              <a:rPr lang="da-DK" dirty="0" smtClean="0"/>
+              <a:t>		</a:t>
+            </a:r>
+            <a:r>
+              <a:rPr lang="da-DK" dirty="0" err="1" smtClean="0"/>
+              <a:t>this.left</a:t>
+            </a:r>
+            <a:r>
+              <a:rPr lang="da-DK" dirty="0" smtClean="0"/>
+              <a:t> </a:t>
+            </a:r>
+            <a:r>
+              <a:rPr lang="da-DK" dirty="0" smtClean="0"/>
+              <a:t>= </a:t>
+            </a:r>
+            <a:r>
+              <a:rPr lang="da-DK" dirty="0" err="1" smtClean="0"/>
+              <a:t>left</a:t>
+            </a:r>
+            <a:r>
+              <a:rPr lang="da-DK" dirty="0" smtClean="0"/>
+              <a:t>;</a:t>
+            </a:r>
+          </a:p>
+          <a:p>
+            <a:pPr>
+              <a:buNone/>
+            </a:pPr>
+            <a:r>
+              <a:rPr lang="da-DK" dirty="0" smtClean="0"/>
+              <a:t>	}</a:t>
+            </a:r>
+            <a:endParaRPr lang="da-DK" dirty="0" smtClean="0"/>
+          </a:p>
+          <a:p>
+            <a:pPr>
+              <a:buNone/>
+            </a:pPr>
+            <a:r>
+              <a:rPr lang="da-DK" smtClean="0"/>
+              <a:t>	</a:t>
+            </a:r>
+            <a:r>
+              <a:rPr lang="da-DK" dirty="0" smtClean="0"/>
+              <a:t>	</a:t>
+            </a:r>
+            <a:r>
+              <a:rPr lang="da-DK" dirty="0" err="1" smtClean="0"/>
+              <a:t>abstract</a:t>
+            </a:r>
+            <a:r>
+              <a:rPr lang="da-DK" dirty="0" smtClean="0"/>
+              <a:t> </a:t>
+            </a:r>
+            <a:r>
+              <a:rPr lang="da-DK" dirty="0" smtClean="0"/>
+              <a:t>public </a:t>
+            </a:r>
+            <a:r>
+              <a:rPr lang="da-DK" dirty="0" err="1" smtClean="0"/>
+              <a:t>void</a:t>
+            </a:r>
+            <a:r>
+              <a:rPr lang="da-DK" dirty="0" smtClean="0"/>
+              <a:t> </a:t>
+            </a:r>
+            <a:r>
+              <a:rPr lang="da-DK" dirty="0" err="1" smtClean="0"/>
+              <a:t>DrawWindow</a:t>
+            </a:r>
+            <a:r>
+              <a:rPr lang="da-DK" dirty="0" smtClean="0"/>
+              <a:t>( </a:t>
+            </a:r>
+            <a:r>
+              <a:rPr lang="da-DK" dirty="0" smtClean="0"/>
+              <a:t>);</a:t>
+            </a:r>
+          </a:p>
+          <a:p>
+            <a:pPr>
+              <a:buNone/>
+            </a:pPr>
+            <a:r>
+              <a:rPr lang="da-DK" dirty="0" smtClean="0"/>
+              <a:t>}</a:t>
+            </a:r>
+            <a:endParaRPr lang="da-DK" dirty="0"/>
           </a:p>
         </p:txBody>
       </p:sp>
@@ -4154,7 +5855,7 @@
           <a:p>
             <a:r>
               <a:rPr lang="en-US" dirty="0" smtClean="0"/>
-              <a:t>Garbage Collector</a:t>
+              <a:t>Abstract Class Vs Interface</a:t>
             </a:r>
             <a:endParaRPr lang="en-US" dirty="0"/>
           </a:p>
@@ -4175,32 +5876,7 @@
           <a:bodyPr/>
           <a:lstStyle/>
           <a:p>
-            <a:r>
-              <a:rPr lang="en-US" dirty="0" smtClean="0"/>
-              <a:t>C# performs automatic garbage collection</a:t>
-            </a:r>
-          </a:p>
-          <a:p>
-            <a:pPr lvl="1"/>
-            <a:r>
-              <a:rPr lang="en-US" dirty="0" smtClean="0"/>
-              <a:t>Collection/removing objects that are marked as garbage</a:t>
-            </a:r>
-          </a:p>
-          <a:p>
-            <a:pPr lvl="1"/>
-            <a:r>
-              <a:rPr lang="en-US" dirty="0" smtClean="0"/>
-              <a:t>Object that no longer has a reference</a:t>
-            </a:r>
-          </a:p>
-          <a:p>
-            <a:pPr lvl="1"/>
-            <a:r>
-              <a:rPr lang="en-US" dirty="0" smtClean="0"/>
-              <a:t>C# programmers don’t need to worry about explicitly reclaiming memory that has become garbage </a:t>
-            </a:r>
-            <a:endParaRPr lang="en-US" dirty="0"/>
+            <a:endParaRPr lang="da-DK"/>
           </a:p>
         </p:txBody>
       </p:sp>
@@ -4246,36 +5922,53 @@
           <a:p>
             <a:r>
               <a:rPr lang="en-US" dirty="0" smtClean="0"/>
-              <a:t>Use</a:t>
-            </a:r>
-            <a:r>
-              <a:rPr lang="da-DK" dirty="0" smtClean="0"/>
-              <a:t> i</a:t>
-            </a:r>
+              <a:t>Garbage Collector</a:t>
+            </a:r>
+            <a:endParaRPr lang="en-US" dirty="0"/>
+          </a:p>
+        </p:txBody>
+      </p:sp>
+      <p:sp>
+        <p:nvSpPr>
+          <p:cNvPr id="3" name="Content Placeholder 2"/>
+          <p:cNvSpPr>
+            <a:spLocks noGrp="1"/>
+          </p:cNvSpPr>
+          <p:nvPr>
+            <p:ph idx="1"/>
+          </p:nvPr>
+        </p:nvSpPr>
+        <p:spPr/>
+        <p:txBody>
+          <a:bodyPr/>
+          <a:lstStyle/>
+          <a:p>
             <a:r>
               <a:rPr lang="en-US" dirty="0" smtClean="0"/>
-              <a:t>n our program</a:t>
+              <a:t>C# performs automatic garbage collection</a:t>
+            </a:r>
+          </a:p>
+          <a:p>
+            <a:pPr lvl="1"/>
+            <a:r>
+              <a:rPr lang="en-US" dirty="0" smtClean="0"/>
+              <a:t>Collection/removing objects that are marked as garbage</a:t>
+            </a:r>
+          </a:p>
+          <a:p>
+            <a:pPr lvl="1"/>
+            <a:r>
+              <a:rPr lang="en-US" dirty="0" smtClean="0"/>
+              <a:t>Object that no longer has a reference</a:t>
+            </a:r>
+          </a:p>
+          <a:p>
+            <a:pPr lvl="1"/>
+            <a:r>
+              <a:rPr lang="en-US" dirty="0" smtClean="0"/>
+              <a:t>C# programmers don’t need to worry about explicitly reclaiming memory that has become garbage </a:t>
             </a:r>
             <a:endParaRPr lang="en-US" dirty="0"/>
-          </a:p>
-        </p:txBody>
-      </p:sp>
-      <p:sp>
-        <p:nvSpPr>
-          <p:cNvPr id="3" name="Content Placeholder 2"/>
-          <p:cNvSpPr>
-            <a:spLocks noGrp="1"/>
-          </p:cNvSpPr>
-          <p:nvPr>
-            <p:ph idx="1"/>
-          </p:nvPr>
-        </p:nvSpPr>
-        <p:spPr/>
-        <p:txBody>
-          <a:bodyPr/>
-          <a:lstStyle/>
-          <a:p>
-            <a:endParaRPr lang="da-DK"/>
           </a:p>
         </p:txBody>
       </p:sp>

--- a/OOPExam/01 Class, Abstract Class and Interfaces.pptx
+++ b/OOPExam/01 Class, Abstract Class and Interfaces.pptx
@@ -5761,12 +5761,8 @@
               <a:buNone/>
             </a:pPr>
             <a:r>
-              <a:rPr lang="da-DK" smtClean="0"/>
-              <a:t>	</a:t>
-            </a:r>
-            <a:r>
-              <a:rPr lang="da-DK" dirty="0" smtClean="0"/>
-              <a:t>	</a:t>
+              <a:rPr lang="da-DK" dirty="0" smtClean="0"/>
+              <a:t>		</a:t>
             </a:r>
             <a:r>
               <a:rPr lang="da-DK" dirty="0" err="1" smtClean="0"/>
@@ -5876,7 +5872,130 @@
           <a:bodyPr/>
           <a:lstStyle/>
           <a:p>
-            <a:endParaRPr lang="da-DK"/>
+            <a:r>
+              <a:rPr lang="da-DK" dirty="0" smtClean="0"/>
+              <a:t>Interfaces </a:t>
+            </a:r>
+            <a:r>
+              <a:rPr lang="da-DK" dirty="0" err="1" smtClean="0"/>
+              <a:t>are</a:t>
+            </a:r>
+            <a:r>
+              <a:rPr lang="da-DK" dirty="0" smtClean="0"/>
+              <a:t> </a:t>
+            </a:r>
+            <a:r>
+              <a:rPr lang="da-DK" dirty="0" err="1" smtClean="0"/>
+              <a:t>very</a:t>
+            </a:r>
+            <a:r>
+              <a:rPr lang="da-DK" dirty="0" smtClean="0"/>
+              <a:t> </a:t>
+            </a:r>
+            <a:r>
+              <a:rPr lang="da-DK" dirty="0" err="1" smtClean="0"/>
+              <a:t>smiliar</a:t>
+            </a:r>
+            <a:r>
+              <a:rPr lang="da-DK" dirty="0" smtClean="0"/>
+              <a:t> to </a:t>
+            </a:r>
+            <a:r>
+              <a:rPr lang="da-DK" dirty="0" err="1" smtClean="0"/>
+              <a:t>abstract</a:t>
+            </a:r>
+            <a:r>
+              <a:rPr lang="da-DK" dirty="0" smtClean="0"/>
+              <a:t> </a:t>
+            </a:r>
+            <a:r>
+              <a:rPr lang="da-DK" dirty="0" err="1" smtClean="0"/>
+              <a:t>classes</a:t>
+            </a:r>
+            <a:endParaRPr lang="da-DK" dirty="0" smtClean="0"/>
+          </a:p>
+          <a:p>
+            <a:r>
+              <a:rPr lang="da-DK" dirty="0" smtClean="0"/>
+              <a:t>Interfaces </a:t>
+            </a:r>
+            <a:r>
+              <a:rPr lang="da-DK" dirty="0" err="1" smtClean="0"/>
+              <a:t>are</a:t>
+            </a:r>
+            <a:r>
+              <a:rPr lang="da-DK" dirty="0" smtClean="0"/>
+              <a:t> </a:t>
+            </a:r>
+            <a:r>
+              <a:rPr lang="da-DK" dirty="0" err="1" smtClean="0"/>
+              <a:t>used</a:t>
+            </a:r>
+            <a:r>
+              <a:rPr lang="da-DK" dirty="0" smtClean="0"/>
+              <a:t> </a:t>
+            </a:r>
+            <a:r>
+              <a:rPr lang="da-DK" dirty="0" err="1" smtClean="0"/>
+              <a:t>instead</a:t>
+            </a:r>
+            <a:r>
+              <a:rPr lang="da-DK" dirty="0" smtClean="0"/>
+              <a:t> of </a:t>
+            </a:r>
+            <a:r>
+              <a:rPr lang="da-DK" dirty="0" err="1" smtClean="0"/>
+              <a:t>abstract</a:t>
+            </a:r>
+            <a:r>
+              <a:rPr lang="da-DK" dirty="0" smtClean="0"/>
+              <a:t> </a:t>
+            </a:r>
+            <a:r>
+              <a:rPr lang="da-DK" dirty="0" err="1" smtClean="0"/>
+              <a:t>classes</a:t>
+            </a:r>
+            <a:r>
+              <a:rPr lang="da-DK" dirty="0" smtClean="0"/>
+              <a:t> </a:t>
+            </a:r>
+            <a:r>
+              <a:rPr lang="da-DK" dirty="0" err="1" smtClean="0"/>
+              <a:t>because</a:t>
+            </a:r>
+            <a:r>
+              <a:rPr lang="da-DK" dirty="0" smtClean="0"/>
+              <a:t> C# </a:t>
+            </a:r>
+            <a:r>
+              <a:rPr lang="da-DK" dirty="0" err="1" smtClean="0"/>
+              <a:t>doesn’t</a:t>
+            </a:r>
+            <a:r>
+              <a:rPr lang="da-DK" dirty="0" smtClean="0"/>
+              <a:t> </a:t>
+            </a:r>
+            <a:r>
+              <a:rPr lang="da-DK" dirty="0" err="1" smtClean="0"/>
+              <a:t>allow</a:t>
+            </a:r>
+            <a:r>
+              <a:rPr lang="da-DK" dirty="0" smtClean="0"/>
+              <a:t> </a:t>
+            </a:r>
+            <a:r>
+              <a:rPr lang="da-DK" dirty="0" err="1" smtClean="0"/>
+              <a:t>inheritance</a:t>
+            </a:r>
+            <a:r>
+              <a:rPr lang="da-DK" dirty="0" smtClean="0"/>
+              <a:t> from multiple </a:t>
+            </a:r>
+            <a:r>
+              <a:rPr lang="da-DK" smtClean="0"/>
+              <a:t>classes</a:t>
+            </a:r>
+            <a:endParaRPr lang="da-DK" dirty="0"/>
           </a:p>
         </p:txBody>
       </p:sp>

--- a/OOPExam/01 Class, Abstract Class and Interfaces.pptx
+++ b/OOPExam/01 Class, Abstract Class and Interfaces.pptx
@@ -202,7 +202,7 @@
             <a:fld id="{D69E125A-D55E-45C6-9A62-FE6830745A2A}" type="datetimeFigureOut">
               <a:rPr lang="en-US" smtClean="0"/>
               <a:pPr/>
-              <a:t>1/16/2010</a:t>
+              <a:t>1/17/2010</a:t>
             </a:fld>
             <a:endParaRPr lang="en-US"/>
           </a:p>
@@ -714,938 +714,82 @@
           <a:lstStyle/>
           <a:p>
             <a:r>
-              <a:rPr lang="da-DK" dirty="0" smtClean="0"/>
-              <a:t>It </a:t>
-            </a:r>
-            <a:r>
-              <a:rPr lang="da-DK" dirty="0" err="1" smtClean="0"/>
-              <a:t>represents</a:t>
-            </a:r>
-            <a:r>
-              <a:rPr lang="da-DK" baseline="0" dirty="0" smtClean="0"/>
-              <a:t> a </a:t>
-            </a:r>
-            <a:r>
-              <a:rPr lang="da-DK" baseline="0" dirty="0" err="1" smtClean="0"/>
-              <a:t>concept</a:t>
-            </a:r>
-            <a:r>
-              <a:rPr lang="da-DK" baseline="0" dirty="0" smtClean="0"/>
-              <a:t> upon </a:t>
-            </a:r>
-            <a:r>
-              <a:rPr lang="da-DK" baseline="0" dirty="0" err="1" smtClean="0"/>
-              <a:t>which</a:t>
-            </a:r>
-            <a:r>
-              <a:rPr lang="da-DK" baseline="0" dirty="0" smtClean="0"/>
-              <a:t> </a:t>
-            </a:r>
-            <a:r>
-              <a:rPr lang="da-DK" baseline="0" dirty="0" err="1" smtClean="0"/>
-              <a:t>other</a:t>
-            </a:r>
-            <a:r>
-              <a:rPr lang="da-DK" baseline="0" dirty="0" smtClean="0"/>
-              <a:t> </a:t>
-            </a:r>
-            <a:r>
-              <a:rPr lang="da-DK" baseline="0" dirty="0" err="1" smtClean="0"/>
-              <a:t>classes</a:t>
-            </a:r>
-            <a:r>
-              <a:rPr lang="da-DK" baseline="0" dirty="0" smtClean="0"/>
-              <a:t> </a:t>
-            </a:r>
-            <a:r>
-              <a:rPr lang="da-DK" baseline="0" dirty="0" err="1" smtClean="0"/>
-              <a:t>can</a:t>
-            </a:r>
-            <a:r>
-              <a:rPr lang="da-DK" baseline="0" dirty="0" smtClean="0"/>
-              <a:t> </a:t>
-            </a:r>
-            <a:r>
-              <a:rPr lang="da-DK" baseline="0" dirty="0" err="1" smtClean="0"/>
-              <a:t>build</a:t>
-            </a:r>
-            <a:r>
-              <a:rPr lang="da-DK" baseline="0" dirty="0" smtClean="0"/>
-              <a:t> </a:t>
-            </a:r>
-            <a:r>
-              <a:rPr lang="da-DK" baseline="0" dirty="0" err="1" smtClean="0"/>
-              <a:t>their</a:t>
-            </a:r>
-            <a:r>
-              <a:rPr lang="da-DK" baseline="0" dirty="0" smtClean="0"/>
-              <a:t> definitions.</a:t>
-            </a:r>
-            <a:endParaRPr lang="da-DK" dirty="0" smtClean="0"/>
-          </a:p>
-          <a:p>
-            <a:r>
-              <a:rPr lang="da-DK" dirty="0" err="1" smtClean="0"/>
+              <a:rPr lang="en-US" noProof="0" dirty="0" smtClean="0"/>
+              <a:t>It represents</a:t>
+            </a:r>
+            <a:r>
+              <a:rPr lang="en-US" baseline="0" noProof="0" dirty="0" smtClean="0"/>
+              <a:t> a concept upon which other classes can build their definitions.</a:t>
+            </a:r>
+            <a:endParaRPr lang="en-US" noProof="0" dirty="0" smtClean="0"/>
+          </a:p>
+          <a:p>
+            <a:r>
+              <a:rPr lang="en-US" noProof="0" dirty="0" err="1" smtClean="0"/>
               <a:t>Abstact</a:t>
             </a:r>
             <a:r>
-              <a:rPr lang="da-DK" dirty="0" smtClean="0"/>
-              <a:t> </a:t>
-            </a:r>
-            <a:r>
-              <a:rPr lang="da-DK" dirty="0" err="1" smtClean="0"/>
-              <a:t>methods</a:t>
-            </a:r>
-            <a:r>
-              <a:rPr lang="da-DK" dirty="0" smtClean="0"/>
-              <a:t> </a:t>
-            </a:r>
-            <a:r>
-              <a:rPr lang="da-DK" dirty="0" err="1" smtClean="0"/>
-              <a:t>are</a:t>
-            </a:r>
-            <a:r>
-              <a:rPr lang="da-DK" baseline="0" dirty="0" smtClean="0"/>
-              <a:t> </a:t>
-            </a:r>
-            <a:r>
-              <a:rPr lang="da-DK" baseline="0" dirty="0" err="1" smtClean="0"/>
-              <a:t>also</a:t>
-            </a:r>
-            <a:r>
-              <a:rPr lang="da-DK" baseline="0" dirty="0" smtClean="0"/>
-              <a:t> </a:t>
-            </a:r>
-            <a:r>
-              <a:rPr lang="da-DK" baseline="0" dirty="0" err="1" smtClean="0"/>
-              <a:t>used</a:t>
-            </a:r>
-            <a:r>
-              <a:rPr lang="da-DK" baseline="0" dirty="0" smtClean="0"/>
-              <a:t> to </a:t>
-            </a:r>
-            <a:r>
-              <a:rPr lang="da-DK" baseline="0" dirty="0" err="1" smtClean="0"/>
-              <a:t>define</a:t>
-            </a:r>
-            <a:r>
-              <a:rPr lang="da-DK" baseline="0" dirty="0" smtClean="0"/>
-              <a:t> C# interface. </a:t>
-            </a:r>
-            <a:r>
-              <a:rPr lang="da-DK" baseline="0" dirty="0" err="1" smtClean="0"/>
-              <a:t>Unlike</a:t>
-            </a:r>
-            <a:r>
-              <a:rPr lang="da-DK" baseline="0" dirty="0" smtClean="0"/>
-              <a:t> interfaces an </a:t>
-            </a:r>
-            <a:r>
-              <a:rPr lang="da-DK" baseline="0" dirty="0" err="1" smtClean="0"/>
-              <a:t>abstract</a:t>
-            </a:r>
-            <a:r>
-              <a:rPr lang="da-DK" baseline="0" dirty="0" smtClean="0"/>
-              <a:t> </a:t>
-            </a:r>
-            <a:r>
-              <a:rPr lang="da-DK" baseline="0" dirty="0" err="1" smtClean="0"/>
-              <a:t>class</a:t>
-            </a:r>
-            <a:r>
-              <a:rPr lang="da-DK" baseline="0" dirty="0" smtClean="0"/>
-              <a:t> </a:t>
-            </a:r>
-            <a:r>
-              <a:rPr lang="da-DK" baseline="0" dirty="0" err="1" smtClean="0"/>
-              <a:t>can</a:t>
-            </a:r>
-            <a:r>
-              <a:rPr lang="da-DK" baseline="0" dirty="0" smtClean="0"/>
-              <a:t> </a:t>
-            </a:r>
-            <a:r>
-              <a:rPr lang="da-DK" baseline="0" dirty="0" err="1" smtClean="0"/>
-              <a:t>contain</a:t>
-            </a:r>
-            <a:r>
-              <a:rPr lang="da-DK" baseline="0" dirty="0" smtClean="0"/>
-              <a:t> </a:t>
-            </a:r>
-            <a:r>
-              <a:rPr lang="da-DK" baseline="0" dirty="0" err="1" smtClean="0"/>
-              <a:t>methods</a:t>
-            </a:r>
-            <a:r>
-              <a:rPr lang="da-DK" baseline="0" dirty="0" smtClean="0"/>
-              <a:t> </a:t>
-            </a:r>
-            <a:r>
-              <a:rPr lang="da-DK" baseline="0" dirty="0" err="1" smtClean="0"/>
-              <a:t>that</a:t>
-            </a:r>
-            <a:r>
-              <a:rPr lang="da-DK" baseline="0" dirty="0" smtClean="0"/>
-              <a:t> </a:t>
-            </a:r>
-            <a:r>
-              <a:rPr lang="da-DK" baseline="0" dirty="0" err="1" smtClean="0"/>
-              <a:t>are</a:t>
-            </a:r>
-            <a:r>
-              <a:rPr lang="da-DK" baseline="0" dirty="0" smtClean="0"/>
-              <a:t> not </a:t>
-            </a:r>
-            <a:r>
-              <a:rPr lang="da-DK" baseline="0" dirty="0" err="1" smtClean="0"/>
-              <a:t>abstract</a:t>
-            </a:r>
-            <a:r>
-              <a:rPr lang="da-DK" baseline="0" dirty="0" smtClean="0"/>
-              <a:t> it </a:t>
-            </a:r>
-            <a:r>
-              <a:rPr lang="da-DK" baseline="0" dirty="0" err="1" smtClean="0"/>
-              <a:t>also</a:t>
-            </a:r>
-            <a:r>
-              <a:rPr lang="da-DK" baseline="0" dirty="0" smtClean="0"/>
-              <a:t> </a:t>
-            </a:r>
-            <a:r>
-              <a:rPr lang="da-DK" baseline="0" dirty="0" err="1" smtClean="0"/>
-              <a:t>can</a:t>
-            </a:r>
-            <a:r>
-              <a:rPr lang="da-DK" baseline="0" dirty="0" smtClean="0"/>
-              <a:t> </a:t>
-            </a:r>
-            <a:r>
-              <a:rPr lang="da-DK" baseline="0" dirty="0" err="1" smtClean="0"/>
-              <a:t>contain</a:t>
-            </a:r>
-            <a:r>
-              <a:rPr lang="da-DK" baseline="0" dirty="0" smtClean="0"/>
-              <a:t> data </a:t>
-            </a:r>
-            <a:r>
-              <a:rPr lang="da-DK" baseline="0" dirty="0" err="1" smtClean="0"/>
-              <a:t>declarations</a:t>
-            </a:r>
-            <a:r>
-              <a:rPr lang="da-DK" baseline="0" dirty="0" smtClean="0"/>
-              <a:t> </a:t>
-            </a:r>
-            <a:r>
-              <a:rPr lang="da-DK" baseline="0" dirty="0" err="1" smtClean="0"/>
-              <a:t>other</a:t>
-            </a:r>
-            <a:r>
-              <a:rPr lang="da-DK" baseline="0" dirty="0" smtClean="0"/>
-              <a:t> </a:t>
-            </a:r>
-            <a:r>
-              <a:rPr lang="da-DK" baseline="0" dirty="0" err="1" smtClean="0"/>
-              <a:t>than</a:t>
-            </a:r>
-            <a:r>
-              <a:rPr lang="da-DK" baseline="0" dirty="0" smtClean="0"/>
-              <a:t> </a:t>
-            </a:r>
-            <a:r>
-              <a:rPr lang="da-DK" baseline="0" dirty="0" err="1" smtClean="0"/>
-              <a:t>constants</a:t>
-            </a:r>
-            <a:r>
-              <a:rPr lang="da-DK" baseline="0" dirty="0" smtClean="0"/>
-              <a:t>.</a:t>
-            </a:r>
-          </a:p>
-          <a:p>
-            <a:r>
-              <a:rPr lang="da-DK" baseline="0" dirty="0" err="1" smtClean="0"/>
-              <a:t>Any</a:t>
-            </a:r>
-            <a:r>
-              <a:rPr lang="da-DK" baseline="0" dirty="0" smtClean="0"/>
-              <a:t> </a:t>
-            </a:r>
-            <a:r>
-              <a:rPr lang="da-DK" baseline="0" dirty="0" err="1" smtClean="0"/>
-              <a:t>class</a:t>
-            </a:r>
-            <a:r>
-              <a:rPr lang="da-DK" baseline="0" dirty="0" smtClean="0"/>
-              <a:t> </a:t>
-            </a:r>
-            <a:r>
-              <a:rPr lang="da-DK" baseline="0" dirty="0" err="1" smtClean="0"/>
-              <a:t>that</a:t>
-            </a:r>
-            <a:r>
-              <a:rPr lang="da-DK" baseline="0" dirty="0" smtClean="0"/>
-              <a:t> </a:t>
-            </a:r>
-            <a:r>
-              <a:rPr lang="da-DK" baseline="0" dirty="0" err="1" smtClean="0"/>
-              <a:t>contains</a:t>
-            </a:r>
-            <a:r>
-              <a:rPr lang="da-DK" baseline="0" dirty="0" smtClean="0"/>
-              <a:t> </a:t>
-            </a:r>
-            <a:r>
-              <a:rPr lang="da-DK" baseline="0" dirty="0" err="1" smtClean="0"/>
-              <a:t>abstract</a:t>
-            </a:r>
-            <a:r>
-              <a:rPr lang="da-DK" baseline="0" dirty="0" smtClean="0"/>
-              <a:t> </a:t>
-            </a:r>
-            <a:r>
-              <a:rPr lang="da-DK" baseline="0" dirty="0" err="1" smtClean="0"/>
-              <a:t>methods</a:t>
-            </a:r>
-            <a:r>
-              <a:rPr lang="da-DK" baseline="0" dirty="0" smtClean="0"/>
-              <a:t> (</a:t>
-            </a:r>
-            <a:r>
-              <a:rPr lang="da-DK" baseline="0" dirty="0" err="1" smtClean="0"/>
-              <a:t>unlike</a:t>
-            </a:r>
-            <a:r>
-              <a:rPr lang="da-DK" baseline="0" dirty="0" smtClean="0"/>
-              <a:t> interfaces) must </a:t>
-            </a:r>
-            <a:r>
-              <a:rPr lang="da-DK" baseline="0" dirty="0" err="1" smtClean="0"/>
-              <a:t>be</a:t>
-            </a:r>
-            <a:r>
-              <a:rPr lang="da-DK" baseline="0" dirty="0" smtClean="0"/>
-              <a:t> </a:t>
-            </a:r>
-            <a:r>
-              <a:rPr lang="da-DK" baseline="0" dirty="0" err="1" smtClean="0"/>
-              <a:t>declared</a:t>
-            </a:r>
-            <a:r>
-              <a:rPr lang="da-DK" baseline="0" dirty="0" smtClean="0"/>
-              <a:t> as </a:t>
-            </a:r>
-            <a:r>
-              <a:rPr lang="da-DK" baseline="0" dirty="0" err="1" smtClean="0"/>
-              <a:t>abstract</a:t>
-            </a:r>
-            <a:r>
-              <a:rPr lang="da-DK" baseline="0" dirty="0" smtClean="0"/>
-              <a:t>.</a:t>
-            </a:r>
-          </a:p>
-          <a:p>
-            <a:r>
-              <a:rPr lang="da-DK" baseline="0" dirty="0" smtClean="0"/>
-              <a:t>May </a:t>
-            </a:r>
-            <a:r>
-              <a:rPr lang="da-DK" baseline="0" dirty="0" err="1" smtClean="0"/>
-              <a:t>contain</a:t>
-            </a:r>
-            <a:r>
-              <a:rPr lang="da-DK" baseline="0" dirty="0" smtClean="0"/>
-              <a:t> a </a:t>
-            </a:r>
-            <a:r>
-              <a:rPr lang="da-DK" baseline="0" dirty="0" err="1" smtClean="0"/>
-              <a:t>partial</a:t>
-            </a:r>
-            <a:r>
-              <a:rPr lang="da-DK" baseline="0" dirty="0" smtClean="0"/>
-              <a:t> </a:t>
-            </a:r>
-            <a:r>
-              <a:rPr lang="da-DK" baseline="0" dirty="0" err="1" smtClean="0"/>
-              <a:t>description</a:t>
-            </a:r>
-            <a:r>
-              <a:rPr lang="da-DK" baseline="0" dirty="0" smtClean="0"/>
-              <a:t> </a:t>
-            </a:r>
-            <a:r>
-              <a:rPr lang="da-DK" baseline="0" dirty="0" err="1" smtClean="0"/>
-              <a:t>that</a:t>
-            </a:r>
-            <a:r>
-              <a:rPr lang="da-DK" baseline="0" dirty="0" smtClean="0"/>
-              <a:t> is </a:t>
-            </a:r>
-            <a:r>
-              <a:rPr lang="da-DK" baseline="0" dirty="0" err="1" smtClean="0"/>
-              <a:t>inherited</a:t>
-            </a:r>
-            <a:r>
-              <a:rPr lang="da-DK" baseline="0" dirty="0" smtClean="0"/>
-              <a:t> by all </a:t>
-            </a:r>
-            <a:r>
-              <a:rPr lang="da-DK" baseline="0" dirty="0" err="1" smtClean="0"/>
-              <a:t>its</a:t>
-            </a:r>
-            <a:r>
-              <a:rPr lang="da-DK" baseline="0" dirty="0" smtClean="0"/>
-              <a:t> </a:t>
-            </a:r>
-            <a:r>
-              <a:rPr lang="da-DK" baseline="0" dirty="0" err="1" smtClean="0"/>
-              <a:t>descendants</a:t>
-            </a:r>
-            <a:r>
-              <a:rPr lang="da-DK" baseline="0" dirty="0" smtClean="0"/>
-              <a:t>.</a:t>
-            </a:r>
-          </a:p>
-          <a:p>
-            <a:r>
-              <a:rPr lang="da-DK" baseline="0" dirty="0" smtClean="0"/>
-              <a:t>The </a:t>
-            </a:r>
-            <a:r>
-              <a:rPr lang="da-DK" baseline="0" dirty="0" err="1" smtClean="0"/>
-              <a:t>children</a:t>
-            </a:r>
-            <a:r>
-              <a:rPr lang="da-DK" baseline="0" dirty="0" smtClean="0"/>
-              <a:t> must </a:t>
-            </a:r>
-            <a:r>
-              <a:rPr lang="da-DK" baseline="0" dirty="0" err="1" smtClean="0"/>
-              <a:t>override</a:t>
-            </a:r>
-            <a:r>
-              <a:rPr lang="da-DK" baseline="0" dirty="0" smtClean="0"/>
-              <a:t> all the </a:t>
-            </a:r>
-            <a:r>
-              <a:rPr lang="da-DK" baseline="0" dirty="0" err="1" smtClean="0"/>
-              <a:t>parents</a:t>
-            </a:r>
-            <a:r>
-              <a:rPr lang="da-DK" baseline="0" dirty="0" smtClean="0"/>
-              <a:t> </a:t>
-            </a:r>
-            <a:r>
-              <a:rPr lang="da-DK" baseline="0" dirty="0" err="1" smtClean="0"/>
-              <a:t>abstract</a:t>
-            </a:r>
-            <a:r>
-              <a:rPr lang="da-DK" baseline="0" dirty="0" smtClean="0"/>
-              <a:t> </a:t>
-            </a:r>
-            <a:r>
-              <a:rPr lang="da-DK" baseline="0" dirty="0" err="1" smtClean="0"/>
-              <a:t>methods</a:t>
-            </a:r>
-            <a:r>
-              <a:rPr lang="da-DK" baseline="0" dirty="0" smtClean="0"/>
-              <a:t> </a:t>
-            </a:r>
-            <a:r>
-              <a:rPr lang="da-DK" baseline="0" dirty="0" err="1" smtClean="0"/>
-              <a:t>or</a:t>
-            </a:r>
-            <a:r>
-              <a:rPr lang="da-DK" baseline="0" dirty="0" smtClean="0"/>
-              <a:t> the </a:t>
-            </a:r>
-            <a:r>
-              <a:rPr lang="da-DK" baseline="0" dirty="0" err="1" smtClean="0"/>
-              <a:t>derived</a:t>
-            </a:r>
-            <a:r>
-              <a:rPr lang="da-DK" baseline="0" dirty="0" smtClean="0"/>
-              <a:t> </a:t>
-            </a:r>
-            <a:r>
-              <a:rPr lang="da-DK" baseline="0" dirty="0" err="1" smtClean="0"/>
-              <a:t>class</a:t>
-            </a:r>
-            <a:r>
-              <a:rPr lang="da-DK" baseline="0" dirty="0" smtClean="0"/>
-              <a:t> </a:t>
-            </a:r>
-            <a:r>
-              <a:rPr lang="da-DK" baseline="0" dirty="0" err="1" smtClean="0"/>
-              <a:t>will</a:t>
-            </a:r>
-            <a:r>
-              <a:rPr lang="da-DK" baseline="0" dirty="0" smtClean="0"/>
-              <a:t> </a:t>
-            </a:r>
-            <a:r>
-              <a:rPr lang="da-DK" baseline="0" dirty="0" err="1" smtClean="0"/>
-              <a:t>also</a:t>
-            </a:r>
-            <a:r>
-              <a:rPr lang="da-DK" baseline="0" dirty="0" smtClean="0"/>
-              <a:t> </a:t>
-            </a:r>
-            <a:r>
-              <a:rPr lang="da-DK" baseline="0" dirty="0" err="1" smtClean="0"/>
-              <a:t>be</a:t>
-            </a:r>
-            <a:r>
-              <a:rPr lang="da-DK" baseline="0" dirty="0" smtClean="0"/>
-              <a:t> </a:t>
-            </a:r>
-            <a:r>
-              <a:rPr lang="da-DK" baseline="0" dirty="0" err="1" smtClean="0"/>
-              <a:t>considered</a:t>
-            </a:r>
-            <a:r>
-              <a:rPr lang="da-DK" baseline="0" dirty="0" smtClean="0"/>
-              <a:t> </a:t>
-            </a:r>
-            <a:r>
-              <a:rPr lang="da-DK" baseline="0" dirty="0" err="1" smtClean="0"/>
-              <a:t>abstract</a:t>
-            </a:r>
-            <a:r>
-              <a:rPr lang="da-DK" baseline="0" dirty="0" smtClean="0"/>
-              <a:t>.</a:t>
-            </a:r>
-          </a:p>
-          <a:p>
-            <a:r>
-              <a:rPr lang="da-DK" baseline="0" dirty="0" err="1" smtClean="0"/>
-              <a:t>There</a:t>
-            </a:r>
-            <a:r>
-              <a:rPr lang="da-DK" baseline="0" dirty="0" smtClean="0"/>
-              <a:t> </a:t>
-            </a:r>
-            <a:r>
-              <a:rPr lang="da-DK" baseline="0" dirty="0" err="1" smtClean="0"/>
-              <a:t>are</a:t>
-            </a:r>
-            <a:r>
-              <a:rPr lang="da-DK" baseline="0" dirty="0" smtClean="0"/>
-              <a:t> </a:t>
-            </a:r>
-            <a:r>
-              <a:rPr lang="da-DK" baseline="0" dirty="0" err="1" smtClean="0"/>
-              <a:t>no</a:t>
-            </a:r>
-            <a:r>
-              <a:rPr lang="da-DK" baseline="0" dirty="0" smtClean="0"/>
-              <a:t> </a:t>
-            </a:r>
-            <a:r>
-              <a:rPr lang="da-DK" baseline="0" dirty="0" err="1" smtClean="0"/>
-              <a:t>restrictions</a:t>
-            </a:r>
-            <a:r>
-              <a:rPr lang="da-DK" baseline="0" dirty="0" smtClean="0"/>
-              <a:t> </a:t>
-            </a:r>
-            <a:r>
-              <a:rPr lang="da-DK" baseline="0" dirty="0" err="1" smtClean="0"/>
-              <a:t>where</a:t>
-            </a:r>
-            <a:r>
-              <a:rPr lang="da-DK" baseline="0" dirty="0" smtClean="0"/>
-              <a:t> a </a:t>
-            </a:r>
-            <a:r>
-              <a:rPr lang="da-DK" baseline="0" dirty="0" err="1" smtClean="0"/>
-              <a:t>abstract</a:t>
-            </a:r>
-            <a:r>
-              <a:rPr lang="da-DK" baseline="0" dirty="0" smtClean="0"/>
-              <a:t> </a:t>
-            </a:r>
-            <a:r>
-              <a:rPr lang="da-DK" baseline="0" dirty="0" err="1" smtClean="0"/>
-              <a:t>class</a:t>
-            </a:r>
-            <a:r>
-              <a:rPr lang="da-DK" baseline="0" dirty="0" smtClean="0"/>
-              <a:t> is </a:t>
-            </a:r>
-            <a:r>
-              <a:rPr lang="da-DK" baseline="0" dirty="0" err="1" smtClean="0"/>
-              <a:t>defined</a:t>
-            </a:r>
-            <a:r>
-              <a:rPr lang="da-DK" baseline="0" dirty="0" smtClean="0"/>
-              <a:t> in the </a:t>
-            </a:r>
-            <a:r>
-              <a:rPr lang="da-DK" baseline="0" dirty="0" err="1" smtClean="0"/>
-              <a:t>class</a:t>
-            </a:r>
-            <a:r>
-              <a:rPr lang="da-DK" baseline="0" dirty="0" smtClean="0"/>
-              <a:t> </a:t>
-            </a:r>
-            <a:r>
-              <a:rPr lang="da-DK" baseline="0" dirty="0" err="1" smtClean="0"/>
-              <a:t>hierarchy</a:t>
-            </a:r>
-            <a:r>
-              <a:rPr lang="da-DK" baseline="0" dirty="0" smtClean="0"/>
-              <a:t> but </a:t>
-            </a:r>
-            <a:r>
-              <a:rPr lang="da-DK" baseline="0" dirty="0" err="1" smtClean="0"/>
-              <a:t>usually</a:t>
-            </a:r>
-            <a:r>
-              <a:rPr lang="da-DK" baseline="0" dirty="0" smtClean="0"/>
-              <a:t> </a:t>
-            </a:r>
-            <a:r>
-              <a:rPr lang="da-DK" baseline="0" dirty="0" err="1" smtClean="0"/>
-              <a:t>they</a:t>
-            </a:r>
-            <a:r>
-              <a:rPr lang="da-DK" baseline="0" dirty="0" smtClean="0"/>
-              <a:t> </a:t>
-            </a:r>
-            <a:r>
-              <a:rPr lang="da-DK" baseline="0" dirty="0" err="1" smtClean="0"/>
-              <a:t>are</a:t>
-            </a:r>
-            <a:r>
-              <a:rPr lang="da-DK" baseline="0" dirty="0" smtClean="0"/>
-              <a:t> </a:t>
-            </a:r>
-            <a:r>
-              <a:rPr lang="da-DK" baseline="0" dirty="0" err="1" smtClean="0"/>
+              <a:rPr lang="en-US" noProof="0" dirty="0" smtClean="0"/>
+              <a:t> methods are</a:t>
+            </a:r>
+            <a:r>
+              <a:rPr lang="en-US" baseline="0" noProof="0" dirty="0" smtClean="0"/>
+              <a:t> also used to define C# interface. Unlike interfaces an abstract class can contain methods that are not abstract it also can contain data declarations other than constants.</a:t>
+            </a:r>
+          </a:p>
+          <a:p>
+            <a:r>
+              <a:rPr lang="en-US" baseline="0" noProof="0" dirty="0" smtClean="0"/>
+              <a:t>Any class that contains abstract methods (unlike interfaces) must be declared as abstract.</a:t>
+            </a:r>
+          </a:p>
+          <a:p>
+            <a:r>
+              <a:rPr lang="en-US" baseline="0" noProof="0" dirty="0" smtClean="0"/>
+              <a:t>May contain a partial description that is inherited by all its descendants.</a:t>
+            </a:r>
+          </a:p>
+          <a:p>
+            <a:r>
+              <a:rPr lang="en-US" baseline="0" noProof="0" dirty="0" smtClean="0"/>
+              <a:t>The children must override all the parents abstract methods or the derived class will also be considered abstract.</a:t>
+            </a:r>
+          </a:p>
+          <a:p>
+            <a:r>
+              <a:rPr lang="en-US" baseline="0" noProof="0" dirty="0" smtClean="0"/>
+              <a:t>There are no restrictions where a abstract class is defined in the class hierarchy but usually they are </a:t>
+            </a:r>
+            <a:r>
+              <a:rPr lang="en-US" baseline="0" noProof="0" dirty="0" err="1" smtClean="0"/>
               <a:t>locatede</a:t>
             </a:r>
             <a:r>
-              <a:rPr lang="da-DK" baseline="0" dirty="0" smtClean="0"/>
-              <a:t> at the upper </a:t>
-            </a:r>
-            <a:r>
-              <a:rPr lang="da-DK" baseline="0" dirty="0" err="1" smtClean="0"/>
-              <a:t>levels</a:t>
-            </a:r>
-            <a:r>
-              <a:rPr lang="da-DK" baseline="0" dirty="0" smtClean="0"/>
-              <a:t>.</a:t>
-            </a:r>
-          </a:p>
-          <a:p>
-            <a:r>
-              <a:rPr lang="da-DK" baseline="0" dirty="0" smtClean="0"/>
-              <a:t>An </a:t>
-            </a:r>
-            <a:r>
-              <a:rPr lang="da-DK" baseline="0" dirty="0" err="1" smtClean="0"/>
-              <a:t>abstract</a:t>
-            </a:r>
-            <a:r>
-              <a:rPr lang="da-DK" baseline="0" dirty="0" smtClean="0"/>
-              <a:t> </a:t>
-            </a:r>
-            <a:r>
-              <a:rPr lang="da-DK" baseline="0" dirty="0" err="1" smtClean="0"/>
-              <a:t>method</a:t>
-            </a:r>
-            <a:r>
-              <a:rPr lang="da-DK" baseline="0" dirty="0" smtClean="0"/>
-              <a:t> </a:t>
-            </a:r>
-            <a:r>
-              <a:rPr lang="da-DK" baseline="0" dirty="0" err="1" smtClean="0"/>
-              <a:t>shouldn’t</a:t>
-            </a:r>
-            <a:r>
-              <a:rPr lang="da-DK" baseline="0" dirty="0" smtClean="0"/>
-              <a:t> </a:t>
-            </a:r>
-            <a:r>
-              <a:rPr lang="da-DK" baseline="0" dirty="0" err="1" smtClean="0"/>
-              <a:t>be</a:t>
-            </a:r>
-            <a:r>
-              <a:rPr lang="da-DK" baseline="0" dirty="0" smtClean="0"/>
-              <a:t> </a:t>
-            </a:r>
-            <a:r>
-              <a:rPr lang="da-DK" baseline="0" dirty="0" err="1" smtClean="0"/>
-              <a:t>modified</a:t>
-            </a:r>
-            <a:r>
-              <a:rPr lang="da-DK" baseline="0" dirty="0" smtClean="0"/>
-              <a:t> as </a:t>
-            </a:r>
-            <a:r>
-              <a:rPr lang="da-DK" b="1" baseline="0" dirty="0" err="1" smtClean="0"/>
-              <a:t>static</a:t>
-            </a:r>
-            <a:r>
-              <a:rPr lang="da-DK" b="1" baseline="0" dirty="0" smtClean="0"/>
-              <a:t> </a:t>
-            </a:r>
-            <a:r>
-              <a:rPr lang="da-DK" b="0" baseline="0" dirty="0" err="1" smtClean="0"/>
-              <a:t>because</a:t>
-            </a:r>
-            <a:r>
-              <a:rPr lang="da-DK" b="0" baseline="0" dirty="0" smtClean="0"/>
-              <a:t> a </a:t>
-            </a:r>
-            <a:r>
-              <a:rPr lang="da-DK" b="0" baseline="0" dirty="0" err="1" smtClean="0"/>
-              <a:t>static</a:t>
-            </a:r>
-            <a:r>
-              <a:rPr lang="da-DK" b="0" baseline="0" dirty="0" smtClean="0"/>
-              <a:t> </a:t>
-            </a:r>
-            <a:r>
-              <a:rPr lang="da-DK" b="0" baseline="0" dirty="0" err="1" smtClean="0"/>
-              <a:t>method</a:t>
-            </a:r>
-            <a:r>
-              <a:rPr lang="da-DK" b="0" baseline="0" dirty="0" smtClean="0"/>
-              <a:t> </a:t>
-            </a:r>
-            <a:r>
-              <a:rPr lang="da-DK" b="0" baseline="0" dirty="0" err="1" smtClean="0"/>
-              <a:t>can</a:t>
-            </a:r>
-            <a:r>
-              <a:rPr lang="da-DK" b="0" baseline="0" dirty="0" smtClean="0"/>
-              <a:t> </a:t>
-            </a:r>
-            <a:r>
-              <a:rPr lang="da-DK" b="0" baseline="0" dirty="0" err="1" smtClean="0"/>
-              <a:t>be</a:t>
-            </a:r>
-            <a:r>
-              <a:rPr lang="da-DK" b="0" baseline="0" dirty="0" smtClean="0"/>
-              <a:t> </a:t>
-            </a:r>
-            <a:r>
-              <a:rPr lang="da-DK" b="0" baseline="0" dirty="0" err="1" smtClean="0"/>
-              <a:t>invoked</a:t>
-            </a:r>
-            <a:r>
-              <a:rPr lang="da-DK" b="0" baseline="0" dirty="0" smtClean="0"/>
-              <a:t> </a:t>
-            </a:r>
-            <a:r>
-              <a:rPr lang="da-DK" b="0" baseline="0" dirty="0" err="1" smtClean="0"/>
-              <a:t>using</a:t>
-            </a:r>
-            <a:r>
-              <a:rPr lang="da-DK" b="0" baseline="0" dirty="0" smtClean="0"/>
-              <a:t> the </a:t>
-            </a:r>
-            <a:r>
-              <a:rPr lang="da-DK" b="0" baseline="0" dirty="0" err="1" smtClean="0"/>
-              <a:t>class</a:t>
-            </a:r>
-            <a:r>
-              <a:rPr lang="da-DK" b="0" baseline="0" dirty="0" smtClean="0"/>
-              <a:t> </a:t>
-            </a:r>
-            <a:r>
-              <a:rPr lang="da-DK" b="0" baseline="0" dirty="0" err="1" smtClean="0"/>
-              <a:t>name</a:t>
-            </a:r>
-            <a:r>
-              <a:rPr lang="da-DK" b="0" baseline="0" dirty="0" smtClean="0"/>
-              <a:t> </a:t>
-            </a:r>
-            <a:r>
-              <a:rPr lang="da-DK" b="0" baseline="0" dirty="0" err="1" smtClean="0"/>
-              <a:t>without</a:t>
-            </a:r>
-            <a:r>
-              <a:rPr lang="da-DK" b="0" baseline="0" dirty="0" smtClean="0"/>
-              <a:t> </a:t>
-            </a:r>
-            <a:r>
-              <a:rPr lang="da-DK" b="0" baseline="0" dirty="0" err="1" smtClean="0"/>
-              <a:t>declaring</a:t>
-            </a:r>
-            <a:r>
-              <a:rPr lang="da-DK" b="0" baseline="0" dirty="0" smtClean="0"/>
-              <a:t> an </a:t>
-            </a:r>
-            <a:r>
-              <a:rPr lang="da-DK" b="0" baseline="0" dirty="0" err="1" smtClean="0"/>
-              <a:t>object</a:t>
-            </a:r>
-            <a:r>
-              <a:rPr lang="da-DK" b="0" baseline="0" dirty="0" smtClean="0"/>
-              <a:t> of the </a:t>
-            </a:r>
-            <a:r>
-              <a:rPr lang="da-DK" b="0" baseline="0" dirty="0" err="1" smtClean="0"/>
-              <a:t>class</a:t>
-            </a:r>
-            <a:r>
-              <a:rPr lang="da-DK" b="0" baseline="0" dirty="0" smtClean="0"/>
-              <a:t>. </a:t>
-            </a:r>
-            <a:r>
-              <a:rPr lang="da-DK" b="0" baseline="0" dirty="0" err="1" smtClean="0"/>
-              <a:t>This</a:t>
-            </a:r>
-            <a:r>
-              <a:rPr lang="da-DK" b="0" baseline="0" dirty="0" smtClean="0"/>
-              <a:t> is a </a:t>
-            </a:r>
-            <a:r>
-              <a:rPr lang="da-DK" b="0" baseline="0" dirty="0" err="1" smtClean="0"/>
-              <a:t>contradiction</a:t>
-            </a:r>
-            <a:r>
-              <a:rPr lang="da-DK" b="0" baseline="0" dirty="0" smtClean="0"/>
-              <a:t> </a:t>
-            </a:r>
-            <a:r>
-              <a:rPr lang="da-DK" b="0" baseline="0" dirty="0" err="1" smtClean="0"/>
-              <a:t>because</a:t>
-            </a:r>
-            <a:r>
-              <a:rPr lang="da-DK" b="0" baseline="0" dirty="0" smtClean="0"/>
-              <a:t> </a:t>
-            </a:r>
-            <a:r>
-              <a:rPr lang="da-DK" b="0" baseline="0" dirty="0" err="1" smtClean="0"/>
-              <a:t>abstract</a:t>
-            </a:r>
-            <a:r>
-              <a:rPr lang="da-DK" b="0" baseline="0" dirty="0" smtClean="0"/>
-              <a:t> </a:t>
-            </a:r>
-            <a:r>
-              <a:rPr lang="da-DK" b="0" baseline="0" dirty="0" err="1" smtClean="0"/>
-              <a:t>methods</a:t>
-            </a:r>
-            <a:r>
-              <a:rPr lang="da-DK" b="0" baseline="0" dirty="0" smtClean="0"/>
-              <a:t> have </a:t>
-            </a:r>
-            <a:r>
-              <a:rPr lang="da-DK" b="0" baseline="0" dirty="0" err="1" smtClean="0"/>
-              <a:t>no</a:t>
-            </a:r>
-            <a:r>
-              <a:rPr lang="da-DK" b="0" baseline="0" dirty="0" smtClean="0"/>
-              <a:t> </a:t>
-            </a:r>
-            <a:r>
-              <a:rPr lang="da-DK" b="0" baseline="0" dirty="0" err="1" smtClean="0"/>
-              <a:t>implementation</a:t>
-            </a:r>
-            <a:r>
-              <a:rPr lang="da-DK" b="0" baseline="0" dirty="0" smtClean="0"/>
-              <a:t>.</a:t>
-            </a:r>
-            <a:endParaRPr lang="da-DK" baseline="0" dirty="0" smtClean="0"/>
-          </a:p>
-          <a:p>
-            <a:r>
-              <a:rPr lang="da-DK" baseline="0" dirty="0" smtClean="0"/>
-              <a:t>By </a:t>
-            </a:r>
-            <a:r>
-              <a:rPr lang="da-DK" baseline="0" dirty="0" err="1" smtClean="0"/>
-              <a:t>using</a:t>
-            </a:r>
-            <a:r>
-              <a:rPr lang="da-DK" baseline="0" dirty="0" smtClean="0"/>
-              <a:t> </a:t>
-            </a:r>
-            <a:r>
-              <a:rPr lang="da-DK" baseline="0" dirty="0" err="1" smtClean="0"/>
-              <a:t>abstract</a:t>
-            </a:r>
-            <a:r>
-              <a:rPr lang="da-DK" baseline="0" dirty="0" smtClean="0"/>
-              <a:t> </a:t>
-            </a:r>
-            <a:r>
-              <a:rPr lang="da-DK" baseline="0" dirty="0" err="1" smtClean="0"/>
-              <a:t>classes</a:t>
-            </a:r>
-            <a:r>
-              <a:rPr lang="da-DK" baseline="0" dirty="0" smtClean="0"/>
-              <a:t> </a:t>
-            </a:r>
-            <a:r>
-              <a:rPr lang="da-DK" baseline="0" dirty="0" err="1" smtClean="0"/>
-              <a:t>wisely</a:t>
-            </a:r>
-            <a:r>
-              <a:rPr lang="da-DK" baseline="0" dirty="0" smtClean="0"/>
-              <a:t>, </a:t>
-            </a:r>
-            <a:r>
-              <a:rPr lang="da-DK" baseline="0" dirty="0" err="1" smtClean="0"/>
-              <a:t>code</a:t>
-            </a:r>
-            <a:r>
-              <a:rPr lang="da-DK" baseline="0" dirty="0" smtClean="0"/>
-              <a:t> </a:t>
-            </a:r>
-            <a:r>
-              <a:rPr lang="da-DK" baseline="0" dirty="0" err="1" smtClean="0"/>
-              <a:t>can</a:t>
-            </a:r>
-            <a:r>
-              <a:rPr lang="da-DK" baseline="0" dirty="0" smtClean="0"/>
-              <a:t> </a:t>
-            </a:r>
-            <a:r>
-              <a:rPr lang="da-DK" baseline="0" dirty="0" err="1" smtClean="0"/>
-              <a:t>be</a:t>
-            </a:r>
-            <a:r>
-              <a:rPr lang="da-DK" baseline="0" dirty="0" smtClean="0"/>
-              <a:t> </a:t>
-            </a:r>
-            <a:r>
-              <a:rPr lang="da-DK" baseline="0" dirty="0" err="1" smtClean="0"/>
-              <a:t>created</a:t>
-            </a:r>
-            <a:r>
-              <a:rPr lang="da-DK" baseline="0" dirty="0" smtClean="0"/>
-              <a:t> </a:t>
-            </a:r>
-            <a:r>
-              <a:rPr lang="da-DK" baseline="0" dirty="0" err="1" smtClean="0"/>
-              <a:t>flexible</a:t>
-            </a:r>
-            <a:r>
-              <a:rPr lang="da-DK" baseline="0" dirty="0" smtClean="0"/>
-              <a:t> and is </a:t>
-            </a:r>
-            <a:r>
-              <a:rPr lang="da-DK" baseline="0" dirty="0" err="1" smtClean="0"/>
-              <a:t>important</a:t>
-            </a:r>
-            <a:r>
-              <a:rPr lang="da-DK" baseline="0" dirty="0" smtClean="0"/>
-              <a:t> in </a:t>
-            </a:r>
-            <a:r>
-              <a:rPr lang="da-DK" baseline="0" dirty="0" err="1" smtClean="0"/>
-              <a:t>extensible</a:t>
-            </a:r>
-            <a:r>
-              <a:rPr lang="da-DK" baseline="0" dirty="0" smtClean="0"/>
-              <a:t> software designs. </a:t>
-            </a:r>
-            <a:endParaRPr lang="da-DK" dirty="0"/>
+              <a:rPr lang="en-US" baseline="0" noProof="0" dirty="0" smtClean="0"/>
+              <a:t> at the upper levels.</a:t>
+            </a:r>
+          </a:p>
+          <a:p>
+            <a:r>
+              <a:rPr lang="en-US" baseline="0" noProof="0" dirty="0" smtClean="0"/>
+              <a:t>An abstract method shouldn’t be modified as </a:t>
+            </a:r>
+            <a:r>
+              <a:rPr lang="en-US" b="1" baseline="0" noProof="0" dirty="0" smtClean="0"/>
+              <a:t>static </a:t>
+            </a:r>
+            <a:r>
+              <a:rPr lang="en-US" b="0" baseline="0" noProof="0" dirty="0" smtClean="0"/>
+              <a:t>because a static method can be invoked using the class name without declaring an object of the class. This is a contradiction because abstract methods have no implementation.</a:t>
+            </a:r>
+            <a:endParaRPr lang="en-US" baseline="0" noProof="0" dirty="0" smtClean="0"/>
+          </a:p>
+          <a:p>
+            <a:r>
+              <a:rPr lang="en-US" baseline="0" noProof="0" dirty="0" smtClean="0"/>
+              <a:t>By using abstract classes wisely, code can be created flexible and is important in extensible software designs. </a:t>
+            </a:r>
+            <a:endParaRPr lang="en-US" noProof="0" dirty="0"/>
           </a:p>
         </p:txBody>
       </p:sp>
@@ -1863,7 +1007,7 @@
             <a:fld id="{3E57D7DC-7299-43C9-BAE2-F335855B8707}" type="datetimeFigureOut">
               <a:rPr lang="en-US" smtClean="0"/>
               <a:pPr/>
-              <a:t>1/16/2010</a:t>
+              <a:t>1/17/2010</a:t>
             </a:fld>
             <a:endParaRPr lang="da-DK"/>
           </a:p>
@@ -2030,7 +1174,7 @@
             <a:fld id="{3E57D7DC-7299-43C9-BAE2-F335855B8707}" type="datetimeFigureOut">
               <a:rPr lang="en-US" smtClean="0"/>
               <a:pPr/>
-              <a:t>1/16/2010</a:t>
+              <a:t>1/17/2010</a:t>
             </a:fld>
             <a:endParaRPr lang="da-DK"/>
           </a:p>
@@ -2207,7 +1351,7 @@
             <a:fld id="{3E57D7DC-7299-43C9-BAE2-F335855B8707}" type="datetimeFigureOut">
               <a:rPr lang="en-US" smtClean="0"/>
               <a:pPr/>
-              <a:t>1/16/2010</a:t>
+              <a:t>1/17/2010</a:t>
             </a:fld>
             <a:endParaRPr lang="da-DK"/>
           </a:p>
@@ -2374,7 +1518,7 @@
             <a:fld id="{3E57D7DC-7299-43C9-BAE2-F335855B8707}" type="datetimeFigureOut">
               <a:rPr lang="en-US" smtClean="0"/>
               <a:pPr/>
-              <a:t>1/16/2010</a:t>
+              <a:t>1/17/2010</a:t>
             </a:fld>
             <a:endParaRPr lang="da-DK"/>
           </a:p>
@@ -2617,7 +1761,7 @@
             <a:fld id="{3E57D7DC-7299-43C9-BAE2-F335855B8707}" type="datetimeFigureOut">
               <a:rPr lang="en-US" smtClean="0"/>
               <a:pPr/>
-              <a:t>1/16/2010</a:t>
+              <a:t>1/17/2010</a:t>
             </a:fld>
             <a:endParaRPr lang="da-DK"/>
           </a:p>
@@ -2902,7 +2046,7 @@
             <a:fld id="{3E57D7DC-7299-43C9-BAE2-F335855B8707}" type="datetimeFigureOut">
               <a:rPr lang="en-US" smtClean="0"/>
               <a:pPr/>
-              <a:t>1/16/2010</a:t>
+              <a:t>1/17/2010</a:t>
             </a:fld>
             <a:endParaRPr lang="da-DK"/>
           </a:p>
@@ -3321,7 +2465,7 @@
             <a:fld id="{3E57D7DC-7299-43C9-BAE2-F335855B8707}" type="datetimeFigureOut">
               <a:rPr lang="en-US" smtClean="0"/>
               <a:pPr/>
-              <a:t>1/16/2010</a:t>
+              <a:t>1/17/2010</a:t>
             </a:fld>
             <a:endParaRPr lang="da-DK"/>
           </a:p>
@@ -3436,7 +2580,7 @@
             <a:fld id="{3E57D7DC-7299-43C9-BAE2-F335855B8707}" type="datetimeFigureOut">
               <a:rPr lang="en-US" smtClean="0"/>
               <a:pPr/>
-              <a:t>1/16/2010</a:t>
+              <a:t>1/17/2010</a:t>
             </a:fld>
             <a:endParaRPr lang="da-DK"/>
           </a:p>
@@ -3528,7 +2672,7 @@
             <a:fld id="{3E57D7DC-7299-43C9-BAE2-F335855B8707}" type="datetimeFigureOut">
               <a:rPr lang="en-US" smtClean="0"/>
               <a:pPr/>
-              <a:t>1/16/2010</a:t>
+              <a:t>1/17/2010</a:t>
             </a:fld>
             <a:endParaRPr lang="da-DK"/>
           </a:p>
@@ -3802,7 +2946,7 @@
             <a:fld id="{3E57D7DC-7299-43C9-BAE2-F335855B8707}" type="datetimeFigureOut">
               <a:rPr lang="en-US" smtClean="0"/>
               <a:pPr/>
-              <a:t>1/16/2010</a:t>
+              <a:t>1/17/2010</a:t>
             </a:fld>
             <a:endParaRPr lang="da-DK"/>
           </a:p>
@@ -4052,7 +3196,7 @@
             <a:fld id="{3E57D7DC-7299-43C9-BAE2-F335855B8707}" type="datetimeFigureOut">
               <a:rPr lang="en-US" smtClean="0"/>
               <a:pPr/>
-              <a:t>1/16/2010</a:t>
+              <a:t>1/17/2010</a:t>
             </a:fld>
             <a:endParaRPr lang="da-DK"/>
           </a:p>
@@ -4262,7 +3406,7 @@
             <a:fld id="{3E57D7DC-7299-43C9-BAE2-F335855B8707}" type="datetimeFigureOut">
               <a:rPr lang="en-US" smtClean="0"/>
               <a:pPr/>
-              <a:t>1/16/2010</a:t>
+              <a:t>1/17/2010</a:t>
             </a:fld>
             <a:endParaRPr lang="da-DK"/>
           </a:p>
@@ -5579,7 +4723,6 @@
               <a:rPr lang="da-DK" dirty="0" smtClean="0"/>
               <a:t>{</a:t>
             </a:r>
-            <a:endParaRPr lang="da-DK" dirty="0" smtClean="0"/>
           </a:p>
           <a:p>
             <a:pPr>
@@ -5663,11 +4806,7 @@
             </a:pPr>
             <a:r>
               <a:rPr lang="en-US" dirty="0" smtClean="0"/>
-              <a:t>	protected </a:t>
-            </a:r>
-            <a:r>
-              <a:rPr lang="en-US" dirty="0" smtClean="0"/>
-              <a:t>Control(</a:t>
+              <a:t>	protected Control(</a:t>
             </a:r>
             <a:r>
               <a:rPr lang="en-US" dirty="0" err="1" smtClean="0"/>
@@ -5694,7 +4833,6 @@
               <a:rPr lang="da-DK" dirty="0" smtClean="0"/>
               <a:t>	{</a:t>
             </a:r>
-            <a:endParaRPr lang="da-DK" dirty="0" smtClean="0"/>
           </a:p>
           <a:p>
             <a:pPr>
@@ -5710,91 +4848,74 @@
             </a:r>
             <a:r>
               <a:rPr lang="da-DK" dirty="0" smtClean="0"/>
+              <a:t> = top;</a:t>
+            </a:r>
+          </a:p>
+          <a:p>
+            <a:pPr>
+              <a:buNone/>
+            </a:pPr>
+            <a:r>
+              <a:rPr lang="da-DK" dirty="0" smtClean="0"/>
+              <a:t>		</a:t>
+            </a:r>
+            <a:r>
+              <a:rPr lang="da-DK" dirty="0" err="1" smtClean="0"/>
+              <a:t>this.left</a:t>
+            </a:r>
+            <a:r>
+              <a:rPr lang="da-DK" dirty="0" smtClean="0"/>
+              <a:t> = </a:t>
+            </a:r>
+            <a:r>
+              <a:rPr lang="da-DK" dirty="0" err="1" smtClean="0"/>
+              <a:t>left</a:t>
+            </a:r>
+            <a:r>
+              <a:rPr lang="da-DK" dirty="0" smtClean="0"/>
+              <a:t>;</a:t>
+            </a:r>
+          </a:p>
+          <a:p>
+            <a:pPr>
+              <a:buNone/>
+            </a:pPr>
+            <a:r>
+              <a:rPr lang="da-DK" dirty="0" smtClean="0"/>
+              <a:t>	}</a:t>
+            </a:r>
+          </a:p>
+          <a:p>
+            <a:pPr>
+              <a:buNone/>
+            </a:pPr>
+            <a:r>
+              <a:rPr lang="da-DK" dirty="0" smtClean="0"/>
+              <a:t>		</a:t>
+            </a:r>
+            <a:r>
+              <a:rPr lang="da-DK" dirty="0" err="1" smtClean="0"/>
+              <a:t>abstract</a:t>
+            </a:r>
+            <a:r>
+              <a:rPr lang="da-DK" dirty="0" smtClean="0"/>
+              <a:t> public </a:t>
+            </a:r>
+            <a:r>
+              <a:rPr lang="da-DK" dirty="0" err="1" smtClean="0"/>
+              <a:t>void</a:t>
+            </a:r>
+            <a:r>
+              <a:rPr lang="da-DK" dirty="0" smtClean="0"/>
               <a:t> </a:t>
             </a:r>
             <a:r>
-              <a:rPr lang="da-DK" dirty="0" smtClean="0"/>
-              <a:t>= top;</a:t>
-            </a:r>
-          </a:p>
-          <a:p>
-            <a:pPr>
-              <a:buNone/>
-            </a:pPr>
-            <a:r>
-              <a:rPr lang="da-DK" dirty="0" smtClean="0"/>
-              <a:t>		</a:t>
-            </a:r>
-            <a:r>
-              <a:rPr lang="da-DK" dirty="0" err="1" smtClean="0"/>
-              <a:t>this.left</a:t>
-            </a:r>
-            <a:r>
-              <a:rPr lang="da-DK" dirty="0" smtClean="0"/>
-              <a:t> </a:t>
-            </a:r>
-            <a:r>
-              <a:rPr lang="da-DK" dirty="0" smtClean="0"/>
-              <a:t>= </a:t>
-            </a:r>
-            <a:r>
-              <a:rPr lang="da-DK" dirty="0" err="1" smtClean="0"/>
-              <a:t>left</a:t>
-            </a:r>
-            <a:r>
-              <a:rPr lang="da-DK" dirty="0" smtClean="0"/>
-              <a:t>;</a:t>
-            </a:r>
-          </a:p>
-          <a:p>
-            <a:pPr>
-              <a:buNone/>
-            </a:pPr>
-            <a:r>
-              <a:rPr lang="da-DK" dirty="0" smtClean="0"/>
-              <a:t>	}</a:t>
-            </a:r>
-            <a:endParaRPr lang="da-DK" dirty="0" smtClean="0"/>
-          </a:p>
-          <a:p>
-            <a:pPr>
-              <a:buNone/>
-            </a:pPr>
-            <a:r>
-              <a:rPr lang="da-DK" dirty="0" smtClean="0"/>
-              <a:t>		</a:t>
-            </a:r>
-            <a:r>
-              <a:rPr lang="da-DK" dirty="0" err="1" smtClean="0"/>
-              <a:t>abstract</a:t>
-            </a:r>
-            <a:r>
-              <a:rPr lang="da-DK" dirty="0" smtClean="0"/>
-              <a:t> </a:t>
-            </a:r>
-            <a:r>
-              <a:rPr lang="da-DK" dirty="0" smtClean="0"/>
-              <a:t>public </a:t>
-            </a:r>
-            <a:r>
-              <a:rPr lang="da-DK" dirty="0" err="1" smtClean="0"/>
-              <a:t>void</a:t>
-            </a:r>
-            <a:r>
-              <a:rPr lang="da-DK" dirty="0" smtClean="0"/>
-              <a:t> </a:t>
-            </a:r>
-            <a:r>
               <a:rPr lang="da-DK" dirty="0" err="1" smtClean="0"/>
               <a:t>DrawWindow</a:t>
             </a:r>
             <a:r>
               <a:rPr lang="da-DK" dirty="0" smtClean="0"/>
-              <a:t>( </a:t>
-            </a:r>
-            <a:r>
-              <a:rPr lang="da-DK" dirty="0" smtClean="0"/>
-              <a:t>);</a:t>
+              <a:t>( );</a:t>
             </a:r>
           </a:p>
           <a:p>

--- a/OOPExam/01 Class, Abstract Class and Interfaces.pptx
+++ b/OOPExam/01 Class, Abstract Class and Interfaces.pptx
@@ -202,7 +202,7 @@
             <a:fld id="{D69E125A-D55E-45C6-9A62-FE6830745A2A}" type="datetimeFigureOut">
               <a:rPr lang="en-US" smtClean="0"/>
               <a:pPr/>
-              <a:t>1/17/2010</a:t>
+              <a:t>1/19/2010</a:t>
             </a:fld>
             <a:endParaRPr lang="en-US"/>
           </a:p>
@@ -1007,7 +1007,7 @@
             <a:fld id="{3E57D7DC-7299-43C9-BAE2-F335855B8707}" type="datetimeFigureOut">
               <a:rPr lang="en-US" smtClean="0"/>
               <a:pPr/>
-              <a:t>1/17/2010</a:t>
+              <a:t>1/19/2010</a:t>
             </a:fld>
             <a:endParaRPr lang="da-DK"/>
           </a:p>
@@ -1174,7 +1174,7 @@
             <a:fld id="{3E57D7DC-7299-43C9-BAE2-F335855B8707}" type="datetimeFigureOut">
               <a:rPr lang="en-US" smtClean="0"/>
               <a:pPr/>
-              <a:t>1/17/2010</a:t>
+              <a:t>1/19/2010</a:t>
             </a:fld>
             <a:endParaRPr lang="da-DK"/>
           </a:p>
@@ -1351,7 +1351,7 @@
             <a:fld id="{3E57D7DC-7299-43C9-BAE2-F335855B8707}" type="datetimeFigureOut">
               <a:rPr lang="en-US" smtClean="0"/>
               <a:pPr/>
-              <a:t>1/17/2010</a:t>
+              <a:t>1/19/2010</a:t>
             </a:fld>
             <a:endParaRPr lang="da-DK"/>
           </a:p>
@@ -1518,7 +1518,7 @@
             <a:fld id="{3E57D7DC-7299-43C9-BAE2-F335855B8707}" type="datetimeFigureOut">
               <a:rPr lang="en-US" smtClean="0"/>
               <a:pPr/>
-              <a:t>1/17/2010</a:t>
+              <a:t>1/19/2010</a:t>
             </a:fld>
             <a:endParaRPr lang="da-DK"/>
           </a:p>
@@ -1761,7 +1761,7 @@
             <a:fld id="{3E57D7DC-7299-43C9-BAE2-F335855B8707}" type="datetimeFigureOut">
               <a:rPr lang="en-US" smtClean="0"/>
               <a:pPr/>
-              <a:t>1/17/2010</a:t>
+              <a:t>1/19/2010</a:t>
             </a:fld>
             <a:endParaRPr lang="da-DK"/>
           </a:p>
@@ -2046,7 +2046,7 @@
             <a:fld id="{3E57D7DC-7299-43C9-BAE2-F335855B8707}" type="datetimeFigureOut">
               <a:rPr lang="en-US" smtClean="0"/>
               <a:pPr/>
-              <a:t>1/17/2010</a:t>
+              <a:t>1/19/2010</a:t>
             </a:fld>
             <a:endParaRPr lang="da-DK"/>
           </a:p>
@@ -2465,7 +2465,7 @@
             <a:fld id="{3E57D7DC-7299-43C9-BAE2-F335855B8707}" type="datetimeFigureOut">
               <a:rPr lang="en-US" smtClean="0"/>
               <a:pPr/>
-              <a:t>1/17/2010</a:t>
+              <a:t>1/19/2010</a:t>
             </a:fld>
             <a:endParaRPr lang="da-DK"/>
           </a:p>
@@ -2580,7 +2580,7 @@
             <a:fld id="{3E57D7DC-7299-43C9-BAE2-F335855B8707}" type="datetimeFigureOut">
               <a:rPr lang="en-US" smtClean="0"/>
               <a:pPr/>
-              <a:t>1/17/2010</a:t>
+              <a:t>1/19/2010</a:t>
             </a:fld>
             <a:endParaRPr lang="da-DK"/>
           </a:p>
@@ -2672,7 +2672,7 @@
             <a:fld id="{3E57D7DC-7299-43C9-BAE2-F335855B8707}" type="datetimeFigureOut">
               <a:rPr lang="en-US" smtClean="0"/>
               <a:pPr/>
-              <a:t>1/17/2010</a:t>
+              <a:t>1/19/2010</a:t>
             </a:fld>
             <a:endParaRPr lang="da-DK"/>
           </a:p>
@@ -2946,7 +2946,7 @@
             <a:fld id="{3E57D7DC-7299-43C9-BAE2-F335855B8707}" type="datetimeFigureOut">
               <a:rPr lang="en-US" smtClean="0"/>
               <a:pPr/>
-              <a:t>1/17/2010</a:t>
+              <a:t>1/19/2010</a:t>
             </a:fld>
             <a:endParaRPr lang="da-DK"/>
           </a:p>
@@ -3196,7 +3196,7 @@
             <a:fld id="{3E57D7DC-7299-43C9-BAE2-F335855B8707}" type="datetimeFigureOut">
               <a:rPr lang="en-US" smtClean="0"/>
               <a:pPr/>
-              <a:t>1/17/2010</a:t>
+              <a:t>1/19/2010</a:t>
             </a:fld>
             <a:endParaRPr lang="da-DK"/>
           </a:p>
@@ -3406,7 +3406,7 @@
             <a:fld id="{3E57D7DC-7299-43C9-BAE2-F335855B8707}" type="datetimeFigureOut">
               <a:rPr lang="en-US" smtClean="0"/>
               <a:pPr/>
-              <a:t>1/17/2010</a:t>
+              <a:t>1/19/2010</a:t>
             </a:fld>
             <a:endParaRPr lang="da-DK"/>
           </a:p>
@@ -3963,7 +3963,19 @@
           <a:bodyPr/>
           <a:lstStyle/>
           <a:p>
-            <a:endParaRPr lang="da-DK"/>
+            <a:r>
+              <a:rPr lang="da-DK" dirty="0" err="1" smtClean="0"/>
+              <a:t>Creating</a:t>
+            </a:r>
+            <a:r>
+              <a:rPr lang="da-DK" dirty="0" smtClean="0"/>
+              <a:t> </a:t>
+            </a:r>
+            <a:r>
+              <a:rPr lang="da-DK" smtClean="0"/>
+              <a:t>Objects</a:t>
+            </a:r>
+            <a:endParaRPr lang="da-DK" dirty="0"/>
           </a:p>
         </p:txBody>
       </p:sp>

--- a/OOPExam/01 Class, Abstract Class and Interfaces.pptx
+++ b/OOPExam/01 Class, Abstract Class and Interfaces.pptx
@@ -713,6 +713,782 @@
           </a:bodyPr>
           <a:lstStyle/>
           <a:p>
+            <a:pPr marL="0" marR="0" indent="0" algn="l" defTabSz="914400" rtl="0" eaLnBrk="1" fontAlgn="auto" latinLnBrk="0" hangingPunct="1">
+              <a:lnSpc>
+                <a:spcPct val="100000"/>
+              </a:lnSpc>
+              <a:spcBef>
+                <a:spcPts val="0"/>
+              </a:spcBef>
+              <a:spcAft>
+                <a:spcPts val="0"/>
+              </a:spcAft>
+              <a:buClrTx/>
+              <a:buSzTx/>
+              <a:buFontTx/>
+              <a:buNone/>
+              <a:tabLst/>
+              <a:defRPr/>
+            </a:pPr>
+            <a:r>
+              <a:rPr lang="da-DK" dirty="0" err="1" smtClean="0"/>
+              <a:t>Concept</a:t>
+            </a:r>
+            <a:r>
+              <a:rPr lang="da-DK" dirty="0" smtClean="0"/>
+              <a:t>:</a:t>
+            </a:r>
+            <a:r>
+              <a:rPr lang="da-DK" baseline="0" dirty="0" smtClean="0"/>
+              <a:t> </a:t>
+            </a:r>
+            <a:r>
+              <a:rPr lang="da-DK" baseline="0" dirty="0" err="1" smtClean="0"/>
+              <a:t>Class</a:t>
+            </a:r>
+            <a:r>
+              <a:rPr lang="da-DK" baseline="0" dirty="0" smtClean="0"/>
+              <a:t> is the </a:t>
+            </a:r>
+            <a:r>
+              <a:rPr lang="da-DK" baseline="0" dirty="0" err="1" smtClean="0"/>
+              <a:t>blueprint</a:t>
+            </a:r>
+            <a:r>
+              <a:rPr lang="da-DK" baseline="0" dirty="0" smtClean="0"/>
+              <a:t> from </a:t>
+            </a:r>
+            <a:r>
+              <a:rPr lang="da-DK" baseline="0" dirty="0" err="1" smtClean="0"/>
+              <a:t>which</a:t>
+            </a:r>
+            <a:r>
+              <a:rPr lang="da-DK" baseline="0" dirty="0" smtClean="0"/>
+              <a:t> an </a:t>
+            </a:r>
+            <a:r>
+              <a:rPr lang="da-DK" baseline="0" dirty="0" err="1" smtClean="0"/>
+              <a:t>object</a:t>
+            </a:r>
+            <a:r>
+              <a:rPr lang="da-DK" baseline="0" dirty="0" smtClean="0"/>
+              <a:t> i </a:t>
+            </a:r>
+            <a:r>
+              <a:rPr lang="da-DK" baseline="0" dirty="0" err="1" smtClean="0"/>
+              <a:t>created</a:t>
+            </a:r>
+            <a:r>
+              <a:rPr lang="da-DK" baseline="0" dirty="0" smtClean="0"/>
+              <a:t>.</a:t>
+            </a:r>
+          </a:p>
+          <a:p>
+            <a:pPr marL="0" marR="0" indent="0" algn="l" defTabSz="914400" rtl="0" eaLnBrk="1" fontAlgn="auto" latinLnBrk="0" hangingPunct="1">
+              <a:lnSpc>
+                <a:spcPct val="100000"/>
+              </a:lnSpc>
+              <a:spcBef>
+                <a:spcPts val="0"/>
+              </a:spcBef>
+              <a:spcAft>
+                <a:spcPts val="0"/>
+              </a:spcAft>
+              <a:buClrTx/>
+              <a:buSzTx/>
+              <a:buFontTx/>
+              <a:buNone/>
+              <a:tabLst/>
+              <a:defRPr/>
+            </a:pPr>
+            <a:r>
+              <a:rPr lang="da-DK" baseline="0" dirty="0" err="1" smtClean="0"/>
+              <a:t>attributes</a:t>
+            </a:r>
+            <a:r>
+              <a:rPr lang="da-DK" baseline="0" dirty="0" smtClean="0"/>
+              <a:t>: </a:t>
+            </a:r>
+            <a:r>
+              <a:rPr lang="en-US" dirty="0" smtClean="0"/>
+              <a:t>C# provides a mechanism for defining declarative tags, called attributes, which you can place on certain entities in your source code to specify additional information. The information can be retrieved at run-time.</a:t>
+            </a:r>
+            <a:r>
+              <a:rPr lang="da-DK" baseline="0" dirty="0" smtClean="0"/>
+              <a:t> </a:t>
+            </a:r>
+          </a:p>
+          <a:p>
+            <a:pPr marL="0" marR="0" indent="0" algn="l" defTabSz="914400" rtl="0" eaLnBrk="1" fontAlgn="auto" latinLnBrk="0" hangingPunct="1">
+              <a:lnSpc>
+                <a:spcPct val="100000"/>
+              </a:lnSpc>
+              <a:spcBef>
+                <a:spcPts val="0"/>
+              </a:spcBef>
+              <a:spcAft>
+                <a:spcPts val="0"/>
+              </a:spcAft>
+              <a:buClrTx/>
+              <a:buSzTx/>
+              <a:buFontTx/>
+              <a:buNone/>
+              <a:tabLst/>
+              <a:defRPr/>
+            </a:pPr>
+            <a:r>
+              <a:rPr lang="da-DK" baseline="0" dirty="0" err="1" smtClean="0"/>
+              <a:t>Access-modifiers</a:t>
+            </a:r>
+            <a:r>
+              <a:rPr lang="da-DK" baseline="0" dirty="0" smtClean="0"/>
+              <a:t>: </a:t>
+            </a:r>
+            <a:r>
+              <a:rPr lang="da-DK" b="1" baseline="0" dirty="0" smtClean="0"/>
+              <a:t>public</a:t>
+            </a:r>
+            <a:r>
+              <a:rPr lang="da-DK" baseline="0" dirty="0" smtClean="0"/>
+              <a:t>, </a:t>
+            </a:r>
+            <a:r>
+              <a:rPr lang="da-DK" b="1" baseline="0" dirty="0" smtClean="0"/>
+              <a:t>private</a:t>
+            </a:r>
+            <a:r>
+              <a:rPr lang="da-DK" baseline="0" dirty="0" smtClean="0"/>
+              <a:t>, </a:t>
+            </a:r>
+            <a:r>
+              <a:rPr lang="da-DK" b="1" baseline="0" dirty="0" err="1" smtClean="0"/>
+              <a:t>protected</a:t>
+            </a:r>
+            <a:r>
+              <a:rPr lang="da-DK" baseline="0" dirty="0" smtClean="0"/>
+              <a:t>, </a:t>
+            </a:r>
+            <a:r>
+              <a:rPr lang="da-DK" b="1" baseline="0" dirty="0" err="1" smtClean="0"/>
+              <a:t>internal</a:t>
+            </a:r>
+            <a:r>
+              <a:rPr lang="da-DK" baseline="0" dirty="0" smtClean="0"/>
+              <a:t> and </a:t>
+            </a:r>
+            <a:r>
+              <a:rPr lang="da-DK" b="1" baseline="0" dirty="0" err="1" smtClean="0"/>
+              <a:t>protected</a:t>
+            </a:r>
+            <a:r>
+              <a:rPr lang="da-DK" b="1" baseline="0" dirty="0" smtClean="0"/>
+              <a:t> </a:t>
+            </a:r>
+            <a:r>
+              <a:rPr lang="da-DK" b="1" baseline="0" dirty="0" err="1" smtClean="0"/>
+              <a:t>internal</a:t>
+            </a:r>
+            <a:r>
+              <a:rPr lang="da-DK" baseline="0" dirty="0" smtClean="0"/>
+              <a:t>. </a:t>
+            </a:r>
+            <a:r>
+              <a:rPr lang="da-DK" b="1" baseline="0" dirty="0" smtClean="0"/>
+              <a:t>private</a:t>
+            </a:r>
+            <a:r>
+              <a:rPr lang="da-DK" baseline="0" dirty="0" smtClean="0"/>
+              <a:t> is the default </a:t>
+            </a:r>
+            <a:r>
+              <a:rPr lang="da-DK" baseline="0" dirty="0" err="1" smtClean="0"/>
+              <a:t>modifier</a:t>
+            </a:r>
+            <a:r>
+              <a:rPr lang="da-DK" baseline="0" dirty="0" smtClean="0"/>
+              <a:t>.</a:t>
+            </a:r>
+          </a:p>
+          <a:p>
+            <a:pPr marL="0" marR="0" indent="0" algn="l" defTabSz="914400" rtl="0" eaLnBrk="1" fontAlgn="auto" latinLnBrk="0" hangingPunct="1">
+              <a:lnSpc>
+                <a:spcPct val="100000"/>
+              </a:lnSpc>
+              <a:spcBef>
+                <a:spcPts val="0"/>
+              </a:spcBef>
+              <a:spcAft>
+                <a:spcPts val="0"/>
+              </a:spcAft>
+              <a:buClrTx/>
+              <a:buSzTx/>
+              <a:buFontTx/>
+              <a:buNone/>
+              <a:tabLst/>
+              <a:defRPr/>
+            </a:pPr>
+            <a:r>
+              <a:rPr lang="da-DK" baseline="0" dirty="0" err="1" smtClean="0"/>
+              <a:t>Base-class</a:t>
+            </a:r>
+            <a:r>
+              <a:rPr lang="da-DK" baseline="0" dirty="0" smtClean="0"/>
+              <a:t> is the </a:t>
+            </a:r>
+            <a:r>
+              <a:rPr lang="da-DK" baseline="0" dirty="0" err="1" smtClean="0"/>
+              <a:t>class</a:t>
+            </a:r>
+            <a:r>
+              <a:rPr lang="da-DK" baseline="0" dirty="0" smtClean="0"/>
+              <a:t> </a:t>
+            </a:r>
+            <a:r>
+              <a:rPr lang="da-DK" baseline="0" dirty="0" err="1" smtClean="0"/>
+              <a:t>that</a:t>
+            </a:r>
+            <a:r>
+              <a:rPr lang="da-DK" baseline="0" dirty="0" smtClean="0"/>
+              <a:t> </a:t>
+            </a:r>
+            <a:r>
+              <a:rPr lang="da-DK" baseline="0" dirty="0" err="1" smtClean="0"/>
+              <a:t>this</a:t>
+            </a:r>
+            <a:r>
+              <a:rPr lang="da-DK" baseline="0" dirty="0" smtClean="0"/>
+              <a:t> </a:t>
+            </a:r>
+            <a:r>
+              <a:rPr lang="da-DK" baseline="0" dirty="0" err="1" smtClean="0"/>
+              <a:t>newly</a:t>
+            </a:r>
+            <a:r>
+              <a:rPr lang="da-DK" baseline="0" dirty="0" smtClean="0"/>
+              <a:t> </a:t>
+            </a:r>
+            <a:r>
+              <a:rPr lang="da-DK" baseline="0" dirty="0" err="1" smtClean="0"/>
+              <a:t>declared</a:t>
+            </a:r>
+            <a:r>
+              <a:rPr lang="da-DK" baseline="0" dirty="0" smtClean="0"/>
+              <a:t> </a:t>
+            </a:r>
+            <a:r>
+              <a:rPr lang="da-DK" baseline="0" dirty="0" err="1" smtClean="0"/>
+              <a:t>class</a:t>
+            </a:r>
+            <a:r>
+              <a:rPr lang="da-DK" baseline="0" dirty="0" smtClean="0"/>
+              <a:t> </a:t>
+            </a:r>
+            <a:r>
+              <a:rPr lang="da-DK" baseline="0" dirty="0" err="1" smtClean="0"/>
+              <a:t>inherit</a:t>
+            </a:r>
+            <a:r>
+              <a:rPr lang="da-DK" baseline="0" dirty="0" smtClean="0"/>
+              <a:t> from.</a:t>
+            </a:r>
+          </a:p>
+          <a:p>
+            <a:pPr marL="0" marR="0" indent="0" algn="l" defTabSz="914400" rtl="0" eaLnBrk="1" fontAlgn="auto" latinLnBrk="0" hangingPunct="1">
+              <a:lnSpc>
+                <a:spcPct val="100000"/>
+              </a:lnSpc>
+              <a:spcBef>
+                <a:spcPts val="0"/>
+              </a:spcBef>
+              <a:spcAft>
+                <a:spcPts val="0"/>
+              </a:spcAft>
+              <a:buClrTx/>
+              <a:buSzTx/>
+              <a:buFontTx/>
+              <a:buNone/>
+              <a:tabLst/>
+              <a:defRPr/>
+            </a:pPr>
+            <a:r>
+              <a:rPr lang="en-US" sz="1200" dirty="0" smtClean="0"/>
+              <a:t>A C# </a:t>
+            </a:r>
+            <a:r>
+              <a:rPr lang="en-US" sz="1200" i="1" dirty="0" smtClean="0"/>
+              <a:t>interface</a:t>
+            </a:r>
+            <a:r>
+              <a:rPr lang="en-US" sz="1200" dirty="0" smtClean="0"/>
+              <a:t> is a collection of abstract methods and constants, that</a:t>
+            </a:r>
+            <a:r>
+              <a:rPr lang="en-US" sz="1200" baseline="0" dirty="0" smtClean="0"/>
+              <a:t> is they are not implemented just declared. When a class implements an interface, at guarantees all its clients that it support all the methods, properties etc…. Of the named interface.</a:t>
+            </a:r>
+            <a:endParaRPr lang="da-DK" baseline="0" dirty="0" smtClean="0"/>
+          </a:p>
+          <a:p>
+            <a:endParaRPr lang="da-DK" dirty="0" smtClean="0"/>
+          </a:p>
+          <a:p>
+            <a:r>
+              <a:rPr lang="da-DK" dirty="0" err="1" smtClean="0"/>
+              <a:t>Object</a:t>
+            </a:r>
+            <a:r>
+              <a:rPr lang="da-DK" dirty="0" smtClean="0"/>
+              <a:t> has a </a:t>
+            </a:r>
+            <a:r>
+              <a:rPr lang="da-DK" dirty="0" err="1" smtClean="0"/>
+              <a:t>state</a:t>
+            </a:r>
+            <a:r>
+              <a:rPr lang="da-DK" dirty="0" smtClean="0"/>
+              <a:t>(</a:t>
+            </a:r>
+            <a:r>
+              <a:rPr lang="da-DK" dirty="0" err="1" smtClean="0"/>
+              <a:t>current</a:t>
+            </a:r>
+            <a:r>
+              <a:rPr lang="da-DK" baseline="0" dirty="0" err="1" smtClean="0"/>
+              <a:t>Balance</a:t>
+            </a:r>
+            <a:r>
+              <a:rPr lang="da-DK" baseline="0" dirty="0" smtClean="0"/>
+              <a:t> in an </a:t>
+            </a:r>
+            <a:r>
+              <a:rPr lang="da-DK" baseline="0" dirty="0" err="1" smtClean="0"/>
+              <a:t>account</a:t>
+            </a:r>
+            <a:r>
+              <a:rPr lang="da-DK" baseline="0" dirty="0" smtClean="0"/>
+              <a:t> </a:t>
+            </a:r>
+            <a:r>
+              <a:rPr lang="da-DK" baseline="0" dirty="0" err="1" smtClean="0"/>
+              <a:t>object</a:t>
+            </a:r>
+            <a:r>
+              <a:rPr lang="da-DK" dirty="0" smtClean="0"/>
+              <a:t>) and a set of </a:t>
+            </a:r>
+            <a:r>
+              <a:rPr lang="da-DK" dirty="0" err="1" smtClean="0"/>
+              <a:t>behaviors</a:t>
+            </a:r>
+            <a:r>
+              <a:rPr lang="da-DK" dirty="0" smtClean="0"/>
+              <a:t>(</a:t>
+            </a:r>
+            <a:r>
+              <a:rPr lang="da-DK" dirty="0" err="1" smtClean="0"/>
+              <a:t>activities</a:t>
+            </a:r>
+            <a:r>
+              <a:rPr lang="da-DK" dirty="0" smtClean="0"/>
+              <a:t> </a:t>
+            </a:r>
+            <a:r>
+              <a:rPr lang="da-DK" dirty="0" err="1" smtClean="0"/>
+              <a:t>associated</a:t>
+            </a:r>
+            <a:r>
+              <a:rPr lang="da-DK" dirty="0" smtClean="0"/>
+              <a:t> </a:t>
+            </a:r>
+            <a:r>
+              <a:rPr lang="da-DK" dirty="0" err="1" smtClean="0"/>
+              <a:t>with</a:t>
+            </a:r>
+            <a:r>
+              <a:rPr lang="da-DK" dirty="0" smtClean="0"/>
+              <a:t> the</a:t>
+            </a:r>
+            <a:r>
+              <a:rPr lang="da-DK" baseline="0" dirty="0" smtClean="0"/>
+              <a:t> </a:t>
+            </a:r>
+            <a:r>
+              <a:rPr lang="da-DK" baseline="0" dirty="0" err="1" smtClean="0"/>
+              <a:t>object</a:t>
+            </a:r>
+            <a:r>
+              <a:rPr lang="da-DK" baseline="0" dirty="0" smtClean="0"/>
+              <a:t>(</a:t>
+            </a:r>
+            <a:r>
+              <a:rPr lang="da-DK" baseline="0" dirty="0" err="1" smtClean="0"/>
+              <a:t>withdrawal</a:t>
+            </a:r>
+            <a:r>
+              <a:rPr lang="da-DK" baseline="0" dirty="0" smtClean="0"/>
+              <a:t> &amp; </a:t>
+            </a:r>
+            <a:r>
+              <a:rPr lang="da-DK" baseline="0" dirty="0" err="1" smtClean="0"/>
+              <a:t>deposit</a:t>
+            </a:r>
+            <a:r>
+              <a:rPr lang="da-DK" baseline="0" dirty="0" smtClean="0"/>
+              <a:t> in an </a:t>
+            </a:r>
+            <a:r>
+              <a:rPr lang="da-DK" baseline="0" dirty="0" err="1" smtClean="0"/>
+              <a:t>account</a:t>
+            </a:r>
+            <a:r>
+              <a:rPr lang="da-DK" baseline="0" dirty="0" smtClean="0"/>
+              <a:t> </a:t>
+            </a:r>
+            <a:r>
+              <a:rPr lang="da-DK" baseline="0" dirty="0" err="1" smtClean="0"/>
+              <a:t>object</a:t>
+            </a:r>
+            <a:r>
+              <a:rPr lang="da-DK" baseline="0" dirty="0" smtClean="0"/>
+              <a:t>)</a:t>
+            </a:r>
+            <a:r>
+              <a:rPr lang="da-DK" dirty="0" smtClean="0"/>
+              <a:t>).</a:t>
+            </a:r>
+          </a:p>
+          <a:p>
+            <a:r>
+              <a:rPr lang="da-DK" dirty="0" err="1" smtClean="0"/>
+              <a:t>Example</a:t>
+            </a:r>
+            <a:r>
+              <a:rPr lang="da-DK" dirty="0" smtClean="0"/>
+              <a:t>: </a:t>
+            </a:r>
+            <a:r>
+              <a:rPr lang="da-DK" dirty="0" err="1" smtClean="0"/>
+              <a:t>Console.Out.WriteLine</a:t>
+            </a:r>
+            <a:r>
+              <a:rPr lang="da-DK" baseline="0" dirty="0" smtClean="0"/>
+              <a:t>, </a:t>
+            </a:r>
+            <a:r>
+              <a:rPr lang="da-DK" baseline="0" dirty="0" err="1" smtClean="0"/>
+              <a:t>WriteLine</a:t>
+            </a:r>
+            <a:r>
+              <a:rPr lang="da-DK" baseline="0" dirty="0" smtClean="0"/>
+              <a:t> is a </a:t>
+            </a:r>
+            <a:r>
+              <a:rPr lang="da-DK" baseline="0" dirty="0" err="1" smtClean="0"/>
+              <a:t>method</a:t>
+            </a:r>
+            <a:r>
+              <a:rPr lang="da-DK" baseline="0" dirty="0" smtClean="0"/>
+              <a:t> </a:t>
+            </a:r>
+            <a:r>
+              <a:rPr lang="da-DK" baseline="0" dirty="0" err="1" smtClean="0"/>
+              <a:t>provided</a:t>
+            </a:r>
+            <a:r>
+              <a:rPr lang="da-DK" baseline="0" dirty="0" smtClean="0"/>
+              <a:t> by the </a:t>
+            </a:r>
+            <a:r>
+              <a:rPr lang="da-DK" baseline="0" dirty="0" err="1" smtClean="0"/>
+              <a:t>Console.Out</a:t>
+            </a:r>
+            <a:r>
+              <a:rPr lang="da-DK" baseline="0" dirty="0" smtClean="0"/>
+              <a:t> </a:t>
+            </a:r>
+            <a:r>
+              <a:rPr lang="da-DK" baseline="0" dirty="0" err="1" smtClean="0"/>
+              <a:t>object</a:t>
+            </a:r>
+            <a:r>
+              <a:rPr lang="da-DK" baseline="0" dirty="0" smtClean="0"/>
+              <a:t>, </a:t>
+            </a:r>
+            <a:r>
+              <a:rPr lang="da-DK" baseline="0" dirty="0" err="1" smtClean="0"/>
+              <a:t>where</a:t>
+            </a:r>
+            <a:r>
+              <a:rPr lang="da-DK" baseline="0" dirty="0" smtClean="0"/>
+              <a:t> .Out is an </a:t>
+            </a:r>
+            <a:r>
+              <a:rPr lang="da-DK" baseline="0" dirty="0" err="1" smtClean="0"/>
+              <a:t>object</a:t>
+            </a:r>
+            <a:r>
+              <a:rPr lang="da-DK" baseline="0" dirty="0" smtClean="0"/>
+              <a:t> variable </a:t>
+            </a:r>
+            <a:r>
+              <a:rPr lang="da-DK" baseline="0" dirty="0" err="1" smtClean="0"/>
+              <a:t>that</a:t>
+            </a:r>
+            <a:r>
+              <a:rPr lang="da-DK" baseline="0" dirty="0" smtClean="0"/>
+              <a:t> is </a:t>
+            </a:r>
+            <a:r>
+              <a:rPr lang="da-DK" baseline="0" dirty="0" err="1" smtClean="0"/>
+              <a:t>stored</a:t>
+            </a:r>
+            <a:r>
+              <a:rPr lang="da-DK" baseline="0" dirty="0" smtClean="0"/>
+              <a:t> in the </a:t>
+            </a:r>
+            <a:r>
+              <a:rPr lang="da-DK" baseline="0" dirty="0" err="1" smtClean="0"/>
+              <a:t>Console</a:t>
+            </a:r>
+            <a:r>
+              <a:rPr lang="da-DK" baseline="0" dirty="0" smtClean="0"/>
+              <a:t> </a:t>
+            </a:r>
+            <a:r>
+              <a:rPr lang="da-DK" baseline="0" dirty="0" err="1" smtClean="0"/>
+              <a:t>class</a:t>
+            </a:r>
+            <a:r>
+              <a:rPr lang="da-DK" baseline="0" dirty="0" smtClean="0"/>
+              <a:t>.</a:t>
+            </a:r>
+          </a:p>
+          <a:p>
+            <a:endParaRPr lang="da-DK" dirty="0"/>
+          </a:p>
+        </p:txBody>
+      </p:sp>
+      <p:sp>
+        <p:nvSpPr>
+          <p:cNvPr id="4" name="Pladsholder til diasnummer 3"/>
+          <p:cNvSpPr>
+            <a:spLocks noGrp="1"/>
+          </p:cNvSpPr>
+          <p:nvPr>
+            <p:ph type="sldNum" sz="quarter" idx="10"/>
+          </p:nvPr>
+        </p:nvSpPr>
+        <p:spPr/>
+        <p:txBody>
+          <a:bodyPr/>
+          <a:lstStyle/>
+          <a:p>
+            <a:fld id="{6C3390C7-C92A-440B-B67D-36FF6D2DBAFD}" type="slidenum">
+              <a:rPr lang="en-US" smtClean="0"/>
+              <a:pPr/>
+              <a:t>2</a:t>
+            </a:fld>
+            <a:endParaRPr lang="en-US"/>
+          </a:p>
+        </p:txBody>
+      </p:sp>
+    </p:spTree>
+  </p:cSld>
+  <p:clrMapOvr>
+    <a:masterClrMapping/>
+  </p:clrMapOvr>
+</p:notes>
+</file>
+
+<file path=ppt/notesSlides/notesSlide3.xml><?xml version="1.0" encoding="utf-8"?>
+<p:notes xmlns:a="http://schemas.openxmlformats.org/drawingml/2006/main" xmlns:r="http://schemas.openxmlformats.org/officeDocument/2006/relationships" xmlns:p="http://schemas.openxmlformats.org/presentationml/2006/main">
+  <p:cSld>
+    <p:spTree>
+      <p:nvGrpSpPr>
+        <p:cNvPr id="1" name=""/>
+        <p:cNvGrpSpPr/>
+        <p:nvPr/>
+      </p:nvGrpSpPr>
+      <p:grpSpPr>
+        <a:xfrm>
+          <a:off x="0" y="0"/>
+          <a:ext cx="0" cy="0"/>
+          <a:chOff x="0" y="0"/>
+          <a:chExt cx="0" cy="0"/>
+        </a:xfrm>
+      </p:grpSpPr>
+      <p:sp>
+        <p:nvSpPr>
+          <p:cNvPr id="2" name="Pladsholder til diasbillede 1"/>
+          <p:cNvSpPr>
+            <a:spLocks noGrp="1" noRot="1" noChangeAspect="1"/>
+          </p:cNvSpPr>
+          <p:nvPr>
+            <p:ph type="sldImg"/>
+          </p:nvPr>
+        </p:nvSpPr>
+        <p:spPr/>
+      </p:sp>
+      <p:sp>
+        <p:nvSpPr>
+          <p:cNvPr id="3" name="Pladsholder til noter 2"/>
+          <p:cNvSpPr>
+            <a:spLocks noGrp="1"/>
+          </p:cNvSpPr>
+          <p:nvPr>
+            <p:ph type="body" idx="1"/>
+          </p:nvPr>
+        </p:nvSpPr>
+        <p:spPr/>
+        <p:txBody>
+          <a:bodyPr>
+            <a:normAutofit/>
+          </a:bodyPr>
+          <a:lstStyle/>
+          <a:p>
+            <a:r>
+              <a:rPr lang="en-US" sz="1200" kern="1200" baseline="0" dirty="0" smtClean="0">
+                <a:solidFill>
+                  <a:schemeClr val="tx1"/>
+                </a:solidFill>
+                <a:latin typeface="+mn-lt"/>
+                <a:ea typeface="+mn-ea"/>
+                <a:cs typeface="+mn-cs"/>
+              </a:rPr>
+              <a:t>When a class </a:t>
+            </a:r>
+            <a:r>
+              <a:rPr lang="en-US" sz="1200" i="1" kern="1200" baseline="0" dirty="0" smtClean="0">
+                <a:solidFill>
+                  <a:schemeClr val="tx1"/>
+                </a:solidFill>
+                <a:latin typeface="+mn-lt"/>
+                <a:ea typeface="+mn-ea"/>
+                <a:cs typeface="+mn-cs"/>
+              </a:rPr>
+              <a:t>implements an interface, it tells any potential client “I guarantee I’ll</a:t>
+            </a:r>
+          </a:p>
+          <a:p>
+            <a:r>
+              <a:rPr lang="en-US" sz="1200" kern="1200" baseline="0" dirty="0" smtClean="0">
+                <a:solidFill>
+                  <a:schemeClr val="tx1"/>
+                </a:solidFill>
+                <a:latin typeface="+mn-lt"/>
+                <a:ea typeface="+mn-ea"/>
+                <a:cs typeface="+mn-cs"/>
+              </a:rPr>
+              <a:t>support </a:t>
+            </a:r>
+            <a:r>
+              <a:rPr lang="en-US" sz="1200" i="1" kern="1200" baseline="0" dirty="0" smtClean="0">
+                <a:solidFill>
+                  <a:schemeClr val="tx1"/>
+                </a:solidFill>
+                <a:latin typeface="+mn-lt"/>
+                <a:ea typeface="+mn-ea"/>
+                <a:cs typeface="+mn-cs"/>
+              </a:rPr>
+              <a:t>all the methods, properties, events, and indexers of the named interface.”</a:t>
+            </a:r>
+          </a:p>
+          <a:p>
+            <a:r>
+              <a:rPr lang="en-US" sz="1200" i="0" kern="1200" baseline="0" dirty="0" smtClean="0">
+                <a:solidFill>
+                  <a:schemeClr val="tx1"/>
+                </a:solidFill>
+                <a:latin typeface="+mn-lt"/>
+                <a:ea typeface="+mn-ea"/>
+                <a:cs typeface="+mn-cs"/>
+              </a:rPr>
+              <a:t>A class that implements an interface MUST! implement all the interface defined methods, properties, indexers and events.</a:t>
+            </a:r>
+          </a:p>
+          <a:p>
+            <a:endParaRPr lang="da-DK" i="0" dirty="0"/>
+          </a:p>
+        </p:txBody>
+      </p:sp>
+      <p:sp>
+        <p:nvSpPr>
+          <p:cNvPr id="4" name="Pladsholder til diasnummer 3"/>
+          <p:cNvSpPr>
+            <a:spLocks noGrp="1"/>
+          </p:cNvSpPr>
+          <p:nvPr>
+            <p:ph type="sldNum" sz="quarter" idx="10"/>
+          </p:nvPr>
+        </p:nvSpPr>
+        <p:spPr/>
+        <p:txBody>
+          <a:bodyPr/>
+          <a:lstStyle/>
+          <a:p>
+            <a:fld id="{6C3390C7-C92A-440B-B67D-36FF6D2DBAFD}" type="slidenum">
+              <a:rPr lang="en-US" smtClean="0"/>
+              <a:pPr/>
+              <a:t>4</a:t>
+            </a:fld>
+            <a:endParaRPr lang="en-US"/>
+          </a:p>
+        </p:txBody>
+      </p:sp>
+    </p:spTree>
+  </p:cSld>
+  <p:clrMapOvr>
+    <a:masterClrMapping/>
+  </p:clrMapOvr>
+</p:notes>
+</file>
+
+<file path=ppt/notesSlides/notesSlide4.xml><?xml version="1.0" encoding="utf-8"?>
+<p:notes xmlns:a="http://schemas.openxmlformats.org/drawingml/2006/main" xmlns:r="http://schemas.openxmlformats.org/officeDocument/2006/relationships" xmlns:p="http://schemas.openxmlformats.org/presentationml/2006/main">
+  <p:cSld>
+    <p:spTree>
+      <p:nvGrpSpPr>
+        <p:cNvPr id="1" name=""/>
+        <p:cNvGrpSpPr/>
+        <p:nvPr/>
+      </p:nvGrpSpPr>
+      <p:grpSpPr>
+        <a:xfrm>
+          <a:off x="0" y="0"/>
+          <a:ext cx="0" cy="0"/>
+          <a:chOff x="0" y="0"/>
+          <a:chExt cx="0" cy="0"/>
+        </a:xfrm>
+      </p:grpSpPr>
+      <p:sp>
+        <p:nvSpPr>
+          <p:cNvPr id="2" name="Pladsholder til diasbillede 1"/>
+          <p:cNvSpPr>
+            <a:spLocks noGrp="1" noRot="1" noChangeAspect="1"/>
+          </p:cNvSpPr>
+          <p:nvPr>
+            <p:ph type="sldImg"/>
+          </p:nvPr>
+        </p:nvSpPr>
+        <p:spPr/>
+      </p:sp>
+      <p:sp>
+        <p:nvSpPr>
+          <p:cNvPr id="3" name="Pladsholder til noter 2"/>
+          <p:cNvSpPr>
+            <a:spLocks noGrp="1"/>
+          </p:cNvSpPr>
+          <p:nvPr>
+            <p:ph type="body" idx="1"/>
+          </p:nvPr>
+        </p:nvSpPr>
+        <p:spPr/>
+        <p:txBody>
+          <a:bodyPr>
+            <a:normAutofit/>
+          </a:bodyPr>
+          <a:lstStyle/>
+          <a:p>
             <a:r>
               <a:rPr lang="en-US" noProof="0" dirty="0" smtClean="0"/>
               <a:t>It represents</a:t>
@@ -812,6 +1588,482 @@
               <a:rPr lang="en-US" smtClean="0"/>
               <a:pPr/>
               <a:t>5</a:t>
+            </a:fld>
+            <a:endParaRPr lang="en-US"/>
+          </a:p>
+        </p:txBody>
+      </p:sp>
+    </p:spTree>
+  </p:cSld>
+  <p:clrMapOvr>
+    <a:masterClrMapping/>
+  </p:clrMapOvr>
+</p:notes>
+</file>
+
+<file path=ppt/notesSlides/notesSlide5.xml><?xml version="1.0" encoding="utf-8"?>
+<p:notes xmlns:a="http://schemas.openxmlformats.org/drawingml/2006/main" xmlns:r="http://schemas.openxmlformats.org/officeDocument/2006/relationships" xmlns:p="http://schemas.openxmlformats.org/presentationml/2006/main">
+  <p:cSld>
+    <p:spTree>
+      <p:nvGrpSpPr>
+        <p:cNvPr id="1" name=""/>
+        <p:cNvGrpSpPr/>
+        <p:nvPr/>
+      </p:nvGrpSpPr>
+      <p:grpSpPr>
+        <a:xfrm>
+          <a:off x="0" y="0"/>
+          <a:ext cx="0" cy="0"/>
+          <a:chOff x="0" y="0"/>
+          <a:chExt cx="0" cy="0"/>
+        </a:xfrm>
+      </p:grpSpPr>
+      <p:sp>
+        <p:nvSpPr>
+          <p:cNvPr id="2" name="Pladsholder til diasbillede 1"/>
+          <p:cNvSpPr>
+            <a:spLocks noGrp="1" noRot="1" noChangeAspect="1"/>
+          </p:cNvSpPr>
+          <p:nvPr>
+            <p:ph type="sldImg"/>
+          </p:nvPr>
+        </p:nvSpPr>
+        <p:spPr/>
+      </p:sp>
+      <p:sp>
+        <p:nvSpPr>
+          <p:cNvPr id="3" name="Pladsholder til noter 2"/>
+          <p:cNvSpPr>
+            <a:spLocks noGrp="1"/>
+          </p:cNvSpPr>
+          <p:nvPr>
+            <p:ph type="body" idx="1"/>
+          </p:nvPr>
+        </p:nvSpPr>
+        <p:spPr/>
+        <p:txBody>
+          <a:bodyPr>
+            <a:normAutofit/>
+          </a:bodyPr>
+          <a:lstStyle/>
+          <a:p>
+            <a:r>
+              <a:rPr lang="da-DK" dirty="0" err="1" smtClean="0"/>
+              <a:t>Objects</a:t>
+            </a:r>
+            <a:r>
+              <a:rPr lang="da-DK" dirty="0" smtClean="0"/>
+              <a:t> </a:t>
+            </a:r>
+            <a:r>
+              <a:rPr lang="da-DK" dirty="0" err="1" smtClean="0"/>
+              <a:t>on</a:t>
+            </a:r>
+            <a:r>
+              <a:rPr lang="da-DK" dirty="0" smtClean="0"/>
+              <a:t> the </a:t>
+            </a:r>
+            <a:r>
+              <a:rPr lang="da-DK" dirty="0" err="1" smtClean="0"/>
+              <a:t>heap</a:t>
+            </a:r>
+            <a:r>
+              <a:rPr lang="da-DK" dirty="0" smtClean="0"/>
+              <a:t> </a:t>
+            </a:r>
+            <a:r>
+              <a:rPr lang="da-DK" dirty="0" err="1" smtClean="0"/>
+              <a:t>are</a:t>
+            </a:r>
+            <a:r>
+              <a:rPr lang="da-DK" dirty="0" smtClean="0"/>
+              <a:t> </a:t>
+            </a:r>
+            <a:r>
+              <a:rPr lang="da-DK" dirty="0" err="1" smtClean="0"/>
+              <a:t>automatically</a:t>
+            </a:r>
+            <a:r>
+              <a:rPr lang="da-DK" dirty="0" smtClean="0"/>
+              <a:t> </a:t>
+            </a:r>
+            <a:r>
+              <a:rPr lang="da-DK" dirty="0" err="1" smtClean="0"/>
+              <a:t>destroyed</a:t>
+            </a:r>
+            <a:r>
+              <a:rPr lang="da-DK" dirty="0" smtClean="0"/>
+              <a:t> </a:t>
+            </a:r>
+            <a:r>
+              <a:rPr lang="da-DK" dirty="0" err="1" smtClean="0"/>
+              <a:t>some</a:t>
+            </a:r>
+            <a:r>
+              <a:rPr lang="da-DK" dirty="0" smtClean="0"/>
+              <a:t> time </a:t>
+            </a:r>
+            <a:r>
+              <a:rPr lang="da-DK" dirty="0" err="1" smtClean="0"/>
+              <a:t>after</a:t>
+            </a:r>
+            <a:r>
+              <a:rPr lang="da-DK" dirty="0" smtClean="0"/>
+              <a:t> the final</a:t>
+            </a:r>
+            <a:r>
+              <a:rPr lang="da-DK" baseline="0" dirty="0" smtClean="0"/>
+              <a:t> reference to </a:t>
+            </a:r>
+            <a:r>
+              <a:rPr lang="da-DK" baseline="0" dirty="0" err="1" smtClean="0"/>
+              <a:t>them</a:t>
+            </a:r>
+            <a:r>
+              <a:rPr lang="da-DK" baseline="0" dirty="0" smtClean="0"/>
+              <a:t> is </a:t>
+            </a:r>
+            <a:r>
+              <a:rPr lang="da-DK" baseline="0" dirty="0" err="1" smtClean="0"/>
+              <a:t>destroyed</a:t>
+            </a:r>
+            <a:r>
+              <a:rPr lang="da-DK" baseline="0" dirty="0" smtClean="0"/>
+              <a:t>.</a:t>
+            </a:r>
+          </a:p>
+          <a:p>
+            <a:r>
+              <a:rPr lang="da-DK" baseline="0" dirty="0" smtClean="0"/>
+              <a:t>The </a:t>
+            </a:r>
+            <a:r>
+              <a:rPr lang="da-DK" baseline="0" dirty="0" err="1" smtClean="0"/>
+              <a:t>destructor</a:t>
+            </a:r>
+            <a:r>
+              <a:rPr lang="da-DK" baseline="0" dirty="0" smtClean="0"/>
+              <a:t> is </a:t>
+            </a:r>
+            <a:r>
+              <a:rPr lang="da-DK" baseline="0" dirty="0" err="1" smtClean="0"/>
+              <a:t>called</a:t>
+            </a:r>
+            <a:r>
+              <a:rPr lang="da-DK" baseline="0" dirty="0" smtClean="0"/>
+              <a:t> by the </a:t>
+            </a:r>
+            <a:r>
+              <a:rPr lang="da-DK" baseline="0" dirty="0" err="1" smtClean="0"/>
+              <a:t>garbage</a:t>
+            </a:r>
+            <a:r>
+              <a:rPr lang="da-DK" baseline="0" dirty="0" smtClean="0"/>
+              <a:t> </a:t>
+            </a:r>
+            <a:r>
+              <a:rPr lang="da-DK" baseline="0" dirty="0" err="1" smtClean="0"/>
+              <a:t>collector</a:t>
+            </a:r>
+            <a:r>
+              <a:rPr lang="da-DK" baseline="0" dirty="0" smtClean="0"/>
+              <a:t> </a:t>
+            </a:r>
+            <a:r>
+              <a:rPr lang="da-DK" baseline="0" dirty="0" err="1" smtClean="0"/>
+              <a:t>when</a:t>
+            </a:r>
+            <a:r>
+              <a:rPr lang="da-DK" baseline="0" dirty="0" smtClean="0"/>
+              <a:t> the </a:t>
+            </a:r>
+            <a:r>
+              <a:rPr lang="da-DK" baseline="0" dirty="0" err="1" smtClean="0"/>
+              <a:t>your</a:t>
+            </a:r>
+            <a:r>
+              <a:rPr lang="da-DK" baseline="0" dirty="0" smtClean="0"/>
+              <a:t> </a:t>
+            </a:r>
+            <a:r>
+              <a:rPr lang="da-DK" baseline="0" dirty="0" err="1" smtClean="0"/>
+              <a:t>object</a:t>
+            </a:r>
+            <a:r>
+              <a:rPr lang="da-DK" baseline="0" dirty="0" smtClean="0"/>
+              <a:t> is </a:t>
+            </a:r>
+            <a:r>
+              <a:rPr lang="da-DK" baseline="0" dirty="0" err="1" smtClean="0"/>
+              <a:t>destroyed</a:t>
+            </a:r>
+            <a:r>
+              <a:rPr lang="da-DK" baseline="0" dirty="0" smtClean="0"/>
+              <a:t>.</a:t>
+            </a:r>
+          </a:p>
+          <a:p>
+            <a:r>
+              <a:rPr lang="da-DK" baseline="0" dirty="0" err="1" smtClean="0"/>
+              <a:t>You</a:t>
+            </a:r>
+            <a:r>
+              <a:rPr lang="da-DK" baseline="0" dirty="0" smtClean="0"/>
+              <a:t> </a:t>
+            </a:r>
+            <a:r>
+              <a:rPr lang="da-DK" baseline="0" dirty="0" err="1" smtClean="0"/>
+              <a:t>can’t</a:t>
+            </a:r>
+            <a:r>
+              <a:rPr lang="da-DK" baseline="0" dirty="0" smtClean="0"/>
+              <a:t> </a:t>
+            </a:r>
+            <a:r>
+              <a:rPr lang="da-DK" baseline="0" dirty="0" err="1" smtClean="0"/>
+              <a:t>call</a:t>
+            </a:r>
+            <a:r>
+              <a:rPr lang="da-DK" baseline="0" dirty="0" smtClean="0"/>
+              <a:t> an </a:t>
+            </a:r>
+            <a:r>
+              <a:rPr lang="da-DK" baseline="0" dirty="0" err="1" smtClean="0"/>
+              <a:t>object’s</a:t>
+            </a:r>
+            <a:r>
+              <a:rPr lang="da-DK" baseline="0" dirty="0" smtClean="0"/>
+              <a:t> </a:t>
+            </a:r>
+            <a:r>
+              <a:rPr lang="da-DK" baseline="0" dirty="0" err="1" smtClean="0"/>
+              <a:t>destructor</a:t>
+            </a:r>
+            <a:r>
+              <a:rPr lang="da-DK" baseline="0" dirty="0" smtClean="0"/>
+              <a:t> </a:t>
+            </a:r>
+            <a:r>
+              <a:rPr lang="da-DK" baseline="0" dirty="0" err="1" smtClean="0"/>
+              <a:t>directly</a:t>
+            </a:r>
+            <a:r>
+              <a:rPr lang="da-DK" baseline="0" dirty="0" smtClean="0"/>
+              <a:t>. The </a:t>
+            </a:r>
+            <a:r>
+              <a:rPr lang="da-DK" baseline="0" dirty="0" err="1" smtClean="0"/>
+              <a:t>garbage</a:t>
+            </a:r>
+            <a:r>
+              <a:rPr lang="da-DK" baseline="0" dirty="0" smtClean="0"/>
+              <a:t> </a:t>
+            </a:r>
+            <a:r>
+              <a:rPr lang="da-DK" baseline="0" dirty="0" err="1" smtClean="0"/>
+              <a:t>collector</a:t>
+            </a:r>
+            <a:r>
+              <a:rPr lang="da-DK" baseline="0" dirty="0" smtClean="0"/>
+              <a:t> </a:t>
+            </a:r>
+            <a:r>
+              <a:rPr lang="da-DK" baseline="0" dirty="0" err="1" smtClean="0"/>
+              <a:t>will</a:t>
+            </a:r>
+            <a:r>
+              <a:rPr lang="da-DK" baseline="0" dirty="0" smtClean="0"/>
+              <a:t> </a:t>
+            </a:r>
+            <a:r>
+              <a:rPr lang="da-DK" baseline="0" dirty="0" err="1" smtClean="0"/>
+              <a:t>call</a:t>
+            </a:r>
+            <a:r>
+              <a:rPr lang="da-DK" baseline="0" dirty="0" smtClean="0"/>
+              <a:t> it for </a:t>
+            </a:r>
+            <a:r>
+              <a:rPr lang="da-DK" baseline="0" dirty="0" err="1" smtClean="0"/>
+              <a:t>you</a:t>
+            </a:r>
+            <a:r>
+              <a:rPr lang="da-DK" baseline="0" dirty="0" smtClean="0"/>
+              <a:t>.</a:t>
+            </a:r>
+          </a:p>
+          <a:p>
+            <a:r>
+              <a:rPr lang="da-DK" baseline="0" dirty="0" err="1" smtClean="0"/>
+              <a:t>Garbage</a:t>
+            </a:r>
+            <a:r>
+              <a:rPr lang="da-DK" baseline="0" dirty="0" smtClean="0"/>
+              <a:t> </a:t>
+            </a:r>
+            <a:r>
+              <a:rPr lang="da-DK" baseline="0" dirty="0" err="1" smtClean="0"/>
+              <a:t>collector</a:t>
+            </a:r>
+            <a:r>
+              <a:rPr lang="da-DK" baseline="0" dirty="0" smtClean="0"/>
+              <a:t> has a list of all </a:t>
+            </a:r>
+            <a:r>
+              <a:rPr lang="da-DK" baseline="0" dirty="0" err="1" smtClean="0"/>
+              <a:t>objects</a:t>
+            </a:r>
+            <a:r>
+              <a:rPr lang="da-DK" baseline="0" dirty="0" smtClean="0"/>
+              <a:t> </a:t>
+            </a:r>
+            <a:r>
+              <a:rPr lang="da-DK" baseline="0" dirty="0" err="1" smtClean="0"/>
+              <a:t>that</a:t>
+            </a:r>
+            <a:r>
+              <a:rPr lang="da-DK" baseline="0" dirty="0" smtClean="0"/>
+              <a:t> have a </a:t>
+            </a:r>
+            <a:r>
+              <a:rPr lang="da-DK" baseline="0" dirty="0" err="1" smtClean="0"/>
+              <a:t>destructor</a:t>
+            </a:r>
+            <a:r>
+              <a:rPr lang="da-DK" baseline="0" dirty="0" smtClean="0"/>
+              <a:t>. </a:t>
+            </a:r>
+            <a:r>
+              <a:rPr lang="da-DK" baseline="0" dirty="0" err="1" smtClean="0"/>
+              <a:t>This</a:t>
+            </a:r>
+            <a:r>
+              <a:rPr lang="da-DK" baseline="0" dirty="0" smtClean="0"/>
+              <a:t> list is </a:t>
+            </a:r>
+            <a:r>
+              <a:rPr lang="da-DK" baseline="0" dirty="0" err="1" smtClean="0"/>
+              <a:t>updated</a:t>
+            </a:r>
+            <a:r>
+              <a:rPr lang="da-DK" baseline="0" dirty="0" smtClean="0"/>
+              <a:t> </a:t>
+            </a:r>
+            <a:r>
+              <a:rPr lang="da-DK" baseline="0" dirty="0" err="1" smtClean="0"/>
+              <a:t>everytime</a:t>
+            </a:r>
+            <a:r>
+              <a:rPr lang="da-DK" baseline="0" dirty="0" smtClean="0"/>
+              <a:t> a an </a:t>
+            </a:r>
+            <a:r>
+              <a:rPr lang="da-DK" baseline="0" dirty="0" err="1" smtClean="0"/>
+              <a:t>object</a:t>
+            </a:r>
+            <a:r>
+              <a:rPr lang="da-DK" baseline="0" dirty="0" smtClean="0"/>
+              <a:t> </a:t>
+            </a:r>
+            <a:r>
+              <a:rPr lang="da-DK" baseline="0" dirty="0" err="1" smtClean="0"/>
+              <a:t>are</a:t>
+            </a:r>
+            <a:r>
+              <a:rPr lang="da-DK" baseline="0" dirty="0" smtClean="0"/>
+              <a:t> </a:t>
+            </a:r>
+            <a:r>
+              <a:rPr lang="da-DK" baseline="0" dirty="0" err="1" smtClean="0"/>
+              <a:t>created</a:t>
+            </a:r>
+            <a:r>
+              <a:rPr lang="da-DK" baseline="0" dirty="0" smtClean="0"/>
+              <a:t> and </a:t>
+            </a:r>
+            <a:r>
+              <a:rPr lang="da-DK" baseline="0" dirty="0" err="1" smtClean="0"/>
+              <a:t>detroyed</a:t>
+            </a:r>
+            <a:r>
+              <a:rPr lang="da-DK" baseline="0" dirty="0" smtClean="0"/>
+              <a:t>. </a:t>
+            </a:r>
+          </a:p>
+          <a:p>
+            <a:r>
+              <a:rPr lang="en-US" sz="1200" kern="1200" baseline="0" dirty="0" smtClean="0">
+                <a:solidFill>
+                  <a:schemeClr val="tx1"/>
+                </a:solidFill>
+                <a:latin typeface="+mn-lt"/>
+                <a:ea typeface="+mn-ea"/>
+                <a:cs typeface="+mn-cs"/>
+              </a:rPr>
+              <a:t>When an object on this list is first collected, it is placed in a queue with other objects</a:t>
+            </a:r>
+          </a:p>
+          <a:p>
+            <a:r>
+              <a:rPr lang="en-US" sz="1200" kern="1200" baseline="0" dirty="0" smtClean="0">
+                <a:solidFill>
+                  <a:schemeClr val="tx1"/>
+                </a:solidFill>
+                <a:latin typeface="+mn-lt"/>
+                <a:ea typeface="+mn-ea"/>
+                <a:cs typeface="+mn-cs"/>
+              </a:rPr>
+              <a:t>waiting to be destroyed. After the destructor executes, the garbage collector collects</a:t>
+            </a:r>
+          </a:p>
+          <a:p>
+            <a:r>
+              <a:rPr lang="en-US" sz="1200" kern="1200" baseline="0" dirty="0" smtClean="0">
+                <a:solidFill>
+                  <a:schemeClr val="tx1"/>
+                </a:solidFill>
+                <a:latin typeface="+mn-lt"/>
+                <a:ea typeface="+mn-ea"/>
+                <a:cs typeface="+mn-cs"/>
+              </a:rPr>
+              <a:t>the object and updates the queue, as well as its list of destructible objects.</a:t>
+            </a:r>
+          </a:p>
+          <a:p>
+            <a:r>
+              <a:rPr lang="en-US" sz="1200" kern="1200" baseline="0" dirty="0" smtClean="0">
+                <a:solidFill>
+                  <a:schemeClr val="tx1"/>
+                </a:solidFill>
+                <a:latin typeface="+mn-lt"/>
+                <a:ea typeface="+mn-ea"/>
+                <a:cs typeface="+mn-cs"/>
+              </a:rPr>
+              <a:t>A destructor must be declared for an object that controls unmanaged resources to explicitly free those. </a:t>
+            </a:r>
+            <a:endParaRPr lang="da-DK" dirty="0"/>
+          </a:p>
+        </p:txBody>
+      </p:sp>
+      <p:sp>
+        <p:nvSpPr>
+          <p:cNvPr id="4" name="Pladsholder til diasnummer 3"/>
+          <p:cNvSpPr>
+            <a:spLocks noGrp="1"/>
+          </p:cNvSpPr>
+          <p:nvPr>
+            <p:ph type="sldNum" sz="quarter" idx="10"/>
+          </p:nvPr>
+        </p:nvSpPr>
+        <p:spPr/>
+        <p:txBody>
+          <a:bodyPr/>
+          <a:lstStyle/>
+          <a:p>
+            <a:fld id="{6C3390C7-C92A-440B-B67D-36FF6D2DBAFD}" type="slidenum">
+              <a:rPr lang="en-US" smtClean="0"/>
+              <a:pPr/>
+              <a:t>8</a:t>
             </a:fld>
             <a:endParaRPr lang="en-US"/>
           </a:p>
@@ -3935,7 +5187,12 @@
             <p:ph type="title"/>
           </p:nvPr>
         </p:nvSpPr>
-        <p:spPr/>
+        <p:spPr>
+          <a:xfrm>
+            <a:off x="428596" y="285728"/>
+            <a:ext cx="8229600" cy="1143000"/>
+          </a:xfrm>
+        </p:spPr>
         <p:txBody>
           <a:bodyPr/>
           <a:lstStyle/>
@@ -3965,6 +5222,60 @@
           <a:p>
             <a:r>
               <a:rPr lang="da-DK" dirty="0" err="1" smtClean="0"/>
+              <a:t>What</a:t>
+            </a:r>
+            <a:r>
+              <a:rPr lang="da-DK" dirty="0" smtClean="0"/>
+              <a:t> is a </a:t>
+            </a:r>
+            <a:r>
+              <a:rPr lang="da-DK" dirty="0" err="1" smtClean="0"/>
+              <a:t>class</a:t>
+            </a:r>
+            <a:r>
+              <a:rPr lang="da-DK" dirty="0" smtClean="0"/>
+              <a:t>?</a:t>
+            </a:r>
+          </a:p>
+          <a:p>
+            <a:r>
+              <a:rPr lang="da-DK" dirty="0" err="1" smtClean="0"/>
+              <a:t>Syntax</a:t>
+            </a:r>
+            <a:r>
+              <a:rPr lang="da-DK" dirty="0" smtClean="0"/>
+              <a:t>: </a:t>
+            </a:r>
+            <a:r>
+              <a:rPr lang="en-US" sz="1600" dirty="0" smtClean="0"/>
+              <a:t>[</a:t>
+            </a:r>
+            <a:r>
+              <a:rPr lang="en-US" sz="1600" i="1" dirty="0" smtClean="0"/>
+              <a:t>attributes] [access-modifiers] class identifier [:[base-class [,interface(s)]]</a:t>
+            </a:r>
+          </a:p>
+          <a:p>
+            <a:pPr>
+              <a:buNone/>
+            </a:pPr>
+            <a:r>
+              <a:rPr lang="da-DK" sz="1600" dirty="0" smtClean="0"/>
+              <a:t>	{</a:t>
+            </a:r>
+            <a:r>
+              <a:rPr lang="da-DK" sz="1600" i="1" dirty="0" err="1" smtClean="0"/>
+              <a:t>class-body</a:t>
+            </a:r>
+            <a:r>
+              <a:rPr lang="da-DK" sz="1600" i="1" dirty="0" smtClean="0"/>
+              <a:t>}</a:t>
+            </a:r>
+            <a:endParaRPr lang="da-DK" sz="1600" dirty="0" smtClean="0"/>
+          </a:p>
+          <a:p>
+            <a:r>
+              <a:rPr lang="da-DK" dirty="0" err="1" smtClean="0"/>
               <a:t>Creating</a:t>
             </a:r>
             <a:r>
@@ -3972,8 +5283,39 @@
               <a:t> </a:t>
             </a:r>
             <a:r>
-              <a:rPr lang="da-DK" smtClean="0"/>
+              <a:rPr lang="da-DK" dirty="0" err="1" smtClean="0"/>
               <a:t>Objects</a:t>
+            </a:r>
+            <a:endParaRPr lang="da-DK" dirty="0" smtClean="0"/>
+          </a:p>
+          <a:p>
+            <a:r>
+              <a:rPr lang="da-DK" dirty="0" err="1" smtClean="0"/>
+              <a:t>Objects</a:t>
+            </a:r>
+            <a:r>
+              <a:rPr lang="da-DK" dirty="0" smtClean="0"/>
+              <a:t> </a:t>
+            </a:r>
+            <a:r>
+              <a:rPr lang="da-DK" dirty="0" err="1" smtClean="0"/>
+              <a:t>are</a:t>
+            </a:r>
+            <a:r>
+              <a:rPr lang="da-DK" dirty="0" smtClean="0"/>
+              <a:t> </a:t>
+            </a:r>
+            <a:r>
+              <a:rPr lang="da-DK" dirty="0" err="1" smtClean="0"/>
+              <a:t>defined</a:t>
+            </a:r>
+            <a:r>
+              <a:rPr lang="da-DK" dirty="0" smtClean="0"/>
+              <a:t> by a </a:t>
+            </a:r>
+            <a:r>
+              <a:rPr lang="da-DK" dirty="0" err="1" smtClean="0"/>
+              <a:t>class</a:t>
             </a:r>
             <a:endParaRPr lang="da-DK" dirty="0"/>
           </a:p>
@@ -4174,10 +5516,12 @@
             </a:r>
             <a:r>
               <a:rPr lang="en-US" i="1" dirty="0" smtClean="0"/>
-              <a:t>interface is a contract that guarantees to a client how a class will behave”</a:t>
-            </a:r>
-          </a:p>
-          <a:p>
+              <a:t>interface is a contract that guarantees to a client how a class will behave</a:t>
+            </a:r>
+            <a:r>
+              <a:rPr lang="en-US" i="1" dirty="0" smtClean="0"/>
+              <a:t>”</a:t>
+            </a:r>
             <a:endParaRPr lang="en-US" i="1" dirty="0" smtClean="0"/>
           </a:p>
           <a:p>
@@ -4189,8 +5533,72 @@
           <a:p>
             <a:r>
               <a:rPr lang="en-US" dirty="0" smtClean="0"/>
-              <a:t>Interfaces can be extended and combined</a:t>
-            </a:r>
+              <a:t>Interfaces can be extended and </a:t>
+            </a:r>
+            <a:r>
+              <a:rPr lang="en-US" dirty="0" smtClean="0"/>
+              <a:t>combined</a:t>
+            </a:r>
+          </a:p>
+          <a:p>
+            <a:r>
+              <a:rPr lang="en-US" dirty="0" smtClean="0"/>
+              <a:t>Syntax: </a:t>
+            </a:r>
+            <a:r>
+              <a:rPr lang="da-DK" sz="1800" dirty="0" smtClean="0"/>
+              <a:t>[</a:t>
+            </a:r>
+            <a:r>
+              <a:rPr lang="da-DK" sz="1800" i="1" dirty="0" err="1" smtClean="0"/>
+              <a:t>attributes</a:t>
+            </a:r>
+            <a:r>
+              <a:rPr lang="da-DK" sz="1800" i="1" dirty="0" smtClean="0"/>
+              <a:t>] [</a:t>
+            </a:r>
+            <a:r>
+              <a:rPr lang="da-DK" sz="1800" i="1" dirty="0" err="1" smtClean="0"/>
+              <a:t>access-modifier</a:t>
+            </a:r>
+            <a:r>
+              <a:rPr lang="da-DK" sz="1800" i="1" dirty="0" smtClean="0"/>
+              <a:t>] interface </a:t>
+            </a:r>
+            <a:r>
+              <a:rPr lang="da-DK" sz="1800" i="1" dirty="0" err="1" smtClean="0"/>
+              <a:t>interface-name</a:t>
+            </a:r>
+            <a:r>
+              <a:rPr lang="da-DK" sz="1800" i="1" dirty="0" smtClean="0"/>
+              <a:t>[:</a:t>
+            </a:r>
+            <a:r>
+              <a:rPr lang="da-DK" sz="1800" i="1" dirty="0" err="1" smtClean="0"/>
+              <a:t>base-list</a:t>
+            </a:r>
+            <a:r>
+              <a:rPr lang="da-DK" sz="1800" i="1" dirty="0" smtClean="0"/>
+              <a:t>]</a:t>
+            </a:r>
+          </a:p>
+          <a:p>
+            <a:pPr>
+              <a:buNone/>
+            </a:pPr>
+            <a:r>
+              <a:rPr lang="da-DK" sz="1800" dirty="0" smtClean="0"/>
+              <a:t>			{</a:t>
+            </a:r>
+            <a:r>
+              <a:rPr lang="da-DK" sz="1800" i="1" dirty="0" err="1" smtClean="0"/>
+              <a:t>interface-body</a:t>
+            </a:r>
+            <a:r>
+              <a:rPr lang="da-DK" sz="1800" i="1" dirty="0" smtClean="0"/>
+              <a:t>}</a:t>
+            </a:r>
+            <a:endParaRPr lang="en-US" sz="1800" dirty="0" smtClean="0"/>
           </a:p>
         </p:txBody>
       </p:sp>
@@ -4203,7 +5611,7 @@
           <p:nvPr/>
         </p:nvPicPr>
         <p:blipFill>
-          <a:blip r:embed="rId2" cstate="print"/>
+          <a:blip r:embed="rId3" cstate="print"/>
           <a:srcRect/>
           <a:stretch>
             <a:fillRect/>

--- a/OOPExam/01 Class, Abstract Class and Interfaces.pptx
+++ b/OOPExam/01 Class, Abstract Class and Interfaces.pptx
@@ -817,6 +817,51 @@
               <a:rPr lang="da-DK" baseline="0" dirty="0" smtClean="0"/>
               <a:t> </a:t>
             </a:r>
+            <a:r>
+              <a:rPr lang="en-US" sz="1200" kern="1200" baseline="0" dirty="0" smtClean="0">
+                <a:solidFill>
+                  <a:schemeClr val="tx1"/>
+                </a:solidFill>
+                <a:latin typeface="+mn-lt"/>
+                <a:ea typeface="+mn-ea"/>
+                <a:cs typeface="+mn-cs"/>
+              </a:rPr>
+              <a:t>[</a:t>
+            </a:r>
+            <a:r>
+              <a:rPr lang="en-US" sz="1200" kern="1200" baseline="0" dirty="0" err="1" smtClean="0">
+                <a:solidFill>
+                  <a:schemeClr val="tx1"/>
+                </a:solidFill>
+                <a:latin typeface="+mn-lt"/>
+                <a:ea typeface="+mn-ea"/>
+                <a:cs typeface="+mn-cs"/>
+              </a:rPr>
+              <a:t>Serializable</a:t>
+            </a:r>
+            <a:r>
+              <a:rPr lang="en-US" sz="1200" kern="1200" baseline="0" dirty="0" smtClean="0">
+                <a:solidFill>
+                  <a:schemeClr val="tx1"/>
+                </a:solidFill>
+                <a:latin typeface="+mn-lt"/>
+                <a:ea typeface="+mn-ea"/>
+                <a:cs typeface="+mn-cs"/>
+              </a:rPr>
+              <a:t>] is an attribute used when working with objects </a:t>
+            </a:r>
+            <a:r>
+              <a:rPr lang="en-US" sz="1200" kern="1200" baseline="0" smtClean="0">
+                <a:solidFill>
+                  <a:schemeClr val="tx1"/>
+                </a:solidFill>
+                <a:latin typeface="+mn-lt"/>
+                <a:ea typeface="+mn-ea"/>
+                <a:cs typeface="+mn-cs"/>
+              </a:rPr>
+              <a:t>and files.</a:t>
+            </a:r>
+            <a:endParaRPr lang="da-DK" baseline="0" dirty="0" smtClean="0"/>
           </a:p>
           <a:p>
             <a:pPr marL="0" marR="0" indent="0" algn="l" defTabSz="914400" rtl="0" eaLnBrk="1" fontAlgn="auto" latinLnBrk="0" hangingPunct="1">
@@ -5516,13 +5561,8 @@
             </a:r>
             <a:r>
               <a:rPr lang="en-US" i="1" dirty="0" smtClean="0"/>
-              <a:t>interface is a contract that guarantees to a client how a class will behave</a:t>
-            </a:r>
-            <a:r>
-              <a:rPr lang="en-US" i="1" dirty="0" smtClean="0"/>
-              <a:t>”</a:t>
-            </a:r>
-            <a:endParaRPr lang="en-US" i="1" dirty="0" smtClean="0"/>
+              <a:t>interface is a contract that guarantees to a client how a class will behave”</a:t>
+            </a:r>
           </a:p>
           <a:p>
             <a:r>
@@ -5533,11 +5573,7 @@
           <a:p>
             <a:r>
               <a:rPr lang="en-US" dirty="0" smtClean="0"/>
-              <a:t>Interfaces can be extended and </a:t>
-            </a:r>
-            <a:r>
-              <a:rPr lang="en-US" dirty="0" smtClean="0"/>
-              <a:t>combined</a:t>
+              <a:t>Interfaces can be extended and combined</a:t>
             </a:r>
           </a:p>
           <a:p>

--- a/OOPExam/01 Class, Abstract Class and Interfaces.pptx
+++ b/OOPExam/01 Class, Abstract Class and Interfaces.pptx
@@ -2109,6 +2109,207 @@
               <a:rPr lang="en-US" smtClean="0"/>
               <a:pPr/>
               <a:t>8</a:t>
+            </a:fld>
+            <a:endParaRPr lang="en-US"/>
+          </a:p>
+        </p:txBody>
+      </p:sp>
+    </p:spTree>
+  </p:cSld>
+  <p:clrMapOvr>
+    <a:masterClrMapping/>
+  </p:clrMapOvr>
+</p:notes>
+</file>
+
+<file path=ppt/notesSlides/notesSlide6.xml><?xml version="1.0" encoding="utf-8"?>
+<p:notes xmlns:a="http://schemas.openxmlformats.org/drawingml/2006/main" xmlns:r="http://schemas.openxmlformats.org/officeDocument/2006/relationships" xmlns:p="http://schemas.openxmlformats.org/presentationml/2006/main">
+  <p:cSld>
+    <p:spTree>
+      <p:nvGrpSpPr>
+        <p:cNvPr id="1" name=""/>
+        <p:cNvGrpSpPr/>
+        <p:nvPr/>
+      </p:nvGrpSpPr>
+      <p:grpSpPr>
+        <a:xfrm>
+          <a:off x="0" y="0"/>
+          <a:ext cx="0" cy="0"/>
+          <a:chOff x="0" y="0"/>
+          <a:chExt cx="0" cy="0"/>
+        </a:xfrm>
+      </p:grpSpPr>
+      <p:sp>
+        <p:nvSpPr>
+          <p:cNvPr id="2" name="Pladsholder til diasbillede 1"/>
+          <p:cNvSpPr>
+            <a:spLocks noGrp="1" noRot="1" noChangeAspect="1"/>
+          </p:cNvSpPr>
+          <p:nvPr>
+            <p:ph type="sldImg"/>
+          </p:nvPr>
+        </p:nvSpPr>
+        <p:spPr/>
+      </p:sp>
+      <p:sp>
+        <p:nvSpPr>
+          <p:cNvPr id="3" name="Pladsholder til noter 2"/>
+          <p:cNvSpPr>
+            <a:spLocks noGrp="1"/>
+          </p:cNvSpPr>
+          <p:nvPr>
+            <p:ph type="body" idx="1"/>
+          </p:nvPr>
+        </p:nvSpPr>
+        <p:spPr/>
+        <p:txBody>
+          <a:bodyPr>
+            <a:normAutofit/>
+          </a:bodyPr>
+          <a:lstStyle/>
+          <a:p>
+            <a:pPr marL="0" marR="0" indent="0" algn="l" defTabSz="914400" rtl="0" eaLnBrk="1" fontAlgn="auto" latinLnBrk="0" hangingPunct="1">
+              <a:lnSpc>
+                <a:spcPct val="100000"/>
+              </a:lnSpc>
+              <a:spcBef>
+                <a:spcPts val="0"/>
+              </a:spcBef>
+              <a:spcAft>
+                <a:spcPts val="0"/>
+              </a:spcAft>
+              <a:buClrTx/>
+              <a:buSzTx/>
+              <a:buFontTx/>
+              <a:buNone/>
+              <a:tabLst/>
+              <a:defRPr/>
+            </a:pPr>
+            <a:r>
+              <a:rPr lang="en-US" dirty="0" smtClean="0"/>
+              <a:t>Our application uses list to contain the cards and the </a:t>
+            </a:r>
+            <a:r>
+              <a:rPr lang="en-US" dirty="0" err="1" smtClean="0"/>
+              <a:t>foreach</a:t>
+            </a:r>
+            <a:r>
+              <a:rPr lang="en-US" dirty="0" smtClean="0"/>
+              <a:t> statement to manage the cards</a:t>
+            </a:r>
+          </a:p>
+          <a:p>
+            <a:pPr marL="0" marR="0" indent="0" algn="l" defTabSz="914400" rtl="0" eaLnBrk="1" fontAlgn="auto" latinLnBrk="0" hangingPunct="1">
+              <a:lnSpc>
+                <a:spcPct val="100000"/>
+              </a:lnSpc>
+              <a:spcBef>
+                <a:spcPts val="0"/>
+              </a:spcBef>
+              <a:spcAft>
+                <a:spcPts val="0"/>
+              </a:spcAft>
+              <a:buClrTx/>
+              <a:buSzTx/>
+              <a:buFontTx/>
+              <a:buNone/>
+              <a:tabLst/>
+              <a:defRPr/>
+            </a:pPr>
+            <a:endParaRPr lang="en-US" dirty="0" smtClean="0"/>
+          </a:p>
+          <a:p>
+            <a:pPr marL="0" marR="0" indent="0" algn="l" defTabSz="914400" rtl="0" eaLnBrk="1" fontAlgn="auto" latinLnBrk="0" hangingPunct="1">
+              <a:lnSpc>
+                <a:spcPct val="100000"/>
+              </a:lnSpc>
+              <a:spcBef>
+                <a:spcPts val="0"/>
+              </a:spcBef>
+              <a:spcAft>
+                <a:spcPts val="0"/>
+              </a:spcAft>
+              <a:buClrTx/>
+              <a:buSzTx/>
+              <a:buFontTx/>
+              <a:buNone/>
+              <a:tabLst/>
+              <a:defRPr/>
+            </a:pPr>
+            <a:r>
+              <a:rPr lang="en-US" dirty="0" smtClean="0"/>
+              <a:t>Our application contains a</a:t>
+            </a:r>
+            <a:r>
+              <a:rPr lang="en-US" baseline="0" dirty="0" smtClean="0"/>
+              <a:t> simple card class, and a deck class.</a:t>
+            </a:r>
+          </a:p>
+          <a:p>
+            <a:pPr marL="0" marR="0" indent="0" algn="l" defTabSz="914400" rtl="0" eaLnBrk="1" fontAlgn="auto" latinLnBrk="0" hangingPunct="1">
+              <a:lnSpc>
+                <a:spcPct val="100000"/>
+              </a:lnSpc>
+              <a:spcBef>
+                <a:spcPts val="0"/>
+              </a:spcBef>
+              <a:spcAft>
+                <a:spcPts val="0"/>
+              </a:spcAft>
+              <a:buClrTx/>
+              <a:buSzTx/>
+              <a:buFontTx/>
+              <a:buNone/>
+              <a:tabLst/>
+              <a:defRPr/>
+            </a:pPr>
+            <a:endParaRPr lang="en-US" baseline="0" dirty="0" smtClean="0"/>
+          </a:p>
+          <a:p>
+            <a:pPr marL="0" marR="0" indent="0" algn="l" defTabSz="914400" rtl="0" eaLnBrk="1" fontAlgn="auto" latinLnBrk="0" hangingPunct="1">
+              <a:lnSpc>
+                <a:spcPct val="100000"/>
+              </a:lnSpc>
+              <a:spcBef>
+                <a:spcPts val="0"/>
+              </a:spcBef>
+              <a:spcAft>
+                <a:spcPts val="0"/>
+              </a:spcAft>
+              <a:buClrTx/>
+              <a:buSzTx/>
+              <a:buFontTx/>
+              <a:buNone/>
+              <a:tabLst/>
+              <a:defRPr/>
+            </a:pPr>
+            <a:r>
+              <a:rPr lang="en-US" baseline="0" dirty="0" smtClean="0"/>
+              <a:t>A deck of cards is a list that contains objects of the type card.</a:t>
+            </a:r>
+            <a:endParaRPr lang="en-US" baseline="0" dirty="0" smtClean="0"/>
+          </a:p>
+        </p:txBody>
+      </p:sp>
+      <p:sp>
+        <p:nvSpPr>
+          <p:cNvPr id="4" name="Pladsholder til diasnummer 3"/>
+          <p:cNvSpPr>
+            <a:spLocks noGrp="1"/>
+          </p:cNvSpPr>
+          <p:nvPr>
+            <p:ph type="sldNum" sz="quarter" idx="10"/>
+          </p:nvPr>
+        </p:nvSpPr>
+        <p:spPr/>
+        <p:txBody>
+          <a:bodyPr/>
+          <a:lstStyle/>
+          <a:p>
+            <a:fld id="{6C3390C7-C92A-440B-B67D-36FF6D2DBAFD}" type="slidenum">
+              <a:rPr lang="en-US" smtClean="0"/>
+              <a:pPr/>
+              <a:t>10</a:t>
             </a:fld>
             <a:endParaRPr lang="en-US"/>
           </a:p>
@@ -5180,7 +5381,7 @@
       </p:sp>
       <p:sp>
         <p:nvSpPr>
-          <p:cNvPr id="3" name="Content Placeholder 2"/>
+          <p:cNvPr id="4" name="Content Placeholder 2"/>
           <p:cNvSpPr>
             <a:spLocks noGrp="1"/>
           </p:cNvSpPr>
@@ -5193,10 +5394,80 @@
           <a:bodyPr/>
           <a:lstStyle/>
           <a:p>
-            <a:endParaRPr lang="da-DK"/>
-          </a:p>
-        </p:txBody>
-      </p:sp>
+            <a:r>
+              <a:rPr lang="en-US" dirty="0" smtClean="0"/>
+              <a:t>List and </a:t>
+            </a:r>
+            <a:r>
+              <a:rPr lang="en-US" dirty="0" err="1" smtClean="0"/>
+              <a:t>foreach</a:t>
+            </a:r>
+            <a:r>
+              <a:rPr lang="en-US" dirty="0" smtClean="0"/>
+              <a:t> in our application</a:t>
+            </a:r>
+            <a:endParaRPr lang="en-US" dirty="0"/>
+          </a:p>
+        </p:txBody>
+      </p:sp>
+      <p:pic>
+        <p:nvPicPr>
+          <p:cNvPr id="5" name="Picture 4"/>
+          <p:cNvPicPr>
+            <a:picLocks noChangeAspect="1" noChangeArrowheads="1"/>
+          </p:cNvPicPr>
+          <p:nvPr/>
+        </p:nvPicPr>
+        <p:blipFill>
+          <a:blip r:embed="rId3" cstate="print"/>
+          <a:srcRect/>
+          <a:stretch>
+            <a:fillRect/>
+          </a:stretch>
+        </p:blipFill>
+        <p:spPr bwMode="auto">
+          <a:xfrm>
+            <a:off x="500034" y="2500306"/>
+            <a:ext cx="6219825" cy="2981325"/>
+          </a:xfrm>
+          <a:prstGeom prst="rect">
+            <a:avLst/>
+          </a:prstGeom>
+          <a:noFill/>
+          <a:ln w="9525">
+            <a:noFill/>
+            <a:miter lim="800000"/>
+            <a:headEnd/>
+            <a:tailEnd/>
+          </a:ln>
+        </p:spPr>
+      </p:pic>
+      <p:pic>
+        <p:nvPicPr>
+          <p:cNvPr id="6" name="Picture 2" descr="C:\Users\Martin\Desktop\Personal\Civil 3 Semester\projectwork\OOPExam\classDiagram.png"/>
+          <p:cNvPicPr>
+            <a:picLocks noChangeAspect="1" noChangeArrowheads="1"/>
+          </p:cNvPicPr>
+          <p:nvPr/>
+        </p:nvPicPr>
+        <p:blipFill>
+          <a:blip r:embed="rId4" cstate="print"/>
+          <a:srcRect/>
+          <a:stretch>
+            <a:fillRect/>
+          </a:stretch>
+        </p:blipFill>
+        <p:spPr bwMode="auto">
+          <a:xfrm>
+            <a:off x="5072066" y="2071678"/>
+            <a:ext cx="4071934" cy="2571768"/>
+          </a:xfrm>
+          <a:prstGeom prst="rect">
+            <a:avLst/>
+          </a:prstGeom>
+          <a:noFill/>
+        </p:spPr>
+      </p:pic>
     </p:spTree>
   </p:cSld>
   <p:clrMapOvr>
@@ -6726,7 +6997,7 @@
       </p:sp>
       <p:sp>
         <p:nvSpPr>
-          <p:cNvPr id="3" name="Content Placeholder 2"/>
+          <p:cNvPr id="4" name="Content Placeholder 2"/>
           <p:cNvSpPr>
             <a:spLocks noGrp="1"/>
           </p:cNvSpPr>
@@ -6739,10 +7010,73 @@
           <a:bodyPr/>
           <a:lstStyle/>
           <a:p>
-            <a:endParaRPr lang="da-DK"/>
-          </a:p>
-        </p:txBody>
-      </p:sp>
+            <a:r>
+              <a:rPr lang="da-DK" dirty="0" smtClean="0"/>
+              <a:t>Black Jack Game</a:t>
+            </a:r>
+          </a:p>
+          <a:p>
+            <a:endParaRPr lang="da-DK" dirty="0" smtClean="0"/>
+          </a:p>
+          <a:p>
+            <a:r>
+              <a:rPr lang="da-DK" dirty="0" smtClean="0"/>
+              <a:t>Log</a:t>
+            </a:r>
+          </a:p>
+          <a:p>
+            <a:r>
+              <a:rPr lang="da-DK" dirty="0" smtClean="0"/>
+              <a:t>Save Log</a:t>
+            </a:r>
+          </a:p>
+          <a:p>
+            <a:r>
+              <a:rPr lang="da-DK" smtClean="0"/>
+              <a:t>Betting</a:t>
+            </a:r>
+            <a:endParaRPr lang="da-DK" dirty="0" smtClean="0"/>
+          </a:p>
+          <a:p>
+            <a:r>
+              <a:rPr lang="da-DK" dirty="0" smtClean="0"/>
+              <a:t>Hit</a:t>
+            </a:r>
+          </a:p>
+          <a:p>
+            <a:r>
+              <a:rPr lang="da-DK" dirty="0" smtClean="0"/>
+              <a:t>Stand</a:t>
+            </a:r>
+          </a:p>
+        </p:txBody>
+      </p:sp>
+      <p:pic>
+        <p:nvPicPr>
+          <p:cNvPr id="5" name="Picture 2" descr="C:\Users\Martin\Desktop\Personal\Civil 3 Semester\projectwork\OOPExam\appScreenshot.png"/>
+          <p:cNvPicPr>
+            <a:picLocks noChangeAspect="1" noChangeArrowheads="1"/>
+          </p:cNvPicPr>
+          <p:nvPr/>
+        </p:nvPicPr>
+        <p:blipFill>
+          <a:blip r:embed="rId2" cstate="print"/>
+          <a:srcRect/>
+          <a:stretch>
+            <a:fillRect/>
+          </a:stretch>
+        </p:blipFill>
+        <p:spPr bwMode="auto">
+          <a:xfrm>
+            <a:off x="2714612" y="2357430"/>
+            <a:ext cx="6207028" cy="3430838"/>
+          </a:xfrm>
+          <a:prstGeom prst="rect">
+            <a:avLst/>
+          </a:prstGeom>
+          <a:noFill/>
+        </p:spPr>
+      </p:pic>
     </p:spTree>
   </p:cSld>
   <p:clrMapOvr>

--- a/OOPExam/01 Class, Abstract Class and Interfaces.pptx
+++ b/OOPExam/01 Class, Abstract Class and Interfaces.pptx
@@ -7032,7 +7032,7 @@
           </a:p>
           <a:p>
             <a:r>
-              <a:rPr lang="da-DK" smtClean="0"/>
+              <a:rPr lang="da-DK" dirty="0" err="1" smtClean="0"/>
               <a:t>Betting</a:t>
             </a:r>
             <a:endParaRPr lang="da-DK" dirty="0" smtClean="0"/>
